--- a/doc/Cpp_vs_Rust.pptx
+++ b/doc/Cpp_vs_Rust.pptx
@@ -9,7 +9,7 @@
     <p:notesMasterId r:id="rId27"/>
   </p:notesMasterIdLst>
   <p:sldIdLst>
-    <p:sldId id="256" r:id="rId3"/>
+    <p:sldId id="292" r:id="rId3"/>
     <p:sldId id="258" r:id="rId4"/>
     <p:sldId id="257" r:id="rId5"/>
     <p:sldId id="289" r:id="rId6"/>
@@ -30,7 +30,7 @@
     <p:sldId id="274" r:id="rId21"/>
     <p:sldId id="279" r:id="rId22"/>
     <p:sldId id="284" r:id="rId23"/>
-    <p:sldId id="262" r:id="rId24"/>
+    <p:sldId id="293" r:id="rId24"/>
     <p:sldId id="288" r:id="rId25"/>
     <p:sldId id="259" r:id="rId26"/>
   </p:sldIdLst>
@@ -142,7 +142,7 @@
 <file path=ppt/revisionInfo.xml><?xml version="1.0" encoding="utf-8"?>
 <p1510:revInfo xmlns:a="http://schemas.openxmlformats.org/drawingml/2006/main" xmlns:r="http://schemas.openxmlformats.org/officeDocument/2006/relationships" xmlns:p1510="http://schemas.microsoft.com/office/powerpoint/2015/10/main">
   <p1510:revLst>
-    <p1510:client id="{B4B8FD40-210B-436E-A491-E1748FE21188}" v="1745" dt="2023-03-24T20:13:46.571"/>
+    <p1510:client id="{B4B8FD40-210B-436E-A491-E1748FE21188}" v="1970" dt="2023-03-28T13:53:32.041"/>
   </p1510:revLst>
 </p1510:revInfo>
 </file>
@@ -152,12 +152,12 @@
   <pc:docChgLst>
     <pc:chgData name="Dennis Alberts" userId="f97616d7-985b-4105-a929-adc303856097" providerId="ADAL" clId="{B4B8FD40-210B-436E-A491-E1748FE21188}"/>
     <pc:docChg chg="undo custSel addSld delSld modSld sldOrd modMainMaster">
-      <pc:chgData name="Dennis Alberts" userId="f97616d7-985b-4105-a929-adc303856097" providerId="ADAL" clId="{B4B8FD40-210B-436E-A491-E1748FE21188}" dt="2023-03-27T07:27:56.257" v="14500" actId="1076"/>
+      <pc:chgData name="Dennis Alberts" userId="f97616d7-985b-4105-a929-adc303856097" providerId="ADAL" clId="{B4B8FD40-210B-436E-A491-E1748FE21188}" dt="2023-03-28T13:53:50.574" v="14957" actId="47"/>
       <pc:docMkLst>
         <pc:docMk/>
       </pc:docMkLst>
-      <pc:sldChg chg="modSp mod">
-        <pc:chgData name="Dennis Alberts" userId="f97616d7-985b-4105-a929-adc303856097" providerId="ADAL" clId="{B4B8FD40-210B-436E-A491-E1748FE21188}" dt="2023-03-24T13:36:13.884" v="14140" actId="20577"/>
+      <pc:sldChg chg="modSp del mod">
+        <pc:chgData name="Dennis Alberts" userId="f97616d7-985b-4105-a929-adc303856097" providerId="ADAL" clId="{B4B8FD40-210B-436E-A491-E1748FE21188}" dt="2023-03-28T13:48:58.549" v="14721" actId="47"/>
         <pc:sldMkLst>
           <pc:docMk/>
           <pc:sldMk cId="2952782156" sldId="256"/>
@@ -356,8 +356,8 @@
           </ac:picMkLst>
         </pc:picChg>
       </pc:sldChg>
-      <pc:sldChg chg="modSp new mod modNotesTx">
-        <pc:chgData name="Dennis Alberts" userId="f97616d7-985b-4105-a929-adc303856097" providerId="ADAL" clId="{B4B8FD40-210B-436E-A491-E1748FE21188}" dt="2023-03-24T19:52:46.483" v="14309" actId="20577"/>
+      <pc:sldChg chg="addSp modSp new del mod modNotesTx">
+        <pc:chgData name="Dennis Alberts" userId="f97616d7-985b-4105-a929-adc303856097" providerId="ADAL" clId="{B4B8FD40-210B-436E-A491-E1748FE21188}" dt="2023-03-28T13:53:50.574" v="14957" actId="47"/>
         <pc:sldMkLst>
           <pc:docMk/>
           <pc:sldMk cId="3919237953" sldId="262"/>
@@ -378,6 +378,14 @@
             <ac:spMk id="3" creationId="{602FBDEC-2D2C-0051-B9F4-30F88BF71C23}"/>
           </ac:spMkLst>
         </pc:spChg>
+        <pc:picChg chg="add mod">
+          <ac:chgData name="Dennis Alberts" userId="f97616d7-985b-4105-a929-adc303856097" providerId="ADAL" clId="{B4B8FD40-210B-436E-A491-E1748FE21188}" dt="2023-03-28T08:28:09.083" v="14720" actId="1076"/>
+          <ac:picMkLst>
+            <pc:docMk/>
+            <pc:sldMk cId="3919237953" sldId="262"/>
+            <ac:picMk id="5" creationId="{7685C0CE-43B8-B020-6EB9-004E336C27A2}"/>
+          </ac:picMkLst>
+        </pc:picChg>
       </pc:sldChg>
       <pc:sldChg chg="new del">
         <pc:chgData name="Dennis Alberts" userId="f97616d7-985b-4105-a929-adc303856097" providerId="ADAL" clId="{B4B8FD40-210B-436E-A491-E1748FE21188}" dt="2023-03-02T16:44:04.656" v="853" actId="47"/>
@@ -387,7 +395,7 @@
         </pc:sldMkLst>
       </pc:sldChg>
       <pc:sldChg chg="addSp delSp modSp new mod ord modNotesTx">
-        <pc:chgData name="Dennis Alberts" userId="f97616d7-985b-4105-a929-adc303856097" providerId="ADAL" clId="{B4B8FD40-210B-436E-A491-E1748FE21188}" dt="2023-03-27T07:27:05.962" v="14491" actId="478"/>
+        <pc:chgData name="Dennis Alberts" userId="f97616d7-985b-4105-a929-adc303856097" providerId="ADAL" clId="{B4B8FD40-210B-436E-A491-E1748FE21188}" dt="2023-03-27T12:36:59.675" v="14593" actId="115"/>
         <pc:sldMkLst>
           <pc:docMk/>
           <pc:sldMk cId="1616434630" sldId="263"/>
@@ -966,7 +974,7 @@
         </pc:sldMkLst>
       </pc:sldChg>
       <pc:sldChg chg="addSp delSp modSp add mod delAnim modAnim modNotesTx">
-        <pc:chgData name="Dennis Alberts" userId="f97616d7-985b-4105-a929-adc303856097" providerId="ADAL" clId="{B4B8FD40-210B-436E-A491-E1748FE21188}" dt="2023-03-24T13:37:28.213" v="14160" actId="20577"/>
+        <pc:chgData name="Dennis Alberts" userId="f97616d7-985b-4105-a929-adc303856097" providerId="ADAL" clId="{B4B8FD40-210B-436E-A491-E1748FE21188}" dt="2023-03-28T08:13:34.785" v="14713" actId="20577"/>
         <pc:sldMkLst>
           <pc:docMk/>
           <pc:sldMk cId="1197551095" sldId="273"/>
@@ -980,7 +988,7 @@
           </ac:spMkLst>
         </pc:spChg>
         <pc:spChg chg="add mod">
-          <ac:chgData name="Dennis Alberts" userId="f97616d7-985b-4105-a929-adc303856097" providerId="ADAL" clId="{B4B8FD40-210B-436E-A491-E1748FE21188}" dt="2023-03-24T10:02:50.047" v="13703" actId="1076"/>
+          <ac:chgData name="Dennis Alberts" userId="f97616d7-985b-4105-a929-adc303856097" providerId="ADAL" clId="{B4B8FD40-210B-436E-A491-E1748FE21188}" dt="2023-03-28T08:13:34.785" v="14713" actId="20577"/>
           <ac:spMkLst>
             <pc:docMk/>
             <pc:sldMk cId="1197551095" sldId="273"/>
@@ -1616,7 +1624,7 @@
         </pc:picChg>
       </pc:sldChg>
       <pc:sldChg chg="addSp delSp modSp add mod addAnim delAnim modAnim modNotesTx">
-        <pc:chgData name="Dennis Alberts" userId="f97616d7-985b-4105-a929-adc303856097" providerId="ADAL" clId="{B4B8FD40-210B-436E-A491-E1748FE21188}" dt="2023-03-24T13:06:57.464" v="14116" actId="20577"/>
+        <pc:chgData name="Dennis Alberts" userId="f97616d7-985b-4105-a929-adc303856097" providerId="ADAL" clId="{B4B8FD40-210B-436E-A491-E1748FE21188}" dt="2023-03-27T11:35:49.463" v="14510" actId="255"/>
         <pc:sldMkLst>
           <pc:docMk/>
           <pc:sldMk cId="1260055678" sldId="279"/>
@@ -2114,7 +2122,7 @@
         </pc:spChg>
       </pc:sldChg>
       <pc:sldChg chg="modSp new mod modAnim">
-        <pc:chgData name="Dennis Alberts" userId="f97616d7-985b-4105-a929-adc303856097" providerId="ADAL" clId="{B4B8FD40-210B-436E-A491-E1748FE21188}" dt="2023-03-24T19:52:23.664" v="14303" actId="20577"/>
+        <pc:chgData name="Dennis Alberts" userId="f97616d7-985b-4105-a929-adc303856097" providerId="ADAL" clId="{B4B8FD40-210B-436E-A491-E1748FE21188}" dt="2023-03-28T08:26:27.545" v="14714" actId="20577"/>
         <pc:sldMkLst>
           <pc:docMk/>
           <pc:sldMk cId="882957729" sldId="284"/>
@@ -2136,7 +2144,7 @@
           </ac:spMkLst>
         </pc:spChg>
         <pc:spChg chg="mod">
-          <ac:chgData name="Dennis Alberts" userId="f97616d7-985b-4105-a929-adc303856097" providerId="ADAL" clId="{B4B8FD40-210B-436E-A491-E1748FE21188}" dt="2023-03-24T13:52:05.878" v="14299" actId="20577"/>
+          <ac:chgData name="Dennis Alberts" userId="f97616d7-985b-4105-a929-adc303856097" providerId="ADAL" clId="{B4B8FD40-210B-436E-A491-E1748FE21188}" dt="2023-03-28T08:26:27.545" v="14714" actId="20577"/>
           <ac:spMkLst>
             <pc:docMk/>
             <pc:sldMk cId="882957729" sldId="284"/>
@@ -2558,8 +2566,8 @@
           </ac:spMkLst>
         </pc:spChg>
       </pc:sldChg>
-      <pc:sldChg chg="addSp delSp modSp add mod ord">
-        <pc:chgData name="Dennis Alberts" userId="f97616d7-985b-4105-a929-adc303856097" providerId="ADAL" clId="{B4B8FD40-210B-436E-A491-E1748FE21188}" dt="2023-03-27T07:26:56.505" v="14489" actId="478"/>
+      <pc:sldChg chg="addSp delSp modSp add mod ord modNotesTx">
+        <pc:chgData name="Dennis Alberts" userId="f97616d7-985b-4105-a929-adc303856097" providerId="ADAL" clId="{B4B8FD40-210B-436E-A491-E1748FE21188}" dt="2023-03-27T12:37:14.536" v="14596"/>
         <pc:sldMkLst>
           <pc:docMk/>
           <pc:sldMk cId="3274528359" sldId="289"/>
@@ -2597,8 +2605,8 @@
           </ac:picMkLst>
         </pc:picChg>
       </pc:sldChg>
-      <pc:sldChg chg="addSp delSp modSp add mod">
-        <pc:chgData name="Dennis Alberts" userId="f97616d7-985b-4105-a929-adc303856097" providerId="ADAL" clId="{B4B8FD40-210B-436E-A491-E1748FE21188}" dt="2023-03-27T07:27:56.257" v="14500" actId="1076"/>
+      <pc:sldChg chg="addSp delSp modSp add mod modNotesTx">
+        <pc:chgData name="Dennis Alberts" userId="f97616d7-985b-4105-a929-adc303856097" providerId="ADAL" clId="{B4B8FD40-210B-436E-A491-E1748FE21188}" dt="2023-03-27T12:37:18.156" v="14597"/>
         <pc:sldMkLst>
           <pc:docMk/>
           <pc:sldMk cId="1120966071" sldId="290"/>
@@ -2636,8 +2644,8 @@
           </ac:picMkLst>
         </pc:picChg>
       </pc:sldChg>
-      <pc:sldChg chg="delSp modSp add mod">
-        <pc:chgData name="Dennis Alberts" userId="f97616d7-985b-4105-a929-adc303856097" providerId="ADAL" clId="{B4B8FD40-210B-436E-A491-E1748FE21188}" dt="2023-03-27T07:27:48.525" v="14499" actId="1076"/>
+      <pc:sldChg chg="delSp modSp add mod modNotesTx">
+        <pc:chgData name="Dennis Alberts" userId="f97616d7-985b-4105-a929-adc303856097" providerId="ADAL" clId="{B4B8FD40-210B-436E-A491-E1748FE21188}" dt="2023-03-27T12:37:22.009" v="14598"/>
         <pc:sldMkLst>
           <pc:docMk/>
           <pc:sldMk cId="1962632731" sldId="291"/>
@@ -2666,6 +2674,45 @@
             <ac:picMk id="7" creationId="{208CD60C-53E5-8F16-4F50-2750EF685578}"/>
           </ac:picMkLst>
         </pc:picChg>
+      </pc:sldChg>
+      <pc:sldChg chg="modSp mod modNotesTx">
+        <pc:chgData name="Dennis Alberts" userId="f97616d7-985b-4105-a929-adc303856097" providerId="ADAL" clId="{B4B8FD40-210B-436E-A491-E1748FE21188}" dt="2023-03-28T13:53:48.211" v="14956"/>
+        <pc:sldMkLst>
+          <pc:docMk/>
+          <pc:sldMk cId="3245269924" sldId="293"/>
+        </pc:sldMkLst>
+        <pc:spChg chg="mod">
+          <ac:chgData name="Dennis Alberts" userId="f97616d7-985b-4105-a929-adc303856097" providerId="ADAL" clId="{B4B8FD40-210B-436E-A491-E1748FE21188}" dt="2023-03-28T13:50:39.031" v="14734" actId="207"/>
+          <ac:spMkLst>
+            <pc:docMk/>
+            <pc:sldMk cId="3245269924" sldId="293"/>
+            <ac:spMk id="5" creationId="{E5EA88E6-BA07-1EEF-272E-11B397079F92}"/>
+          </ac:spMkLst>
+        </pc:spChg>
+        <pc:graphicFrameChg chg="mod">
+          <ac:chgData name="Dennis Alberts" userId="f97616d7-985b-4105-a929-adc303856097" providerId="ADAL" clId="{B4B8FD40-210B-436E-A491-E1748FE21188}" dt="2023-03-28T13:51:19.149" v="14835" actId="20577"/>
+          <ac:graphicFrameMkLst>
+            <pc:docMk/>
+            <pc:sldMk cId="3245269924" sldId="293"/>
+            <ac:graphicFrameMk id="2" creationId="{144741BD-A8B1-D917-E651-EC3F7CD84A7F}"/>
+          </ac:graphicFrameMkLst>
+        </pc:graphicFrameChg>
+        <pc:graphicFrameChg chg="mod">
+          <ac:chgData name="Dennis Alberts" userId="f97616d7-985b-4105-a929-adc303856097" providerId="ADAL" clId="{B4B8FD40-210B-436E-A491-E1748FE21188}" dt="2023-03-28T13:51:35.642" v="14861" actId="20577"/>
+          <ac:graphicFrameMkLst>
+            <pc:docMk/>
+            <pc:sldMk cId="3245269924" sldId="293"/>
+            <ac:graphicFrameMk id="3" creationId="{6F4B8D6F-365C-8597-0017-910691B0B6E3}"/>
+          </ac:graphicFrameMkLst>
+        </pc:graphicFrameChg>
+        <pc:graphicFrameChg chg="mod">
+          <ac:chgData name="Dennis Alberts" userId="f97616d7-985b-4105-a929-adc303856097" providerId="ADAL" clId="{B4B8FD40-210B-436E-A491-E1748FE21188}" dt="2023-03-28T13:53:32.041" v="14955" actId="20577"/>
+          <ac:graphicFrameMkLst>
+            <pc:docMk/>
+            <pc:sldMk cId="3245269924" sldId="293"/>
+            <ac:graphicFrameMk id="4" creationId="{0F2B6A94-ABE0-6226-0002-CCCFD9D68DC1}"/>
+          </ac:graphicFrameMkLst>
+        </pc:graphicFrameChg>
       </pc:sldChg>
       <pc:sldMasterChg chg="modSldLayout">
         <pc:chgData name="Dennis Alberts" userId="f97616d7-985b-4105-a929-adc303856097" providerId="ADAL" clId="{B4B8FD40-210B-436E-A491-E1748FE21188}" dt="2023-03-02T15:44:36.607" v="41" actId="2711"/>
@@ -2745,6 +2792,2640 @@
     </pc:docChg>
   </pc:docChgLst>
 </pc:chgInfo>
+</file>
+
+<file path=ppt/charts/chart1.xml><?xml version="1.0" encoding="utf-8"?>
+<c:chartSpace xmlns:c="http://schemas.openxmlformats.org/drawingml/2006/chart" xmlns:a="http://schemas.openxmlformats.org/drawingml/2006/main" xmlns:r="http://schemas.openxmlformats.org/officeDocument/2006/relationships" xmlns:c16r2="http://schemas.microsoft.com/office/drawing/2015/06/chart">
+  <c:date1904 val="0"/>
+  <c:lang val="en-US"/>
+  <c:roundedCorners val="0"/>
+  <mc:AlternateContent xmlns:mc="http://schemas.openxmlformats.org/markup-compatibility/2006">
+    <mc:Choice xmlns:c14="http://schemas.microsoft.com/office/drawing/2007/8/2/chart" Requires="c14">
+      <c14:style val="104"/>
+    </mc:Choice>
+    <mc:Fallback>
+      <c:style val="4"/>
+    </mc:Fallback>
+  </mc:AlternateContent>
+  <c:chart>
+    <c:title>
+      <c:tx>
+        <c:rich>
+          <a:bodyPr rot="0" spcFirstLastPara="1" vertOverflow="ellipsis" vert="horz" wrap="square" anchor="ctr" anchorCtr="1"/>
+          <a:lstStyle/>
+          <a:p>
+            <a:pPr>
+              <a:defRPr sz="1862" b="1" i="0" u="none" strike="noStrike" kern="1200" cap="all" spc="50" baseline="0">
+                <a:solidFill>
+                  <a:schemeClr val="tx1">
+                    <a:lumMod val="65000"/>
+                    <a:lumOff val="35000"/>
+                  </a:schemeClr>
+                </a:solidFill>
+                <a:latin typeface="+mn-lt"/>
+                <a:ea typeface="+mn-ea"/>
+                <a:cs typeface="+mn-cs"/>
+              </a:defRPr>
+            </a:pPr>
+            <a:r>
+              <a:rPr lang="en-US" sz="1400" b="1" i="0" cap="none" dirty="0">
+                <a:latin typeface="Poppins" pitchFamily="2" charset="77"/>
+                <a:cs typeface="Poppins" pitchFamily="2" charset="77"/>
+              </a:rPr>
+              <a:t>Can</a:t>
+            </a:r>
+            <a:r>
+              <a:rPr lang="en-US" sz="1400" b="1" i="0" cap="none" baseline="0" dirty="0">
+                <a:latin typeface="Poppins" pitchFamily="2" charset="77"/>
+                <a:cs typeface="Poppins" pitchFamily="2" charset="77"/>
+              </a:rPr>
+              <a:t> C++ be as safe</a:t>
+            </a:r>
+          </a:p>
+          <a:p>
+            <a:pPr>
+              <a:defRPr/>
+            </a:pPr>
+            <a:r>
+              <a:rPr lang="en-US" sz="1400" b="1" i="0" cap="none" baseline="0" dirty="0">
+                <a:latin typeface="Poppins" pitchFamily="2" charset="77"/>
+                <a:cs typeface="Poppins" pitchFamily="2" charset="77"/>
+              </a:rPr>
+              <a:t>as Rust?</a:t>
+            </a:r>
+            <a:endParaRPr lang="en-US" sz="1400" b="1" i="0" cap="none" dirty="0">
+              <a:latin typeface="Poppins" pitchFamily="2" charset="77"/>
+              <a:cs typeface="Poppins" pitchFamily="2" charset="77"/>
+            </a:endParaRPr>
+          </a:p>
+        </c:rich>
+      </c:tx>
+      <c:layout>
+        <c:manualLayout>
+          <c:xMode val="edge"/>
+          <c:yMode val="edge"/>
+          <c:x val="0.29156705498273072"/>
+          <c:y val="0"/>
+        </c:manualLayout>
+      </c:layout>
+      <c:overlay val="0"/>
+      <c:spPr>
+        <a:noFill/>
+        <a:ln>
+          <a:noFill/>
+        </a:ln>
+        <a:effectLst/>
+      </c:spPr>
+      <c:txPr>
+        <a:bodyPr rot="0" spcFirstLastPara="1" vertOverflow="ellipsis" vert="horz" wrap="square" anchor="ctr" anchorCtr="1"/>
+        <a:lstStyle/>
+        <a:p>
+          <a:pPr>
+            <a:defRPr sz="1862" b="1" i="0" u="none" strike="noStrike" kern="1200" cap="all" spc="50" baseline="0">
+              <a:solidFill>
+                <a:schemeClr val="tx1">
+                  <a:lumMod val="65000"/>
+                  <a:lumOff val="35000"/>
+                </a:schemeClr>
+              </a:solidFill>
+              <a:latin typeface="+mn-lt"/>
+              <a:ea typeface="+mn-ea"/>
+              <a:cs typeface="+mn-cs"/>
+            </a:defRPr>
+          </a:pPr>
+          <a:endParaRPr lang="en-US"/>
+        </a:p>
+      </c:txPr>
+    </c:title>
+    <c:autoTitleDeleted val="0"/>
+    <c:plotArea>
+      <c:layout>
+        <c:manualLayout>
+          <c:layoutTarget val="inner"/>
+          <c:xMode val="edge"/>
+          <c:yMode val="edge"/>
+          <c:x val="0.29720563116972953"/>
+          <c:y val="0.35197343095444766"/>
+          <c:w val="0.35824797512743756"/>
+          <c:h val="0.59291512246669431"/>
+        </c:manualLayout>
+      </c:layout>
+      <c:pieChart>
+        <c:varyColors val="1"/>
+        <c:ser>
+          <c:idx val="0"/>
+          <c:order val="0"/>
+          <c:tx>
+            <c:strRef>
+              <c:f>Blad1!$B$1</c:f>
+              <c:strCache>
+                <c:ptCount val="1"/>
+                <c:pt idx="0">
+                  <c:v>Het gebruik van C++ is net zo veilig als Rust</c:v>
+                </c:pt>
+              </c:strCache>
+            </c:strRef>
+          </c:tx>
+          <c:dPt>
+            <c:idx val="0"/>
+            <c:bubble3D val="0"/>
+            <c:spPr>
+              <a:solidFill>
+                <a:schemeClr val="accent2">
+                  <a:tint val="77000"/>
+                </a:schemeClr>
+              </a:solidFill>
+              <a:ln>
+                <a:noFill/>
+              </a:ln>
+              <a:effectLst/>
+              <a:scene3d>
+                <a:camera prst="orthographicFront"/>
+                <a:lightRig rig="brightRoom" dir="t"/>
+              </a:scene3d>
+              <a:sp3d prstMaterial="flat">
+                <a:bevelT w="50800" h="101600" prst="angle"/>
+                <a:contourClr>
+                  <a:srgbClr val="000000"/>
+                </a:contourClr>
+              </a:sp3d>
+            </c:spPr>
+            <c:extLst>
+              <c:ext xmlns:c16="http://schemas.microsoft.com/office/drawing/2014/chart" uri="{C3380CC4-5D6E-409C-BE32-E72D297353CC}">
+                <c16:uniqueId val="{00000001-3720-4CFC-9090-027EC82A4697}"/>
+              </c:ext>
+            </c:extLst>
+          </c:dPt>
+          <c:dPt>
+            <c:idx val="1"/>
+            <c:bubble3D val="0"/>
+            <c:spPr>
+              <a:solidFill>
+                <a:schemeClr val="accent2">
+                  <a:shade val="76000"/>
+                </a:schemeClr>
+              </a:solidFill>
+              <a:ln>
+                <a:noFill/>
+              </a:ln>
+              <a:effectLst/>
+              <a:scene3d>
+                <a:camera prst="orthographicFront"/>
+                <a:lightRig rig="brightRoom" dir="t"/>
+              </a:scene3d>
+              <a:sp3d prstMaterial="flat">
+                <a:bevelT w="50800" h="101600" prst="angle"/>
+                <a:contourClr>
+                  <a:srgbClr val="000000"/>
+                </a:contourClr>
+              </a:sp3d>
+            </c:spPr>
+            <c:extLst>
+              <c:ext xmlns:c16="http://schemas.microsoft.com/office/drawing/2014/chart" uri="{C3380CC4-5D6E-409C-BE32-E72D297353CC}">
+                <c16:uniqueId val="{00000003-3720-4CFC-9090-027EC82A4697}"/>
+              </c:ext>
+            </c:extLst>
+          </c:dPt>
+          <c:dLbls>
+            <c:spPr>
+              <a:noFill/>
+              <a:ln>
+                <a:noFill/>
+              </a:ln>
+              <a:effectLst/>
+            </c:spPr>
+            <c:txPr>
+              <a:bodyPr rot="0" spcFirstLastPara="1" vertOverflow="ellipsis" vert="horz" wrap="square" lIns="38100" tIns="19050" rIns="38100" bIns="19050" anchor="ctr" anchorCtr="1">
+                <a:spAutoFit/>
+              </a:bodyPr>
+              <a:lstStyle/>
+              <a:p>
+                <a:pPr>
+                  <a:defRPr sz="1197" b="1" i="0" u="none" strike="noStrike" kern="1200" baseline="0">
+                    <a:solidFill>
+                      <a:schemeClr val="lt1"/>
+                    </a:solidFill>
+                    <a:latin typeface="+mn-lt"/>
+                    <a:ea typeface="+mn-ea"/>
+                    <a:cs typeface="+mn-cs"/>
+                  </a:defRPr>
+                </a:pPr>
+                <a:endParaRPr lang="en-US"/>
+              </a:p>
+            </c:txPr>
+            <c:dLblPos val="inEnd"/>
+            <c:showLegendKey val="0"/>
+            <c:showVal val="0"/>
+            <c:showCatName val="0"/>
+            <c:showSerName val="0"/>
+            <c:showPercent val="1"/>
+            <c:showBubbleSize val="0"/>
+            <c:showLeaderLines val="1"/>
+            <c:leaderLines>
+              <c:spPr>
+                <a:ln w="9525" cap="flat" cmpd="sng" algn="ctr">
+                  <a:solidFill>
+                    <a:schemeClr val="tx1">
+                      <a:lumMod val="35000"/>
+                      <a:lumOff val="65000"/>
+                    </a:schemeClr>
+                  </a:solidFill>
+                  <a:round/>
+                </a:ln>
+                <a:effectLst/>
+              </c:spPr>
+            </c:leaderLines>
+            <c:extLst>
+              <c:ext xmlns:c15="http://schemas.microsoft.com/office/drawing/2012/chart" uri="{CE6537A1-D6FC-4f65-9D91-7224C49458BB}"/>
+            </c:extLst>
+          </c:dLbls>
+          <c:cat>
+            <c:strRef>
+              <c:f>Blad1!$A$2:$A$3</c:f>
+              <c:strCache>
+                <c:ptCount val="2"/>
+                <c:pt idx="0">
+                  <c:v>Eens</c:v>
+                </c:pt>
+                <c:pt idx="1">
+                  <c:v>Oneens</c:v>
+                </c:pt>
+              </c:strCache>
+            </c:strRef>
+          </c:cat>
+          <c:val>
+            <c:numRef>
+              <c:f>Blad1!$B$2:$B$3</c:f>
+              <c:numCache>
+                <c:formatCode>0.00%</c:formatCode>
+                <c:ptCount val="2"/>
+                <c:pt idx="0">
+                  <c:v>0.23799999999999999</c:v>
+                </c:pt>
+                <c:pt idx="1">
+                  <c:v>0.76200000000000001</c:v>
+                </c:pt>
+              </c:numCache>
+            </c:numRef>
+          </c:val>
+          <c:extLst>
+            <c:ext xmlns:c16="http://schemas.microsoft.com/office/drawing/2014/chart" uri="{C3380CC4-5D6E-409C-BE32-E72D297353CC}">
+              <c16:uniqueId val="{00000000-DED3-F643-8D7A-49914D64C1D3}"/>
+            </c:ext>
+          </c:extLst>
+        </c:ser>
+        <c:dLbls>
+          <c:dLblPos val="inEnd"/>
+          <c:showLegendKey val="0"/>
+          <c:showVal val="0"/>
+          <c:showCatName val="0"/>
+          <c:showSerName val="0"/>
+          <c:showPercent val="1"/>
+          <c:showBubbleSize val="0"/>
+          <c:showLeaderLines val="1"/>
+        </c:dLbls>
+        <c:firstSliceAng val="0"/>
+      </c:pieChart>
+      <c:spPr>
+        <a:noFill/>
+        <a:ln>
+          <a:noFill/>
+        </a:ln>
+        <a:effectLst/>
+      </c:spPr>
+    </c:plotArea>
+    <c:legend>
+      <c:legendPos val="t"/>
+      <c:layout>
+        <c:manualLayout>
+          <c:xMode val="edge"/>
+          <c:yMode val="edge"/>
+          <c:x val="0.35243737210863119"/>
+          <c:y val="0.21649001773785712"/>
+          <c:w val="0.23952209742118463"/>
+          <c:h val="7.8447522361021996E-2"/>
+        </c:manualLayout>
+      </c:layout>
+      <c:overlay val="0"/>
+      <c:spPr>
+        <a:noFill/>
+        <a:ln>
+          <a:noFill/>
+        </a:ln>
+        <a:effectLst/>
+      </c:spPr>
+      <c:txPr>
+        <a:bodyPr rot="0" spcFirstLastPara="1" vertOverflow="ellipsis" vert="horz" wrap="square" anchor="ctr" anchorCtr="1"/>
+        <a:lstStyle/>
+        <a:p>
+          <a:pPr>
+            <a:defRPr sz="1197" b="0" i="0" u="none" strike="noStrike" kern="1200" baseline="0">
+              <a:solidFill>
+                <a:schemeClr val="tx1">
+                  <a:lumMod val="65000"/>
+                  <a:lumOff val="35000"/>
+                </a:schemeClr>
+              </a:solidFill>
+              <a:latin typeface="+mn-lt"/>
+              <a:ea typeface="+mn-ea"/>
+              <a:cs typeface="+mn-cs"/>
+            </a:defRPr>
+          </a:pPr>
+          <a:endParaRPr lang="en-US"/>
+        </a:p>
+      </c:txPr>
+    </c:legend>
+    <c:plotVisOnly val="1"/>
+    <c:dispBlanksAs val="gap"/>
+    <c:extLst>
+      <c:ext xmlns:c16r3="http://schemas.microsoft.com/office/drawing/2017/03/chart" uri="{56B9EC1D-385E-4148-901F-78D8002777C0}">
+        <c16r3:dataDisplayOptions16>
+          <c16r3:dispNaAsBlank val="1"/>
+        </c16r3:dataDisplayOptions16>
+      </c:ext>
+    </c:extLst>
+    <c:showDLblsOverMax val="0"/>
+  </c:chart>
+  <c:spPr>
+    <a:noFill/>
+    <a:ln>
+      <a:noFill/>
+    </a:ln>
+    <a:effectLst/>
+  </c:spPr>
+  <c:txPr>
+    <a:bodyPr/>
+    <a:lstStyle/>
+    <a:p>
+      <a:pPr>
+        <a:defRPr/>
+      </a:pPr>
+      <a:endParaRPr lang="en-US"/>
+    </a:p>
+  </c:txPr>
+  <c:externalData r:id="rId3">
+    <c:autoUpdate val="0"/>
+  </c:externalData>
+</c:chartSpace>
+</file>
+
+<file path=ppt/charts/chart2.xml><?xml version="1.0" encoding="utf-8"?>
+<c:chartSpace xmlns:c="http://schemas.openxmlformats.org/drawingml/2006/chart" xmlns:a="http://schemas.openxmlformats.org/drawingml/2006/main" xmlns:r="http://schemas.openxmlformats.org/officeDocument/2006/relationships" xmlns:c16r2="http://schemas.microsoft.com/office/drawing/2015/06/chart">
+  <c:date1904 val="0"/>
+  <c:lang val="en-US"/>
+  <c:roundedCorners val="0"/>
+  <mc:AlternateContent xmlns:mc="http://schemas.openxmlformats.org/markup-compatibility/2006">
+    <mc:Choice xmlns:c14="http://schemas.microsoft.com/office/drawing/2007/8/2/chart" Requires="c14">
+      <c14:style val="106"/>
+    </mc:Choice>
+    <mc:Fallback>
+      <c:style val="6"/>
+    </mc:Fallback>
+  </mc:AlternateContent>
+  <c:chart>
+    <c:title>
+      <c:tx>
+        <c:rich>
+          <a:bodyPr rot="0" spcFirstLastPara="1" vertOverflow="ellipsis" vert="horz" wrap="square" anchor="ctr" anchorCtr="1"/>
+          <a:lstStyle/>
+          <a:p>
+            <a:pPr>
+              <a:defRPr sz="1400" b="1" i="0" u="none" strike="noStrike" kern="1200" cap="all" spc="50" baseline="0">
+                <a:solidFill>
+                  <a:schemeClr val="tx1">
+                    <a:lumMod val="65000"/>
+                    <a:lumOff val="35000"/>
+                  </a:schemeClr>
+                </a:solidFill>
+                <a:latin typeface="Poppins" pitchFamily="2" charset="77"/>
+                <a:ea typeface="+mn-ea"/>
+                <a:cs typeface="Poppins" pitchFamily="2" charset="77"/>
+              </a:defRPr>
+            </a:pPr>
+            <a:r>
+              <a:rPr lang="en-US" sz="1400" b="1" i="0" cap="none" dirty="0">
+                <a:latin typeface="Poppins" pitchFamily="2" charset="77"/>
+                <a:cs typeface="Poppins" pitchFamily="2" charset="77"/>
+              </a:rPr>
+              <a:t>Rust is superior</a:t>
+            </a:r>
+            <a:r>
+              <a:rPr lang="en-US" sz="1400" b="1" i="0" cap="none" baseline="0" dirty="0">
+                <a:latin typeface="Poppins" pitchFamily="2" charset="77"/>
+                <a:cs typeface="Poppins" pitchFamily="2" charset="77"/>
+              </a:rPr>
+              <a:t> to C++?</a:t>
+            </a:r>
+            <a:endParaRPr lang="en-US" sz="1400" b="1" i="0" cap="none" dirty="0">
+              <a:latin typeface="Poppins" pitchFamily="2" charset="77"/>
+              <a:cs typeface="Poppins" pitchFamily="2" charset="77"/>
+            </a:endParaRPr>
+          </a:p>
+        </c:rich>
+      </c:tx>
+      <c:overlay val="0"/>
+      <c:spPr>
+        <a:noFill/>
+        <a:ln>
+          <a:noFill/>
+        </a:ln>
+        <a:effectLst/>
+      </c:spPr>
+      <c:txPr>
+        <a:bodyPr rot="0" spcFirstLastPara="1" vertOverflow="ellipsis" vert="horz" wrap="square" anchor="ctr" anchorCtr="1"/>
+        <a:lstStyle/>
+        <a:p>
+          <a:pPr>
+            <a:defRPr sz="1400" b="1" i="0" u="none" strike="noStrike" kern="1200" cap="all" spc="50" baseline="0">
+              <a:solidFill>
+                <a:schemeClr val="tx1">
+                  <a:lumMod val="65000"/>
+                  <a:lumOff val="35000"/>
+                </a:schemeClr>
+              </a:solidFill>
+              <a:latin typeface="Poppins" pitchFamily="2" charset="77"/>
+              <a:ea typeface="+mn-ea"/>
+              <a:cs typeface="Poppins" pitchFamily="2" charset="77"/>
+            </a:defRPr>
+          </a:pPr>
+          <a:endParaRPr lang="en-US"/>
+        </a:p>
+      </c:txPr>
+    </c:title>
+    <c:autoTitleDeleted val="0"/>
+    <c:plotArea>
+      <c:layout/>
+      <c:pieChart>
+        <c:varyColors val="1"/>
+        <c:ser>
+          <c:idx val="0"/>
+          <c:order val="0"/>
+          <c:tx>
+            <c:strRef>
+              <c:f>Blad1!$B$1</c:f>
+              <c:strCache>
+                <c:ptCount val="1"/>
+                <c:pt idx="0">
+                  <c:v>Is Rust superieur aan C++?</c:v>
+                </c:pt>
+              </c:strCache>
+            </c:strRef>
+          </c:tx>
+          <c:dPt>
+            <c:idx val="0"/>
+            <c:bubble3D val="0"/>
+            <c:spPr>
+              <a:solidFill>
+                <a:schemeClr val="accent4">
+                  <a:shade val="76000"/>
+                </a:schemeClr>
+              </a:solidFill>
+              <a:ln>
+                <a:noFill/>
+              </a:ln>
+              <a:effectLst/>
+              <a:scene3d>
+                <a:camera prst="orthographicFront"/>
+                <a:lightRig rig="brightRoom" dir="t"/>
+              </a:scene3d>
+              <a:sp3d prstMaterial="flat">
+                <a:bevelT w="50800" h="101600" prst="angle"/>
+                <a:contourClr>
+                  <a:srgbClr val="000000"/>
+                </a:contourClr>
+              </a:sp3d>
+            </c:spPr>
+            <c:extLst>
+              <c:ext xmlns:c16="http://schemas.microsoft.com/office/drawing/2014/chart" uri="{C3380CC4-5D6E-409C-BE32-E72D297353CC}">
+                <c16:uniqueId val="{00000001-57B4-4DD8-ACB9-4717C0BA36D8}"/>
+              </c:ext>
+            </c:extLst>
+          </c:dPt>
+          <c:dPt>
+            <c:idx val="1"/>
+            <c:bubble3D val="0"/>
+            <c:spPr>
+              <a:solidFill>
+                <a:schemeClr val="accent4">
+                  <a:tint val="77000"/>
+                </a:schemeClr>
+              </a:solidFill>
+              <a:ln>
+                <a:noFill/>
+              </a:ln>
+              <a:effectLst/>
+              <a:scene3d>
+                <a:camera prst="orthographicFront"/>
+                <a:lightRig rig="brightRoom" dir="t"/>
+              </a:scene3d>
+              <a:sp3d prstMaterial="flat">
+                <a:bevelT w="50800" h="101600" prst="angle"/>
+                <a:contourClr>
+                  <a:srgbClr val="000000"/>
+                </a:contourClr>
+              </a:sp3d>
+            </c:spPr>
+            <c:extLst>
+              <c:ext xmlns:c16="http://schemas.microsoft.com/office/drawing/2014/chart" uri="{C3380CC4-5D6E-409C-BE32-E72D297353CC}">
+                <c16:uniqueId val="{00000003-57B4-4DD8-ACB9-4717C0BA36D8}"/>
+              </c:ext>
+            </c:extLst>
+          </c:dPt>
+          <c:dLbls>
+            <c:spPr>
+              <a:noFill/>
+              <a:ln>
+                <a:noFill/>
+              </a:ln>
+              <a:effectLst/>
+            </c:spPr>
+            <c:txPr>
+              <a:bodyPr rot="0" spcFirstLastPara="1" vertOverflow="ellipsis" vert="horz" wrap="square" lIns="38100" tIns="19050" rIns="38100" bIns="19050" anchor="ctr" anchorCtr="1">
+                <a:spAutoFit/>
+              </a:bodyPr>
+              <a:lstStyle/>
+              <a:p>
+                <a:pPr>
+                  <a:defRPr sz="1197" b="1" i="0" u="none" strike="noStrike" kern="1200" baseline="0">
+                    <a:solidFill>
+                      <a:schemeClr val="lt1"/>
+                    </a:solidFill>
+                    <a:latin typeface="+mn-lt"/>
+                    <a:ea typeface="+mn-ea"/>
+                    <a:cs typeface="+mn-cs"/>
+                  </a:defRPr>
+                </a:pPr>
+                <a:endParaRPr lang="en-US"/>
+              </a:p>
+            </c:txPr>
+            <c:dLblPos val="inEnd"/>
+            <c:showLegendKey val="0"/>
+            <c:showVal val="0"/>
+            <c:showCatName val="0"/>
+            <c:showSerName val="0"/>
+            <c:showPercent val="1"/>
+            <c:showBubbleSize val="0"/>
+            <c:showLeaderLines val="1"/>
+            <c:leaderLines>
+              <c:spPr>
+                <a:ln w="9525" cap="flat" cmpd="sng" algn="ctr">
+                  <a:solidFill>
+                    <a:schemeClr val="tx1">
+                      <a:lumMod val="35000"/>
+                      <a:lumOff val="65000"/>
+                    </a:schemeClr>
+                  </a:solidFill>
+                  <a:round/>
+                </a:ln>
+                <a:effectLst/>
+              </c:spPr>
+            </c:leaderLines>
+            <c:extLst>
+              <c:ext xmlns:c15="http://schemas.microsoft.com/office/drawing/2012/chart" uri="{CE6537A1-D6FC-4f65-9D91-7224C49458BB}"/>
+            </c:extLst>
+          </c:dLbls>
+          <c:cat>
+            <c:strRef>
+              <c:f>Blad1!$A$2:$A$3</c:f>
+              <c:strCache>
+                <c:ptCount val="2"/>
+                <c:pt idx="0">
+                  <c:v>Eens</c:v>
+                </c:pt>
+                <c:pt idx="1">
+                  <c:v>Oneens</c:v>
+                </c:pt>
+              </c:strCache>
+            </c:strRef>
+          </c:cat>
+          <c:val>
+            <c:numRef>
+              <c:f>Blad1!$B$2:$B$3</c:f>
+              <c:numCache>
+                <c:formatCode>0.00%</c:formatCode>
+                <c:ptCount val="2"/>
+                <c:pt idx="0">
+                  <c:v>0.85699999999999998</c:v>
+                </c:pt>
+                <c:pt idx="1">
+                  <c:v>0.14299999999999999</c:v>
+                </c:pt>
+              </c:numCache>
+            </c:numRef>
+          </c:val>
+          <c:extLst>
+            <c:ext xmlns:c16="http://schemas.microsoft.com/office/drawing/2014/chart" uri="{C3380CC4-5D6E-409C-BE32-E72D297353CC}">
+              <c16:uniqueId val="{00000000-06A3-B14A-8879-507B04A519A9}"/>
+            </c:ext>
+          </c:extLst>
+        </c:ser>
+        <c:dLbls>
+          <c:dLblPos val="inEnd"/>
+          <c:showLegendKey val="0"/>
+          <c:showVal val="0"/>
+          <c:showCatName val="0"/>
+          <c:showSerName val="0"/>
+          <c:showPercent val="1"/>
+          <c:showBubbleSize val="0"/>
+          <c:showLeaderLines val="1"/>
+        </c:dLbls>
+        <c:firstSliceAng val="0"/>
+      </c:pieChart>
+      <c:spPr>
+        <a:noFill/>
+        <a:ln>
+          <a:noFill/>
+        </a:ln>
+        <a:effectLst/>
+      </c:spPr>
+    </c:plotArea>
+    <c:legend>
+      <c:legendPos val="t"/>
+      <c:overlay val="0"/>
+      <c:spPr>
+        <a:noFill/>
+        <a:ln>
+          <a:noFill/>
+        </a:ln>
+        <a:effectLst/>
+      </c:spPr>
+      <c:txPr>
+        <a:bodyPr rot="0" spcFirstLastPara="1" vertOverflow="ellipsis" vert="horz" wrap="square" anchor="ctr" anchorCtr="1"/>
+        <a:lstStyle/>
+        <a:p>
+          <a:pPr>
+            <a:defRPr sz="1197" b="0" i="0" u="none" strike="noStrike" kern="1200" baseline="0">
+              <a:solidFill>
+                <a:schemeClr val="tx1">
+                  <a:lumMod val="65000"/>
+                  <a:lumOff val="35000"/>
+                </a:schemeClr>
+              </a:solidFill>
+              <a:latin typeface="+mn-lt"/>
+              <a:ea typeface="+mn-ea"/>
+              <a:cs typeface="+mn-cs"/>
+            </a:defRPr>
+          </a:pPr>
+          <a:endParaRPr lang="en-US"/>
+        </a:p>
+      </c:txPr>
+    </c:legend>
+    <c:plotVisOnly val="1"/>
+    <c:dispBlanksAs val="gap"/>
+    <c:extLst>
+      <c:ext xmlns:c16r3="http://schemas.microsoft.com/office/drawing/2017/03/chart" uri="{56B9EC1D-385E-4148-901F-78D8002777C0}">
+        <c16r3:dataDisplayOptions16>
+          <c16r3:dispNaAsBlank val="1"/>
+        </c16r3:dataDisplayOptions16>
+      </c:ext>
+    </c:extLst>
+    <c:showDLblsOverMax val="0"/>
+  </c:chart>
+  <c:spPr>
+    <a:noFill/>
+    <a:ln>
+      <a:noFill/>
+    </a:ln>
+    <a:effectLst/>
+  </c:spPr>
+  <c:txPr>
+    <a:bodyPr/>
+    <a:lstStyle/>
+    <a:p>
+      <a:pPr>
+        <a:defRPr/>
+      </a:pPr>
+      <a:endParaRPr lang="en-US"/>
+    </a:p>
+  </c:txPr>
+  <c:externalData r:id="rId3">
+    <c:autoUpdate val="0"/>
+  </c:externalData>
+</c:chartSpace>
+</file>
+
+<file path=ppt/charts/chart3.xml><?xml version="1.0" encoding="utf-8"?>
+<c:chartSpace xmlns:c="http://schemas.openxmlformats.org/drawingml/2006/chart" xmlns:a="http://schemas.openxmlformats.org/drawingml/2006/main" xmlns:r="http://schemas.openxmlformats.org/officeDocument/2006/relationships" xmlns:c16r2="http://schemas.microsoft.com/office/drawing/2015/06/chart">
+  <c:date1904 val="0"/>
+  <c:lang val="en-US"/>
+  <c:roundedCorners val="0"/>
+  <mc:AlternateContent xmlns:mc="http://schemas.openxmlformats.org/markup-compatibility/2006">
+    <mc:Choice xmlns:c14="http://schemas.microsoft.com/office/drawing/2007/8/2/chart" Requires="c14">
+      <c14:style val="108"/>
+    </mc:Choice>
+    <mc:Fallback>
+      <c:style val="8"/>
+    </mc:Fallback>
+  </mc:AlternateContent>
+  <c:chart>
+    <c:title>
+      <c:tx>
+        <c:rich>
+          <a:bodyPr rot="0" spcFirstLastPara="1" vertOverflow="ellipsis" vert="horz" wrap="square" anchor="ctr" anchorCtr="1"/>
+          <a:lstStyle/>
+          <a:p>
+            <a:pPr>
+              <a:defRPr sz="1862" b="1" i="0" u="none" strike="noStrike" kern="1200" cap="all" spc="50" baseline="0">
+                <a:solidFill>
+                  <a:schemeClr val="tx1">
+                    <a:lumMod val="65000"/>
+                    <a:lumOff val="35000"/>
+                  </a:schemeClr>
+                </a:solidFill>
+                <a:latin typeface="+mn-lt"/>
+                <a:ea typeface="+mn-ea"/>
+                <a:cs typeface="+mn-cs"/>
+              </a:defRPr>
+            </a:pPr>
+            <a:r>
+              <a:rPr lang="en-US" sz="1400" b="1" i="0" cap="none" dirty="0">
+                <a:latin typeface="Poppins" pitchFamily="2" charset="77"/>
+                <a:cs typeface="Poppins" pitchFamily="2" charset="77"/>
+              </a:rPr>
+              <a:t>Rust is the future &amp;</a:t>
+            </a:r>
+            <a:r>
+              <a:rPr lang="en-US" sz="1400" b="1" i="0" cap="none" baseline="0" dirty="0">
+                <a:latin typeface="Poppins" pitchFamily="2" charset="77"/>
+                <a:cs typeface="Poppins" pitchFamily="2" charset="77"/>
+              </a:rPr>
+              <a:t> </a:t>
+            </a:r>
+          </a:p>
+          <a:p>
+            <a:pPr>
+              <a:defRPr/>
+            </a:pPr>
+            <a:r>
+              <a:rPr lang="en-US" sz="1400" b="1" i="0" cap="none" baseline="0" dirty="0">
+                <a:latin typeface="Poppins" pitchFamily="2" charset="77"/>
+                <a:cs typeface="Poppins" pitchFamily="2" charset="77"/>
+              </a:rPr>
+              <a:t>should replace C++</a:t>
+            </a:r>
+            <a:endParaRPr lang="en-US" sz="1400" b="1" i="0" cap="none" dirty="0">
+              <a:latin typeface="Poppins" pitchFamily="2" charset="77"/>
+              <a:cs typeface="Poppins" pitchFamily="2" charset="77"/>
+            </a:endParaRPr>
+          </a:p>
+        </c:rich>
+      </c:tx>
+      <c:layout>
+        <c:manualLayout>
+          <c:xMode val="edge"/>
+          <c:yMode val="edge"/>
+          <c:x val="0.31544883903439175"/>
+          <c:y val="5.5828206966826444E-3"/>
+        </c:manualLayout>
+      </c:layout>
+      <c:overlay val="0"/>
+      <c:spPr>
+        <a:noFill/>
+        <a:ln>
+          <a:noFill/>
+        </a:ln>
+        <a:effectLst/>
+      </c:spPr>
+      <c:txPr>
+        <a:bodyPr rot="0" spcFirstLastPara="1" vertOverflow="ellipsis" vert="horz" wrap="square" anchor="ctr" anchorCtr="1"/>
+        <a:lstStyle/>
+        <a:p>
+          <a:pPr>
+            <a:defRPr sz="1862" b="1" i="0" u="none" strike="noStrike" kern="1200" cap="all" spc="50" baseline="0">
+              <a:solidFill>
+                <a:schemeClr val="tx1">
+                  <a:lumMod val="65000"/>
+                  <a:lumOff val="35000"/>
+                </a:schemeClr>
+              </a:solidFill>
+              <a:latin typeface="+mn-lt"/>
+              <a:ea typeface="+mn-ea"/>
+              <a:cs typeface="+mn-cs"/>
+            </a:defRPr>
+          </a:pPr>
+          <a:endParaRPr lang="en-US"/>
+        </a:p>
+      </c:txPr>
+    </c:title>
+    <c:autoTitleDeleted val="0"/>
+    <c:plotArea>
+      <c:layout/>
+      <c:pieChart>
+        <c:varyColors val="1"/>
+        <c:ser>
+          <c:idx val="0"/>
+          <c:order val="0"/>
+          <c:tx>
+            <c:strRef>
+              <c:f>Blad1!$B$1</c:f>
+              <c:strCache>
+                <c:ptCount val="1"/>
+                <c:pt idx="0">
+                  <c:v>Rust is de toekomst &amp; C++ is “ouderwets” en moet vervangen worden:</c:v>
+                </c:pt>
+              </c:strCache>
+            </c:strRef>
+          </c:tx>
+          <c:dPt>
+            <c:idx val="0"/>
+            <c:bubble3D val="0"/>
+            <c:spPr>
+              <a:solidFill>
+                <a:schemeClr val="accent6">
+                  <a:shade val="76000"/>
+                </a:schemeClr>
+              </a:solidFill>
+              <a:ln>
+                <a:noFill/>
+              </a:ln>
+              <a:effectLst/>
+              <a:scene3d>
+                <a:camera prst="orthographicFront"/>
+                <a:lightRig rig="brightRoom" dir="t"/>
+              </a:scene3d>
+              <a:sp3d prstMaterial="flat">
+                <a:bevelT w="50800" h="101600" prst="angle"/>
+                <a:contourClr>
+                  <a:srgbClr val="000000"/>
+                </a:contourClr>
+              </a:sp3d>
+            </c:spPr>
+            <c:extLst>
+              <c:ext xmlns:c16="http://schemas.microsoft.com/office/drawing/2014/chart" uri="{C3380CC4-5D6E-409C-BE32-E72D297353CC}">
+                <c16:uniqueId val="{00000001-C377-4E25-8A7D-CADD5B74214C}"/>
+              </c:ext>
+            </c:extLst>
+          </c:dPt>
+          <c:dPt>
+            <c:idx val="1"/>
+            <c:bubble3D val="0"/>
+            <c:spPr>
+              <a:solidFill>
+                <a:schemeClr val="accent6">
+                  <a:tint val="77000"/>
+                </a:schemeClr>
+              </a:solidFill>
+              <a:ln>
+                <a:noFill/>
+              </a:ln>
+              <a:effectLst/>
+              <a:scene3d>
+                <a:camera prst="orthographicFront"/>
+                <a:lightRig rig="brightRoom" dir="t"/>
+              </a:scene3d>
+              <a:sp3d prstMaterial="flat">
+                <a:bevelT w="50800" h="101600" prst="angle"/>
+                <a:contourClr>
+                  <a:srgbClr val="000000"/>
+                </a:contourClr>
+              </a:sp3d>
+            </c:spPr>
+            <c:extLst>
+              <c:ext xmlns:c16="http://schemas.microsoft.com/office/drawing/2014/chart" uri="{C3380CC4-5D6E-409C-BE32-E72D297353CC}">
+                <c16:uniqueId val="{00000003-C377-4E25-8A7D-CADD5B74214C}"/>
+              </c:ext>
+            </c:extLst>
+          </c:dPt>
+          <c:dLbls>
+            <c:spPr>
+              <a:noFill/>
+              <a:ln>
+                <a:noFill/>
+              </a:ln>
+              <a:effectLst/>
+            </c:spPr>
+            <c:txPr>
+              <a:bodyPr rot="0" spcFirstLastPara="1" vertOverflow="ellipsis" vert="horz" wrap="square" lIns="38100" tIns="19050" rIns="38100" bIns="19050" anchor="ctr" anchorCtr="1">
+                <a:spAutoFit/>
+              </a:bodyPr>
+              <a:lstStyle/>
+              <a:p>
+                <a:pPr>
+                  <a:defRPr sz="1197" b="1" i="0" u="none" strike="noStrike" kern="1200" baseline="0">
+                    <a:solidFill>
+                      <a:schemeClr val="lt1"/>
+                    </a:solidFill>
+                    <a:latin typeface="+mn-lt"/>
+                    <a:ea typeface="+mn-ea"/>
+                    <a:cs typeface="+mn-cs"/>
+                  </a:defRPr>
+                </a:pPr>
+                <a:endParaRPr lang="en-US"/>
+              </a:p>
+            </c:txPr>
+            <c:dLblPos val="inEnd"/>
+            <c:showLegendKey val="0"/>
+            <c:showVal val="0"/>
+            <c:showCatName val="0"/>
+            <c:showSerName val="0"/>
+            <c:showPercent val="1"/>
+            <c:showBubbleSize val="0"/>
+            <c:showLeaderLines val="1"/>
+            <c:leaderLines>
+              <c:spPr>
+                <a:ln w="9525" cap="flat" cmpd="sng" algn="ctr">
+                  <a:solidFill>
+                    <a:schemeClr val="tx1">
+                      <a:lumMod val="35000"/>
+                      <a:lumOff val="65000"/>
+                    </a:schemeClr>
+                  </a:solidFill>
+                  <a:round/>
+                </a:ln>
+                <a:effectLst/>
+              </c:spPr>
+            </c:leaderLines>
+            <c:extLst>
+              <c:ext xmlns:c15="http://schemas.microsoft.com/office/drawing/2012/chart" uri="{CE6537A1-D6FC-4f65-9D91-7224C49458BB}"/>
+            </c:extLst>
+          </c:dLbls>
+          <c:cat>
+            <c:strRef>
+              <c:f>Blad1!$A$2:$A$3</c:f>
+              <c:strCache>
+                <c:ptCount val="2"/>
+                <c:pt idx="0">
+                  <c:v>Eens</c:v>
+                </c:pt>
+                <c:pt idx="1">
+                  <c:v>Oneens</c:v>
+                </c:pt>
+              </c:strCache>
+            </c:strRef>
+          </c:cat>
+          <c:val>
+            <c:numRef>
+              <c:f>Blad1!$B$2:$B$3</c:f>
+              <c:numCache>
+                <c:formatCode>0.00%</c:formatCode>
+                <c:ptCount val="2"/>
+                <c:pt idx="0">
+                  <c:v>0.57099999999999995</c:v>
+                </c:pt>
+                <c:pt idx="1">
+                  <c:v>0.42899999999999999</c:v>
+                </c:pt>
+              </c:numCache>
+            </c:numRef>
+          </c:val>
+          <c:extLst>
+            <c:ext xmlns:c16="http://schemas.microsoft.com/office/drawing/2014/chart" uri="{C3380CC4-5D6E-409C-BE32-E72D297353CC}">
+              <c16:uniqueId val="{00000000-7C25-D049-BF6C-9485346B171A}"/>
+            </c:ext>
+          </c:extLst>
+        </c:ser>
+        <c:dLbls>
+          <c:dLblPos val="inEnd"/>
+          <c:showLegendKey val="0"/>
+          <c:showVal val="0"/>
+          <c:showCatName val="0"/>
+          <c:showSerName val="0"/>
+          <c:showPercent val="1"/>
+          <c:showBubbleSize val="0"/>
+          <c:showLeaderLines val="1"/>
+        </c:dLbls>
+        <c:firstSliceAng val="0"/>
+      </c:pieChart>
+      <c:spPr>
+        <a:noFill/>
+        <a:ln>
+          <a:noFill/>
+        </a:ln>
+        <a:effectLst/>
+      </c:spPr>
+    </c:plotArea>
+    <c:legend>
+      <c:legendPos val="t"/>
+      <c:overlay val="0"/>
+      <c:spPr>
+        <a:noFill/>
+        <a:ln>
+          <a:noFill/>
+        </a:ln>
+        <a:effectLst/>
+      </c:spPr>
+      <c:txPr>
+        <a:bodyPr rot="0" spcFirstLastPara="1" vertOverflow="ellipsis" vert="horz" wrap="square" anchor="ctr" anchorCtr="1"/>
+        <a:lstStyle/>
+        <a:p>
+          <a:pPr>
+            <a:defRPr sz="1197" b="0" i="0" u="none" strike="noStrike" kern="1200" baseline="0">
+              <a:solidFill>
+                <a:schemeClr val="tx1">
+                  <a:lumMod val="65000"/>
+                  <a:lumOff val="35000"/>
+                </a:schemeClr>
+              </a:solidFill>
+              <a:latin typeface="+mn-lt"/>
+              <a:ea typeface="+mn-ea"/>
+              <a:cs typeface="+mn-cs"/>
+            </a:defRPr>
+          </a:pPr>
+          <a:endParaRPr lang="en-US"/>
+        </a:p>
+      </c:txPr>
+    </c:legend>
+    <c:plotVisOnly val="1"/>
+    <c:dispBlanksAs val="gap"/>
+    <c:extLst>
+      <c:ext xmlns:c16r3="http://schemas.microsoft.com/office/drawing/2017/03/chart" uri="{56B9EC1D-385E-4148-901F-78D8002777C0}">
+        <c16r3:dataDisplayOptions16>
+          <c16r3:dispNaAsBlank val="1"/>
+        </c16r3:dataDisplayOptions16>
+      </c:ext>
+    </c:extLst>
+    <c:showDLblsOverMax val="0"/>
+  </c:chart>
+  <c:spPr>
+    <a:noFill/>
+    <a:ln>
+      <a:noFill/>
+    </a:ln>
+    <a:effectLst/>
+  </c:spPr>
+  <c:txPr>
+    <a:bodyPr/>
+    <a:lstStyle/>
+    <a:p>
+      <a:pPr>
+        <a:defRPr/>
+      </a:pPr>
+      <a:endParaRPr lang="en-US"/>
+    </a:p>
+  </c:txPr>
+  <c:externalData r:id="rId3">
+    <c:autoUpdate val="0"/>
+  </c:externalData>
+</c:chartSpace>
+</file>
+
+<file path=ppt/charts/colors1.xml><?xml version="1.0" encoding="utf-8"?>
+<cs:colorStyle xmlns:cs="http://schemas.microsoft.com/office/drawing/2012/chartStyle" xmlns:a="http://schemas.openxmlformats.org/drawingml/2006/main" meth="withinLinearReversed" id="22">
+  <a:schemeClr val="accent2"/>
+</cs:colorStyle>
+</file>
+
+<file path=ppt/charts/colors2.xml><?xml version="1.0" encoding="utf-8"?>
+<cs:colorStyle xmlns:cs="http://schemas.microsoft.com/office/drawing/2012/chartStyle" xmlns:a="http://schemas.openxmlformats.org/drawingml/2006/main" meth="withinLinear" id="17">
+  <a:schemeClr val="accent4"/>
+</cs:colorStyle>
+</file>
+
+<file path=ppt/charts/colors3.xml><?xml version="1.0" encoding="utf-8"?>
+<cs:colorStyle xmlns:cs="http://schemas.microsoft.com/office/drawing/2012/chartStyle" xmlns:a="http://schemas.openxmlformats.org/drawingml/2006/main" meth="withinLinear" id="19">
+  <a:schemeClr val="accent6"/>
+</cs:colorStyle>
+</file>
+
+<file path=ppt/charts/style1.xml><?xml version="1.0" encoding="utf-8"?>
+<cs:chartStyle xmlns:cs="http://schemas.microsoft.com/office/drawing/2012/chartStyle" xmlns:a="http://schemas.openxmlformats.org/drawingml/2006/main" id="258">
+  <cs:axisTitle>
+    <cs:lnRef idx="0"/>
+    <cs:fillRef idx="0"/>
+    <cs:effectRef idx="0"/>
+    <cs:fontRef idx="minor">
+      <a:schemeClr val="tx1">
+        <a:lumMod val="65000"/>
+        <a:lumOff val="35000"/>
+      </a:schemeClr>
+    </cs:fontRef>
+    <cs:defRPr sz="1197" kern="1200"/>
+  </cs:axisTitle>
+  <cs:categoryAxis>
+    <cs:lnRef idx="0"/>
+    <cs:fillRef idx="0"/>
+    <cs:effectRef idx="0"/>
+    <cs:fontRef idx="minor">
+      <a:schemeClr val="tx1">
+        <a:lumMod val="65000"/>
+        <a:lumOff val="35000"/>
+      </a:schemeClr>
+    </cs:fontRef>
+    <cs:defRPr sz="1197" kern="1200"/>
+  </cs:categoryAxis>
+  <cs:chartArea mods="allowNoFillOverride allowNoLineOverride">
+    <cs:lnRef idx="0"/>
+    <cs:fillRef idx="0"/>
+    <cs:effectRef idx="0"/>
+    <cs:fontRef idx="minor">
+      <a:schemeClr val="tx1"/>
+    </cs:fontRef>
+    <cs:spPr>
+      <a:solidFill>
+        <a:schemeClr val="bg1"/>
+      </a:solidFill>
+      <a:ln w="9525" cap="flat" cmpd="sng" algn="ctr">
+        <a:solidFill>
+          <a:schemeClr val="tx1">
+            <a:lumMod val="15000"/>
+            <a:lumOff val="85000"/>
+          </a:schemeClr>
+        </a:solidFill>
+        <a:round/>
+      </a:ln>
+    </cs:spPr>
+    <cs:defRPr sz="1197" kern="1200"/>
+  </cs:chartArea>
+  <cs:dataLabel>
+    <cs:lnRef idx="0"/>
+    <cs:fillRef idx="0"/>
+    <cs:effectRef idx="0"/>
+    <cs:fontRef idx="minor">
+      <a:schemeClr val="lt1"/>
+    </cs:fontRef>
+    <cs:defRPr sz="1197" b="1" kern="1200"/>
+  </cs:dataLabel>
+  <cs:dataLabelCallout>
+    <cs:lnRef idx="0"/>
+    <cs:fillRef idx="0"/>
+    <cs:effectRef idx="0"/>
+    <cs:fontRef idx="minor">
+      <a:schemeClr val="dk1">
+        <a:lumMod val="65000"/>
+        <a:lumOff val="35000"/>
+      </a:schemeClr>
+    </cs:fontRef>
+    <cs:spPr>
+      <a:solidFill>
+        <a:schemeClr val="lt1"/>
+      </a:solidFill>
+      <a:ln>
+        <a:solidFill>
+          <a:schemeClr val="dk1">
+            <a:lumMod val="25000"/>
+            <a:lumOff val="75000"/>
+          </a:schemeClr>
+        </a:solidFill>
+      </a:ln>
+    </cs:spPr>
+    <cs:defRPr sz="1197" kern="1200"/>
+    <cs:bodyPr rot="0" spcFirstLastPara="1" vertOverflow="clip" horzOverflow="clip" vert="horz" wrap="square" lIns="36576" tIns="18288" rIns="36576" bIns="18288" anchor="ctr" anchorCtr="1">
+      <a:spAutoFit/>
+    </cs:bodyPr>
+  </cs:dataLabelCallout>
+  <cs:dataPoint>
+    <cs:lnRef idx="0"/>
+    <cs:fillRef idx="0">
+      <cs:styleClr val="auto"/>
+    </cs:fillRef>
+    <cs:effectRef idx="0"/>
+    <cs:fontRef idx="minor">
+      <a:schemeClr val="tx1"/>
+    </cs:fontRef>
+    <cs:spPr>
+      <a:solidFill>
+        <a:schemeClr val="phClr"/>
+      </a:solidFill>
+      <a:scene3d>
+        <a:camera prst="orthographicFront"/>
+        <a:lightRig rig="brightRoom" dir="t"/>
+      </a:scene3d>
+      <a:sp3d prstMaterial="flat">
+        <a:bevelT w="50800" h="101600" prst="angle"/>
+        <a:contourClr>
+          <a:srgbClr val="000000"/>
+        </a:contourClr>
+      </a:sp3d>
+    </cs:spPr>
+  </cs:dataPoint>
+  <cs:dataPoint3D>
+    <cs:lnRef idx="0"/>
+    <cs:fillRef idx="0">
+      <cs:styleClr val="auto"/>
+    </cs:fillRef>
+    <cs:effectRef idx="0"/>
+    <cs:fontRef idx="minor">
+      <a:schemeClr val="tx1"/>
+    </cs:fontRef>
+    <cs:spPr>
+      <a:solidFill>
+        <a:schemeClr val="phClr"/>
+      </a:solidFill>
+      <a:ln w="19050">
+        <a:solidFill>
+          <a:schemeClr val="lt1"/>
+        </a:solidFill>
+      </a:ln>
+    </cs:spPr>
+  </cs:dataPoint3D>
+  <cs:dataPointLine>
+    <cs:lnRef idx="0">
+      <cs:styleClr val="auto"/>
+    </cs:lnRef>
+    <cs:fillRef idx="0"/>
+    <cs:effectRef idx="0"/>
+    <cs:fontRef idx="minor">
+      <a:schemeClr val="tx1"/>
+    </cs:fontRef>
+    <cs:spPr>
+      <a:ln w="28575" cap="rnd">
+        <a:solidFill>
+          <a:schemeClr val="phClr"/>
+        </a:solidFill>
+        <a:round/>
+      </a:ln>
+    </cs:spPr>
+  </cs:dataPointLine>
+  <cs:dataPointMarker>
+    <cs:lnRef idx="0"/>
+    <cs:fillRef idx="0">
+      <cs:styleClr val="auto"/>
+    </cs:fillRef>
+    <cs:effectRef idx="0"/>
+    <cs:fontRef idx="minor">
+      <a:schemeClr val="tx1"/>
+    </cs:fontRef>
+    <cs:spPr>
+      <a:solidFill>
+        <a:schemeClr val="phClr"/>
+      </a:solidFill>
+      <a:ln w="9525">
+        <a:solidFill>
+          <a:schemeClr val="lt1"/>
+        </a:solidFill>
+      </a:ln>
+    </cs:spPr>
+  </cs:dataPointMarker>
+  <cs:dataPointMarkerLayout symbol="circle" size="6"/>
+  <cs:dataPointWireframe>
+    <cs:lnRef idx="0">
+      <cs:styleClr val="auto"/>
+    </cs:lnRef>
+    <cs:fillRef idx="0"/>
+    <cs:effectRef idx="0"/>
+    <cs:fontRef idx="minor">
+      <a:schemeClr val="tx1"/>
+    </cs:fontRef>
+    <cs:spPr>
+      <a:ln w="9525" cap="rnd">
+        <a:solidFill>
+          <a:schemeClr val="phClr"/>
+        </a:solidFill>
+        <a:round/>
+      </a:ln>
+    </cs:spPr>
+  </cs:dataPointWireframe>
+  <cs:dataTable>
+    <cs:lnRef idx="0"/>
+    <cs:fillRef idx="0"/>
+    <cs:effectRef idx="0"/>
+    <cs:fontRef idx="minor">
+      <a:schemeClr val="tx1">
+        <a:lumMod val="65000"/>
+        <a:lumOff val="35000"/>
+      </a:schemeClr>
+    </cs:fontRef>
+    <cs:spPr>
+      <a:noFill/>
+      <a:ln w="9525" cap="flat" cmpd="sng" algn="ctr">
+        <a:solidFill>
+          <a:schemeClr val="tx1">
+            <a:lumMod val="15000"/>
+            <a:lumOff val="85000"/>
+          </a:schemeClr>
+        </a:solidFill>
+        <a:round/>
+      </a:ln>
+    </cs:spPr>
+    <cs:defRPr sz="1197" kern="1200"/>
+  </cs:dataTable>
+  <cs:downBar>
+    <cs:lnRef idx="0"/>
+    <cs:fillRef idx="0"/>
+    <cs:effectRef idx="0"/>
+    <cs:fontRef idx="minor">
+      <a:schemeClr val="tx1"/>
+    </cs:fontRef>
+    <cs:spPr>
+      <a:solidFill>
+        <a:schemeClr val="dk1">
+          <a:lumMod val="75000"/>
+          <a:lumOff val="25000"/>
+        </a:schemeClr>
+      </a:solidFill>
+      <a:ln w="9525" cap="flat" cmpd="sng" algn="ctr">
+        <a:solidFill>
+          <a:schemeClr val="tx1">
+            <a:lumMod val="65000"/>
+            <a:lumOff val="35000"/>
+          </a:schemeClr>
+        </a:solidFill>
+        <a:round/>
+      </a:ln>
+    </cs:spPr>
+  </cs:downBar>
+  <cs:dropLine>
+    <cs:lnRef idx="0"/>
+    <cs:fillRef idx="0"/>
+    <cs:effectRef idx="0"/>
+    <cs:fontRef idx="minor">
+      <a:schemeClr val="tx1"/>
+    </cs:fontRef>
+    <cs:spPr>
+      <a:ln w="9525" cap="flat" cmpd="sng" algn="ctr">
+        <a:solidFill>
+          <a:schemeClr val="tx1">
+            <a:lumMod val="35000"/>
+            <a:lumOff val="65000"/>
+          </a:schemeClr>
+        </a:solidFill>
+        <a:round/>
+      </a:ln>
+    </cs:spPr>
+  </cs:dropLine>
+  <cs:errorBar>
+    <cs:lnRef idx="0"/>
+    <cs:fillRef idx="0"/>
+    <cs:effectRef idx="0"/>
+    <cs:fontRef idx="minor">
+      <a:schemeClr val="tx1"/>
+    </cs:fontRef>
+    <cs:spPr>
+      <a:ln w="9525" cap="flat" cmpd="sng" algn="ctr">
+        <a:solidFill>
+          <a:schemeClr val="tx1">
+            <a:lumMod val="65000"/>
+            <a:lumOff val="35000"/>
+          </a:schemeClr>
+        </a:solidFill>
+        <a:round/>
+      </a:ln>
+    </cs:spPr>
+  </cs:errorBar>
+  <cs:floor>
+    <cs:lnRef idx="0"/>
+    <cs:fillRef idx="0"/>
+    <cs:effectRef idx="0"/>
+    <cs:fontRef idx="minor">
+      <a:schemeClr val="tx1"/>
+    </cs:fontRef>
+    <cs:spPr>
+      <a:noFill/>
+      <a:ln>
+        <a:noFill/>
+      </a:ln>
+    </cs:spPr>
+  </cs:floor>
+  <cs:gridlineMajor>
+    <cs:lnRef idx="0"/>
+    <cs:fillRef idx="0"/>
+    <cs:effectRef idx="0"/>
+    <cs:fontRef idx="minor">
+      <a:schemeClr val="tx1"/>
+    </cs:fontRef>
+    <cs:spPr>
+      <a:ln w="9525" cap="flat" cmpd="sng" algn="ctr">
+        <a:solidFill>
+          <a:schemeClr val="tx1">
+            <a:lumMod val="15000"/>
+            <a:lumOff val="85000"/>
+          </a:schemeClr>
+        </a:solidFill>
+        <a:round/>
+      </a:ln>
+    </cs:spPr>
+  </cs:gridlineMajor>
+  <cs:gridlineMinor>
+    <cs:lnRef idx="0"/>
+    <cs:fillRef idx="0"/>
+    <cs:effectRef idx="0"/>
+    <cs:fontRef idx="minor">
+      <a:schemeClr val="tx1"/>
+    </cs:fontRef>
+    <cs:spPr>
+      <a:ln w="9525" cap="flat" cmpd="sng" algn="ctr">
+        <a:solidFill>
+          <a:schemeClr val="tx1">
+            <a:lumMod val="5000"/>
+            <a:lumOff val="95000"/>
+          </a:schemeClr>
+        </a:solidFill>
+        <a:round/>
+      </a:ln>
+    </cs:spPr>
+  </cs:gridlineMinor>
+  <cs:hiLoLine>
+    <cs:lnRef idx="0"/>
+    <cs:fillRef idx="0"/>
+    <cs:effectRef idx="0"/>
+    <cs:fontRef idx="minor">
+      <a:schemeClr val="tx1"/>
+    </cs:fontRef>
+    <cs:spPr>
+      <a:ln w="9525" cap="flat" cmpd="sng" algn="ctr">
+        <a:solidFill>
+          <a:schemeClr val="tx1">
+            <a:lumMod val="50000"/>
+            <a:lumOff val="50000"/>
+          </a:schemeClr>
+        </a:solidFill>
+        <a:round/>
+      </a:ln>
+    </cs:spPr>
+  </cs:hiLoLine>
+  <cs:leaderLine>
+    <cs:lnRef idx="0"/>
+    <cs:fillRef idx="0"/>
+    <cs:effectRef idx="0"/>
+    <cs:fontRef idx="minor">
+      <a:schemeClr val="tx1"/>
+    </cs:fontRef>
+    <cs:spPr>
+      <a:ln w="9525" cap="flat" cmpd="sng" algn="ctr">
+        <a:solidFill>
+          <a:schemeClr val="tx1">
+            <a:lumMod val="35000"/>
+            <a:lumOff val="65000"/>
+          </a:schemeClr>
+        </a:solidFill>
+        <a:round/>
+      </a:ln>
+    </cs:spPr>
+  </cs:leaderLine>
+  <cs:legend>
+    <cs:lnRef idx="0"/>
+    <cs:fillRef idx="0"/>
+    <cs:effectRef idx="0"/>
+    <cs:fontRef idx="minor">
+      <a:schemeClr val="tx1">
+        <a:lumMod val="65000"/>
+        <a:lumOff val="35000"/>
+      </a:schemeClr>
+    </cs:fontRef>
+    <cs:defRPr sz="1197" kern="1200"/>
+  </cs:legend>
+  <cs:plotArea mods="allowNoFillOverride allowNoLineOverride">
+    <cs:lnRef idx="0"/>
+    <cs:fillRef idx="0"/>
+    <cs:effectRef idx="0"/>
+    <cs:fontRef idx="minor">
+      <a:schemeClr val="tx1"/>
+    </cs:fontRef>
+  </cs:plotArea>
+  <cs:plotArea3D mods="allowNoFillOverride allowNoLineOverride">
+    <cs:lnRef idx="0"/>
+    <cs:fillRef idx="0"/>
+    <cs:effectRef idx="0"/>
+    <cs:fontRef idx="minor">
+      <a:schemeClr val="tx1"/>
+    </cs:fontRef>
+  </cs:plotArea3D>
+  <cs:seriesAxis>
+    <cs:lnRef idx="0"/>
+    <cs:fillRef idx="0"/>
+    <cs:effectRef idx="0"/>
+    <cs:fontRef idx="minor">
+      <a:schemeClr val="tx1">
+        <a:lumMod val="65000"/>
+        <a:lumOff val="35000"/>
+      </a:schemeClr>
+    </cs:fontRef>
+    <cs:defRPr sz="1197" kern="1200"/>
+  </cs:seriesAxis>
+  <cs:seriesLine>
+    <cs:lnRef idx="0"/>
+    <cs:fillRef idx="0"/>
+    <cs:effectRef idx="0"/>
+    <cs:fontRef idx="minor">
+      <a:schemeClr val="tx1"/>
+    </cs:fontRef>
+    <cs:spPr>
+      <a:ln w="9525" cap="flat" cmpd="sng" algn="ctr">
+        <a:solidFill>
+          <a:schemeClr val="tx1">
+            <a:lumMod val="35000"/>
+            <a:lumOff val="65000"/>
+          </a:schemeClr>
+        </a:solidFill>
+        <a:round/>
+      </a:ln>
+    </cs:spPr>
+  </cs:seriesLine>
+  <cs:title>
+    <cs:lnRef idx="0"/>
+    <cs:fillRef idx="0"/>
+    <cs:effectRef idx="0"/>
+    <cs:fontRef idx="minor">
+      <a:schemeClr val="tx1">
+        <a:lumMod val="65000"/>
+        <a:lumOff val="35000"/>
+      </a:schemeClr>
+    </cs:fontRef>
+    <cs:defRPr sz="1862" b="1" i="0" kern="1200" cap="all" spc="50" baseline="0"/>
+  </cs:title>
+  <cs:trendline>
+    <cs:lnRef idx="0">
+      <cs:styleClr val="auto"/>
+    </cs:lnRef>
+    <cs:fillRef idx="0"/>
+    <cs:effectRef idx="0"/>
+    <cs:fontRef idx="minor">
+      <a:schemeClr val="tx1"/>
+    </cs:fontRef>
+    <cs:spPr>
+      <a:ln w="19050" cap="rnd">
+        <a:solidFill>
+          <a:schemeClr val="phClr"/>
+        </a:solidFill>
+        <a:prstDash val="sysDash"/>
+      </a:ln>
+    </cs:spPr>
+  </cs:trendline>
+  <cs:trendlineLabel>
+    <cs:lnRef idx="0"/>
+    <cs:fillRef idx="0"/>
+    <cs:effectRef idx="0"/>
+    <cs:fontRef idx="minor">
+      <a:schemeClr val="tx1">
+        <a:lumMod val="65000"/>
+        <a:lumOff val="35000"/>
+      </a:schemeClr>
+    </cs:fontRef>
+    <cs:defRPr sz="1197" kern="1200"/>
+  </cs:trendlineLabel>
+  <cs:upBar>
+    <cs:lnRef idx="0"/>
+    <cs:fillRef idx="0"/>
+    <cs:effectRef idx="0"/>
+    <cs:fontRef idx="minor">
+      <a:schemeClr val="tx1"/>
+    </cs:fontRef>
+    <cs:spPr>
+      <a:solidFill>
+        <a:schemeClr val="lt1"/>
+      </a:solidFill>
+      <a:ln w="9525" cap="flat" cmpd="sng" algn="ctr">
+        <a:solidFill>
+          <a:schemeClr val="tx1">
+            <a:lumMod val="65000"/>
+            <a:lumOff val="35000"/>
+          </a:schemeClr>
+        </a:solidFill>
+        <a:round/>
+      </a:ln>
+    </cs:spPr>
+  </cs:upBar>
+  <cs:valueAxis>
+    <cs:lnRef idx="0"/>
+    <cs:fillRef idx="0"/>
+    <cs:effectRef idx="0"/>
+    <cs:fontRef idx="minor">
+      <a:schemeClr val="tx1">
+        <a:lumMod val="65000"/>
+        <a:lumOff val="35000"/>
+      </a:schemeClr>
+    </cs:fontRef>
+    <cs:defRPr sz="1197" kern="1200"/>
+  </cs:valueAxis>
+  <cs:wall>
+    <cs:lnRef idx="0"/>
+    <cs:fillRef idx="0"/>
+    <cs:effectRef idx="0"/>
+    <cs:fontRef idx="minor">
+      <a:schemeClr val="tx1"/>
+    </cs:fontRef>
+    <cs:spPr>
+      <a:noFill/>
+      <a:ln>
+        <a:noFill/>
+      </a:ln>
+    </cs:spPr>
+  </cs:wall>
+</cs:chartStyle>
+</file>
+
+<file path=ppt/charts/style2.xml><?xml version="1.0" encoding="utf-8"?>
+<cs:chartStyle xmlns:cs="http://schemas.microsoft.com/office/drawing/2012/chartStyle" xmlns:a="http://schemas.openxmlformats.org/drawingml/2006/main" id="258">
+  <cs:axisTitle>
+    <cs:lnRef idx="0"/>
+    <cs:fillRef idx="0"/>
+    <cs:effectRef idx="0"/>
+    <cs:fontRef idx="minor">
+      <a:schemeClr val="tx1">
+        <a:lumMod val="65000"/>
+        <a:lumOff val="35000"/>
+      </a:schemeClr>
+    </cs:fontRef>
+    <cs:defRPr sz="1197" kern="1200"/>
+  </cs:axisTitle>
+  <cs:categoryAxis>
+    <cs:lnRef idx="0"/>
+    <cs:fillRef idx="0"/>
+    <cs:effectRef idx="0"/>
+    <cs:fontRef idx="minor">
+      <a:schemeClr val="tx1">
+        <a:lumMod val="65000"/>
+        <a:lumOff val="35000"/>
+      </a:schemeClr>
+    </cs:fontRef>
+    <cs:defRPr sz="1197" kern="1200"/>
+  </cs:categoryAxis>
+  <cs:chartArea mods="allowNoFillOverride allowNoLineOverride">
+    <cs:lnRef idx="0"/>
+    <cs:fillRef idx="0"/>
+    <cs:effectRef idx="0"/>
+    <cs:fontRef idx="minor">
+      <a:schemeClr val="tx1"/>
+    </cs:fontRef>
+    <cs:spPr>
+      <a:solidFill>
+        <a:schemeClr val="bg1"/>
+      </a:solidFill>
+      <a:ln w="9525" cap="flat" cmpd="sng" algn="ctr">
+        <a:solidFill>
+          <a:schemeClr val="tx1">
+            <a:lumMod val="15000"/>
+            <a:lumOff val="85000"/>
+          </a:schemeClr>
+        </a:solidFill>
+        <a:round/>
+      </a:ln>
+    </cs:spPr>
+    <cs:defRPr sz="1197" kern="1200"/>
+  </cs:chartArea>
+  <cs:dataLabel>
+    <cs:lnRef idx="0"/>
+    <cs:fillRef idx="0"/>
+    <cs:effectRef idx="0"/>
+    <cs:fontRef idx="minor">
+      <a:schemeClr val="lt1"/>
+    </cs:fontRef>
+    <cs:defRPr sz="1197" b="1" kern="1200"/>
+  </cs:dataLabel>
+  <cs:dataLabelCallout>
+    <cs:lnRef idx="0"/>
+    <cs:fillRef idx="0"/>
+    <cs:effectRef idx="0"/>
+    <cs:fontRef idx="minor">
+      <a:schemeClr val="dk1">
+        <a:lumMod val="65000"/>
+        <a:lumOff val="35000"/>
+      </a:schemeClr>
+    </cs:fontRef>
+    <cs:spPr>
+      <a:solidFill>
+        <a:schemeClr val="lt1"/>
+      </a:solidFill>
+      <a:ln>
+        <a:solidFill>
+          <a:schemeClr val="dk1">
+            <a:lumMod val="25000"/>
+            <a:lumOff val="75000"/>
+          </a:schemeClr>
+        </a:solidFill>
+      </a:ln>
+    </cs:spPr>
+    <cs:defRPr sz="1197" kern="1200"/>
+    <cs:bodyPr rot="0" spcFirstLastPara="1" vertOverflow="clip" horzOverflow="clip" vert="horz" wrap="square" lIns="36576" tIns="18288" rIns="36576" bIns="18288" anchor="ctr" anchorCtr="1">
+      <a:spAutoFit/>
+    </cs:bodyPr>
+  </cs:dataLabelCallout>
+  <cs:dataPoint>
+    <cs:lnRef idx="0"/>
+    <cs:fillRef idx="0">
+      <cs:styleClr val="auto"/>
+    </cs:fillRef>
+    <cs:effectRef idx="0"/>
+    <cs:fontRef idx="minor">
+      <a:schemeClr val="tx1"/>
+    </cs:fontRef>
+    <cs:spPr>
+      <a:solidFill>
+        <a:schemeClr val="phClr"/>
+      </a:solidFill>
+      <a:scene3d>
+        <a:camera prst="orthographicFront"/>
+        <a:lightRig rig="brightRoom" dir="t"/>
+      </a:scene3d>
+      <a:sp3d prstMaterial="flat">
+        <a:bevelT w="50800" h="101600" prst="angle"/>
+        <a:contourClr>
+          <a:srgbClr val="000000"/>
+        </a:contourClr>
+      </a:sp3d>
+    </cs:spPr>
+  </cs:dataPoint>
+  <cs:dataPoint3D>
+    <cs:lnRef idx="0"/>
+    <cs:fillRef idx="0">
+      <cs:styleClr val="auto"/>
+    </cs:fillRef>
+    <cs:effectRef idx="0"/>
+    <cs:fontRef idx="minor">
+      <a:schemeClr val="tx1"/>
+    </cs:fontRef>
+    <cs:spPr>
+      <a:solidFill>
+        <a:schemeClr val="phClr"/>
+      </a:solidFill>
+      <a:ln w="19050">
+        <a:solidFill>
+          <a:schemeClr val="lt1"/>
+        </a:solidFill>
+      </a:ln>
+    </cs:spPr>
+  </cs:dataPoint3D>
+  <cs:dataPointLine>
+    <cs:lnRef idx="0">
+      <cs:styleClr val="auto"/>
+    </cs:lnRef>
+    <cs:fillRef idx="0"/>
+    <cs:effectRef idx="0"/>
+    <cs:fontRef idx="minor">
+      <a:schemeClr val="tx1"/>
+    </cs:fontRef>
+    <cs:spPr>
+      <a:ln w="28575" cap="rnd">
+        <a:solidFill>
+          <a:schemeClr val="phClr"/>
+        </a:solidFill>
+        <a:round/>
+      </a:ln>
+    </cs:spPr>
+  </cs:dataPointLine>
+  <cs:dataPointMarker>
+    <cs:lnRef idx="0"/>
+    <cs:fillRef idx="0">
+      <cs:styleClr val="auto"/>
+    </cs:fillRef>
+    <cs:effectRef idx="0"/>
+    <cs:fontRef idx="minor">
+      <a:schemeClr val="tx1"/>
+    </cs:fontRef>
+    <cs:spPr>
+      <a:solidFill>
+        <a:schemeClr val="phClr"/>
+      </a:solidFill>
+      <a:ln w="9525">
+        <a:solidFill>
+          <a:schemeClr val="lt1"/>
+        </a:solidFill>
+      </a:ln>
+    </cs:spPr>
+  </cs:dataPointMarker>
+  <cs:dataPointMarkerLayout symbol="circle" size="6"/>
+  <cs:dataPointWireframe>
+    <cs:lnRef idx="0">
+      <cs:styleClr val="auto"/>
+    </cs:lnRef>
+    <cs:fillRef idx="0"/>
+    <cs:effectRef idx="0"/>
+    <cs:fontRef idx="minor">
+      <a:schemeClr val="tx1"/>
+    </cs:fontRef>
+    <cs:spPr>
+      <a:ln w="9525" cap="rnd">
+        <a:solidFill>
+          <a:schemeClr val="phClr"/>
+        </a:solidFill>
+        <a:round/>
+      </a:ln>
+    </cs:spPr>
+  </cs:dataPointWireframe>
+  <cs:dataTable>
+    <cs:lnRef idx="0"/>
+    <cs:fillRef idx="0"/>
+    <cs:effectRef idx="0"/>
+    <cs:fontRef idx="minor">
+      <a:schemeClr val="tx1">
+        <a:lumMod val="65000"/>
+        <a:lumOff val="35000"/>
+      </a:schemeClr>
+    </cs:fontRef>
+    <cs:spPr>
+      <a:noFill/>
+      <a:ln w="9525" cap="flat" cmpd="sng" algn="ctr">
+        <a:solidFill>
+          <a:schemeClr val="tx1">
+            <a:lumMod val="15000"/>
+            <a:lumOff val="85000"/>
+          </a:schemeClr>
+        </a:solidFill>
+        <a:round/>
+      </a:ln>
+    </cs:spPr>
+    <cs:defRPr sz="1197" kern="1200"/>
+  </cs:dataTable>
+  <cs:downBar>
+    <cs:lnRef idx="0"/>
+    <cs:fillRef idx="0"/>
+    <cs:effectRef idx="0"/>
+    <cs:fontRef idx="minor">
+      <a:schemeClr val="tx1"/>
+    </cs:fontRef>
+    <cs:spPr>
+      <a:solidFill>
+        <a:schemeClr val="dk1">
+          <a:lumMod val="75000"/>
+          <a:lumOff val="25000"/>
+        </a:schemeClr>
+      </a:solidFill>
+      <a:ln w="9525" cap="flat" cmpd="sng" algn="ctr">
+        <a:solidFill>
+          <a:schemeClr val="tx1">
+            <a:lumMod val="65000"/>
+            <a:lumOff val="35000"/>
+          </a:schemeClr>
+        </a:solidFill>
+        <a:round/>
+      </a:ln>
+    </cs:spPr>
+  </cs:downBar>
+  <cs:dropLine>
+    <cs:lnRef idx="0"/>
+    <cs:fillRef idx="0"/>
+    <cs:effectRef idx="0"/>
+    <cs:fontRef idx="minor">
+      <a:schemeClr val="tx1"/>
+    </cs:fontRef>
+    <cs:spPr>
+      <a:ln w="9525" cap="flat" cmpd="sng" algn="ctr">
+        <a:solidFill>
+          <a:schemeClr val="tx1">
+            <a:lumMod val="35000"/>
+            <a:lumOff val="65000"/>
+          </a:schemeClr>
+        </a:solidFill>
+        <a:round/>
+      </a:ln>
+    </cs:spPr>
+  </cs:dropLine>
+  <cs:errorBar>
+    <cs:lnRef idx="0"/>
+    <cs:fillRef idx="0"/>
+    <cs:effectRef idx="0"/>
+    <cs:fontRef idx="minor">
+      <a:schemeClr val="tx1"/>
+    </cs:fontRef>
+    <cs:spPr>
+      <a:ln w="9525" cap="flat" cmpd="sng" algn="ctr">
+        <a:solidFill>
+          <a:schemeClr val="tx1">
+            <a:lumMod val="65000"/>
+            <a:lumOff val="35000"/>
+          </a:schemeClr>
+        </a:solidFill>
+        <a:round/>
+      </a:ln>
+    </cs:spPr>
+  </cs:errorBar>
+  <cs:floor>
+    <cs:lnRef idx="0"/>
+    <cs:fillRef idx="0"/>
+    <cs:effectRef idx="0"/>
+    <cs:fontRef idx="minor">
+      <a:schemeClr val="tx1"/>
+    </cs:fontRef>
+    <cs:spPr>
+      <a:noFill/>
+      <a:ln>
+        <a:noFill/>
+      </a:ln>
+    </cs:spPr>
+  </cs:floor>
+  <cs:gridlineMajor>
+    <cs:lnRef idx="0"/>
+    <cs:fillRef idx="0"/>
+    <cs:effectRef idx="0"/>
+    <cs:fontRef idx="minor">
+      <a:schemeClr val="tx1"/>
+    </cs:fontRef>
+    <cs:spPr>
+      <a:ln w="9525" cap="flat" cmpd="sng" algn="ctr">
+        <a:solidFill>
+          <a:schemeClr val="tx1">
+            <a:lumMod val="15000"/>
+            <a:lumOff val="85000"/>
+          </a:schemeClr>
+        </a:solidFill>
+        <a:round/>
+      </a:ln>
+    </cs:spPr>
+  </cs:gridlineMajor>
+  <cs:gridlineMinor>
+    <cs:lnRef idx="0"/>
+    <cs:fillRef idx="0"/>
+    <cs:effectRef idx="0"/>
+    <cs:fontRef idx="minor">
+      <a:schemeClr val="tx1"/>
+    </cs:fontRef>
+    <cs:spPr>
+      <a:ln w="9525" cap="flat" cmpd="sng" algn="ctr">
+        <a:solidFill>
+          <a:schemeClr val="tx1">
+            <a:lumMod val="5000"/>
+            <a:lumOff val="95000"/>
+          </a:schemeClr>
+        </a:solidFill>
+        <a:round/>
+      </a:ln>
+    </cs:spPr>
+  </cs:gridlineMinor>
+  <cs:hiLoLine>
+    <cs:lnRef idx="0"/>
+    <cs:fillRef idx="0"/>
+    <cs:effectRef idx="0"/>
+    <cs:fontRef idx="minor">
+      <a:schemeClr val="tx1"/>
+    </cs:fontRef>
+    <cs:spPr>
+      <a:ln w="9525" cap="flat" cmpd="sng" algn="ctr">
+        <a:solidFill>
+          <a:schemeClr val="tx1">
+            <a:lumMod val="50000"/>
+            <a:lumOff val="50000"/>
+          </a:schemeClr>
+        </a:solidFill>
+        <a:round/>
+      </a:ln>
+    </cs:spPr>
+  </cs:hiLoLine>
+  <cs:leaderLine>
+    <cs:lnRef idx="0"/>
+    <cs:fillRef idx="0"/>
+    <cs:effectRef idx="0"/>
+    <cs:fontRef idx="minor">
+      <a:schemeClr val="tx1"/>
+    </cs:fontRef>
+    <cs:spPr>
+      <a:ln w="9525" cap="flat" cmpd="sng" algn="ctr">
+        <a:solidFill>
+          <a:schemeClr val="tx1">
+            <a:lumMod val="35000"/>
+            <a:lumOff val="65000"/>
+          </a:schemeClr>
+        </a:solidFill>
+        <a:round/>
+      </a:ln>
+    </cs:spPr>
+  </cs:leaderLine>
+  <cs:legend>
+    <cs:lnRef idx="0"/>
+    <cs:fillRef idx="0"/>
+    <cs:effectRef idx="0"/>
+    <cs:fontRef idx="minor">
+      <a:schemeClr val="tx1">
+        <a:lumMod val="65000"/>
+        <a:lumOff val="35000"/>
+      </a:schemeClr>
+    </cs:fontRef>
+    <cs:defRPr sz="1197" kern="1200"/>
+  </cs:legend>
+  <cs:plotArea mods="allowNoFillOverride allowNoLineOverride">
+    <cs:lnRef idx="0"/>
+    <cs:fillRef idx="0"/>
+    <cs:effectRef idx="0"/>
+    <cs:fontRef idx="minor">
+      <a:schemeClr val="tx1"/>
+    </cs:fontRef>
+  </cs:plotArea>
+  <cs:plotArea3D mods="allowNoFillOverride allowNoLineOverride">
+    <cs:lnRef idx="0"/>
+    <cs:fillRef idx="0"/>
+    <cs:effectRef idx="0"/>
+    <cs:fontRef idx="minor">
+      <a:schemeClr val="tx1"/>
+    </cs:fontRef>
+  </cs:plotArea3D>
+  <cs:seriesAxis>
+    <cs:lnRef idx="0"/>
+    <cs:fillRef idx="0"/>
+    <cs:effectRef idx="0"/>
+    <cs:fontRef idx="minor">
+      <a:schemeClr val="tx1">
+        <a:lumMod val="65000"/>
+        <a:lumOff val="35000"/>
+      </a:schemeClr>
+    </cs:fontRef>
+    <cs:defRPr sz="1197" kern="1200"/>
+  </cs:seriesAxis>
+  <cs:seriesLine>
+    <cs:lnRef idx="0"/>
+    <cs:fillRef idx="0"/>
+    <cs:effectRef idx="0"/>
+    <cs:fontRef idx="minor">
+      <a:schemeClr val="tx1"/>
+    </cs:fontRef>
+    <cs:spPr>
+      <a:ln w="9525" cap="flat" cmpd="sng" algn="ctr">
+        <a:solidFill>
+          <a:schemeClr val="tx1">
+            <a:lumMod val="35000"/>
+            <a:lumOff val="65000"/>
+          </a:schemeClr>
+        </a:solidFill>
+        <a:round/>
+      </a:ln>
+    </cs:spPr>
+  </cs:seriesLine>
+  <cs:title>
+    <cs:lnRef idx="0"/>
+    <cs:fillRef idx="0"/>
+    <cs:effectRef idx="0"/>
+    <cs:fontRef idx="minor">
+      <a:schemeClr val="tx1">
+        <a:lumMod val="65000"/>
+        <a:lumOff val="35000"/>
+      </a:schemeClr>
+    </cs:fontRef>
+    <cs:defRPr sz="1862" b="1" i="0" kern="1200" cap="all" spc="50" baseline="0"/>
+  </cs:title>
+  <cs:trendline>
+    <cs:lnRef idx="0">
+      <cs:styleClr val="auto"/>
+    </cs:lnRef>
+    <cs:fillRef idx="0"/>
+    <cs:effectRef idx="0"/>
+    <cs:fontRef idx="minor">
+      <a:schemeClr val="tx1"/>
+    </cs:fontRef>
+    <cs:spPr>
+      <a:ln w="19050" cap="rnd">
+        <a:solidFill>
+          <a:schemeClr val="phClr"/>
+        </a:solidFill>
+        <a:prstDash val="sysDash"/>
+      </a:ln>
+    </cs:spPr>
+  </cs:trendline>
+  <cs:trendlineLabel>
+    <cs:lnRef idx="0"/>
+    <cs:fillRef idx="0"/>
+    <cs:effectRef idx="0"/>
+    <cs:fontRef idx="minor">
+      <a:schemeClr val="tx1">
+        <a:lumMod val="65000"/>
+        <a:lumOff val="35000"/>
+      </a:schemeClr>
+    </cs:fontRef>
+    <cs:defRPr sz="1197" kern="1200"/>
+  </cs:trendlineLabel>
+  <cs:upBar>
+    <cs:lnRef idx="0"/>
+    <cs:fillRef idx="0"/>
+    <cs:effectRef idx="0"/>
+    <cs:fontRef idx="minor">
+      <a:schemeClr val="tx1"/>
+    </cs:fontRef>
+    <cs:spPr>
+      <a:solidFill>
+        <a:schemeClr val="lt1"/>
+      </a:solidFill>
+      <a:ln w="9525" cap="flat" cmpd="sng" algn="ctr">
+        <a:solidFill>
+          <a:schemeClr val="tx1">
+            <a:lumMod val="65000"/>
+            <a:lumOff val="35000"/>
+          </a:schemeClr>
+        </a:solidFill>
+        <a:round/>
+      </a:ln>
+    </cs:spPr>
+  </cs:upBar>
+  <cs:valueAxis>
+    <cs:lnRef idx="0"/>
+    <cs:fillRef idx="0"/>
+    <cs:effectRef idx="0"/>
+    <cs:fontRef idx="minor">
+      <a:schemeClr val="tx1">
+        <a:lumMod val="65000"/>
+        <a:lumOff val="35000"/>
+      </a:schemeClr>
+    </cs:fontRef>
+    <cs:defRPr sz="1197" kern="1200"/>
+  </cs:valueAxis>
+  <cs:wall>
+    <cs:lnRef idx="0"/>
+    <cs:fillRef idx="0"/>
+    <cs:effectRef idx="0"/>
+    <cs:fontRef idx="minor">
+      <a:schemeClr val="tx1"/>
+    </cs:fontRef>
+    <cs:spPr>
+      <a:noFill/>
+      <a:ln>
+        <a:noFill/>
+      </a:ln>
+    </cs:spPr>
+  </cs:wall>
+</cs:chartStyle>
+</file>
+
+<file path=ppt/charts/style3.xml><?xml version="1.0" encoding="utf-8"?>
+<cs:chartStyle xmlns:cs="http://schemas.microsoft.com/office/drawing/2012/chartStyle" xmlns:a="http://schemas.openxmlformats.org/drawingml/2006/main" id="258">
+  <cs:axisTitle>
+    <cs:lnRef idx="0"/>
+    <cs:fillRef idx="0"/>
+    <cs:effectRef idx="0"/>
+    <cs:fontRef idx="minor">
+      <a:schemeClr val="tx1">
+        <a:lumMod val="65000"/>
+        <a:lumOff val="35000"/>
+      </a:schemeClr>
+    </cs:fontRef>
+    <cs:defRPr sz="1197" kern="1200"/>
+  </cs:axisTitle>
+  <cs:categoryAxis>
+    <cs:lnRef idx="0"/>
+    <cs:fillRef idx="0"/>
+    <cs:effectRef idx="0"/>
+    <cs:fontRef idx="minor">
+      <a:schemeClr val="tx1">
+        <a:lumMod val="65000"/>
+        <a:lumOff val="35000"/>
+      </a:schemeClr>
+    </cs:fontRef>
+    <cs:defRPr sz="1197" kern="1200"/>
+  </cs:categoryAxis>
+  <cs:chartArea mods="allowNoFillOverride allowNoLineOverride">
+    <cs:lnRef idx="0"/>
+    <cs:fillRef idx="0"/>
+    <cs:effectRef idx="0"/>
+    <cs:fontRef idx="minor">
+      <a:schemeClr val="tx1"/>
+    </cs:fontRef>
+    <cs:spPr>
+      <a:solidFill>
+        <a:schemeClr val="bg1"/>
+      </a:solidFill>
+      <a:ln w="9525" cap="flat" cmpd="sng" algn="ctr">
+        <a:solidFill>
+          <a:schemeClr val="tx1">
+            <a:lumMod val="15000"/>
+            <a:lumOff val="85000"/>
+          </a:schemeClr>
+        </a:solidFill>
+        <a:round/>
+      </a:ln>
+    </cs:spPr>
+    <cs:defRPr sz="1197" kern="1200"/>
+  </cs:chartArea>
+  <cs:dataLabel>
+    <cs:lnRef idx="0"/>
+    <cs:fillRef idx="0"/>
+    <cs:effectRef idx="0"/>
+    <cs:fontRef idx="minor">
+      <a:schemeClr val="lt1"/>
+    </cs:fontRef>
+    <cs:defRPr sz="1197" b="1" kern="1200"/>
+  </cs:dataLabel>
+  <cs:dataLabelCallout>
+    <cs:lnRef idx="0"/>
+    <cs:fillRef idx="0"/>
+    <cs:effectRef idx="0"/>
+    <cs:fontRef idx="minor">
+      <a:schemeClr val="dk1">
+        <a:lumMod val="65000"/>
+        <a:lumOff val="35000"/>
+      </a:schemeClr>
+    </cs:fontRef>
+    <cs:spPr>
+      <a:solidFill>
+        <a:schemeClr val="lt1"/>
+      </a:solidFill>
+      <a:ln>
+        <a:solidFill>
+          <a:schemeClr val="dk1">
+            <a:lumMod val="25000"/>
+            <a:lumOff val="75000"/>
+          </a:schemeClr>
+        </a:solidFill>
+      </a:ln>
+    </cs:spPr>
+    <cs:defRPr sz="1197" kern="1200"/>
+    <cs:bodyPr rot="0" spcFirstLastPara="1" vertOverflow="clip" horzOverflow="clip" vert="horz" wrap="square" lIns="36576" tIns="18288" rIns="36576" bIns="18288" anchor="ctr" anchorCtr="1">
+      <a:spAutoFit/>
+    </cs:bodyPr>
+  </cs:dataLabelCallout>
+  <cs:dataPoint>
+    <cs:lnRef idx="0"/>
+    <cs:fillRef idx="0">
+      <cs:styleClr val="auto"/>
+    </cs:fillRef>
+    <cs:effectRef idx="0"/>
+    <cs:fontRef idx="minor">
+      <a:schemeClr val="tx1"/>
+    </cs:fontRef>
+    <cs:spPr>
+      <a:solidFill>
+        <a:schemeClr val="phClr"/>
+      </a:solidFill>
+      <a:scene3d>
+        <a:camera prst="orthographicFront"/>
+        <a:lightRig rig="brightRoom" dir="t"/>
+      </a:scene3d>
+      <a:sp3d prstMaterial="flat">
+        <a:bevelT w="50800" h="101600" prst="angle"/>
+        <a:contourClr>
+          <a:srgbClr val="000000"/>
+        </a:contourClr>
+      </a:sp3d>
+    </cs:spPr>
+  </cs:dataPoint>
+  <cs:dataPoint3D>
+    <cs:lnRef idx="0"/>
+    <cs:fillRef idx="0">
+      <cs:styleClr val="auto"/>
+    </cs:fillRef>
+    <cs:effectRef idx="0"/>
+    <cs:fontRef idx="minor">
+      <a:schemeClr val="tx1"/>
+    </cs:fontRef>
+    <cs:spPr>
+      <a:solidFill>
+        <a:schemeClr val="phClr"/>
+      </a:solidFill>
+      <a:ln w="19050">
+        <a:solidFill>
+          <a:schemeClr val="lt1"/>
+        </a:solidFill>
+      </a:ln>
+    </cs:spPr>
+  </cs:dataPoint3D>
+  <cs:dataPointLine>
+    <cs:lnRef idx="0">
+      <cs:styleClr val="auto"/>
+    </cs:lnRef>
+    <cs:fillRef idx="0"/>
+    <cs:effectRef idx="0"/>
+    <cs:fontRef idx="minor">
+      <a:schemeClr val="tx1"/>
+    </cs:fontRef>
+    <cs:spPr>
+      <a:ln w="28575" cap="rnd">
+        <a:solidFill>
+          <a:schemeClr val="phClr"/>
+        </a:solidFill>
+        <a:round/>
+      </a:ln>
+    </cs:spPr>
+  </cs:dataPointLine>
+  <cs:dataPointMarker>
+    <cs:lnRef idx="0"/>
+    <cs:fillRef idx="0">
+      <cs:styleClr val="auto"/>
+    </cs:fillRef>
+    <cs:effectRef idx="0"/>
+    <cs:fontRef idx="minor">
+      <a:schemeClr val="tx1"/>
+    </cs:fontRef>
+    <cs:spPr>
+      <a:solidFill>
+        <a:schemeClr val="phClr"/>
+      </a:solidFill>
+      <a:ln w="9525">
+        <a:solidFill>
+          <a:schemeClr val="lt1"/>
+        </a:solidFill>
+      </a:ln>
+    </cs:spPr>
+  </cs:dataPointMarker>
+  <cs:dataPointMarkerLayout symbol="circle" size="6"/>
+  <cs:dataPointWireframe>
+    <cs:lnRef idx="0">
+      <cs:styleClr val="auto"/>
+    </cs:lnRef>
+    <cs:fillRef idx="0"/>
+    <cs:effectRef idx="0"/>
+    <cs:fontRef idx="minor">
+      <a:schemeClr val="tx1"/>
+    </cs:fontRef>
+    <cs:spPr>
+      <a:ln w="9525" cap="rnd">
+        <a:solidFill>
+          <a:schemeClr val="phClr"/>
+        </a:solidFill>
+        <a:round/>
+      </a:ln>
+    </cs:spPr>
+  </cs:dataPointWireframe>
+  <cs:dataTable>
+    <cs:lnRef idx="0"/>
+    <cs:fillRef idx="0"/>
+    <cs:effectRef idx="0"/>
+    <cs:fontRef idx="minor">
+      <a:schemeClr val="tx1">
+        <a:lumMod val="65000"/>
+        <a:lumOff val="35000"/>
+      </a:schemeClr>
+    </cs:fontRef>
+    <cs:spPr>
+      <a:noFill/>
+      <a:ln w="9525" cap="flat" cmpd="sng" algn="ctr">
+        <a:solidFill>
+          <a:schemeClr val="tx1">
+            <a:lumMod val="15000"/>
+            <a:lumOff val="85000"/>
+          </a:schemeClr>
+        </a:solidFill>
+        <a:round/>
+      </a:ln>
+    </cs:spPr>
+    <cs:defRPr sz="1197" kern="1200"/>
+  </cs:dataTable>
+  <cs:downBar>
+    <cs:lnRef idx="0"/>
+    <cs:fillRef idx="0"/>
+    <cs:effectRef idx="0"/>
+    <cs:fontRef idx="minor">
+      <a:schemeClr val="tx1"/>
+    </cs:fontRef>
+    <cs:spPr>
+      <a:solidFill>
+        <a:schemeClr val="dk1">
+          <a:lumMod val="75000"/>
+          <a:lumOff val="25000"/>
+        </a:schemeClr>
+      </a:solidFill>
+      <a:ln w="9525" cap="flat" cmpd="sng" algn="ctr">
+        <a:solidFill>
+          <a:schemeClr val="tx1">
+            <a:lumMod val="65000"/>
+            <a:lumOff val="35000"/>
+          </a:schemeClr>
+        </a:solidFill>
+        <a:round/>
+      </a:ln>
+    </cs:spPr>
+  </cs:downBar>
+  <cs:dropLine>
+    <cs:lnRef idx="0"/>
+    <cs:fillRef idx="0"/>
+    <cs:effectRef idx="0"/>
+    <cs:fontRef idx="minor">
+      <a:schemeClr val="tx1"/>
+    </cs:fontRef>
+    <cs:spPr>
+      <a:ln w="9525" cap="flat" cmpd="sng" algn="ctr">
+        <a:solidFill>
+          <a:schemeClr val="tx1">
+            <a:lumMod val="35000"/>
+            <a:lumOff val="65000"/>
+          </a:schemeClr>
+        </a:solidFill>
+        <a:round/>
+      </a:ln>
+    </cs:spPr>
+  </cs:dropLine>
+  <cs:errorBar>
+    <cs:lnRef idx="0"/>
+    <cs:fillRef idx="0"/>
+    <cs:effectRef idx="0"/>
+    <cs:fontRef idx="minor">
+      <a:schemeClr val="tx1"/>
+    </cs:fontRef>
+    <cs:spPr>
+      <a:ln w="9525" cap="flat" cmpd="sng" algn="ctr">
+        <a:solidFill>
+          <a:schemeClr val="tx1">
+            <a:lumMod val="65000"/>
+            <a:lumOff val="35000"/>
+          </a:schemeClr>
+        </a:solidFill>
+        <a:round/>
+      </a:ln>
+    </cs:spPr>
+  </cs:errorBar>
+  <cs:floor>
+    <cs:lnRef idx="0"/>
+    <cs:fillRef idx="0"/>
+    <cs:effectRef idx="0"/>
+    <cs:fontRef idx="minor">
+      <a:schemeClr val="tx1"/>
+    </cs:fontRef>
+    <cs:spPr>
+      <a:noFill/>
+      <a:ln>
+        <a:noFill/>
+      </a:ln>
+    </cs:spPr>
+  </cs:floor>
+  <cs:gridlineMajor>
+    <cs:lnRef idx="0"/>
+    <cs:fillRef idx="0"/>
+    <cs:effectRef idx="0"/>
+    <cs:fontRef idx="minor">
+      <a:schemeClr val="tx1"/>
+    </cs:fontRef>
+    <cs:spPr>
+      <a:ln w="9525" cap="flat" cmpd="sng" algn="ctr">
+        <a:solidFill>
+          <a:schemeClr val="tx1">
+            <a:lumMod val="15000"/>
+            <a:lumOff val="85000"/>
+          </a:schemeClr>
+        </a:solidFill>
+        <a:round/>
+      </a:ln>
+    </cs:spPr>
+  </cs:gridlineMajor>
+  <cs:gridlineMinor>
+    <cs:lnRef idx="0"/>
+    <cs:fillRef idx="0"/>
+    <cs:effectRef idx="0"/>
+    <cs:fontRef idx="minor">
+      <a:schemeClr val="tx1"/>
+    </cs:fontRef>
+    <cs:spPr>
+      <a:ln w="9525" cap="flat" cmpd="sng" algn="ctr">
+        <a:solidFill>
+          <a:schemeClr val="tx1">
+            <a:lumMod val="5000"/>
+            <a:lumOff val="95000"/>
+          </a:schemeClr>
+        </a:solidFill>
+        <a:round/>
+      </a:ln>
+    </cs:spPr>
+  </cs:gridlineMinor>
+  <cs:hiLoLine>
+    <cs:lnRef idx="0"/>
+    <cs:fillRef idx="0"/>
+    <cs:effectRef idx="0"/>
+    <cs:fontRef idx="minor">
+      <a:schemeClr val="tx1"/>
+    </cs:fontRef>
+    <cs:spPr>
+      <a:ln w="9525" cap="flat" cmpd="sng" algn="ctr">
+        <a:solidFill>
+          <a:schemeClr val="tx1">
+            <a:lumMod val="50000"/>
+            <a:lumOff val="50000"/>
+          </a:schemeClr>
+        </a:solidFill>
+        <a:round/>
+      </a:ln>
+    </cs:spPr>
+  </cs:hiLoLine>
+  <cs:leaderLine>
+    <cs:lnRef idx="0"/>
+    <cs:fillRef idx="0"/>
+    <cs:effectRef idx="0"/>
+    <cs:fontRef idx="minor">
+      <a:schemeClr val="tx1"/>
+    </cs:fontRef>
+    <cs:spPr>
+      <a:ln w="9525" cap="flat" cmpd="sng" algn="ctr">
+        <a:solidFill>
+          <a:schemeClr val="tx1">
+            <a:lumMod val="35000"/>
+            <a:lumOff val="65000"/>
+          </a:schemeClr>
+        </a:solidFill>
+        <a:round/>
+      </a:ln>
+    </cs:spPr>
+  </cs:leaderLine>
+  <cs:legend>
+    <cs:lnRef idx="0"/>
+    <cs:fillRef idx="0"/>
+    <cs:effectRef idx="0"/>
+    <cs:fontRef idx="minor">
+      <a:schemeClr val="tx1">
+        <a:lumMod val="65000"/>
+        <a:lumOff val="35000"/>
+      </a:schemeClr>
+    </cs:fontRef>
+    <cs:defRPr sz="1197" kern="1200"/>
+  </cs:legend>
+  <cs:plotArea mods="allowNoFillOverride allowNoLineOverride">
+    <cs:lnRef idx="0"/>
+    <cs:fillRef idx="0"/>
+    <cs:effectRef idx="0"/>
+    <cs:fontRef idx="minor">
+      <a:schemeClr val="tx1"/>
+    </cs:fontRef>
+  </cs:plotArea>
+  <cs:plotArea3D mods="allowNoFillOverride allowNoLineOverride">
+    <cs:lnRef idx="0"/>
+    <cs:fillRef idx="0"/>
+    <cs:effectRef idx="0"/>
+    <cs:fontRef idx="minor">
+      <a:schemeClr val="tx1"/>
+    </cs:fontRef>
+  </cs:plotArea3D>
+  <cs:seriesAxis>
+    <cs:lnRef idx="0"/>
+    <cs:fillRef idx="0"/>
+    <cs:effectRef idx="0"/>
+    <cs:fontRef idx="minor">
+      <a:schemeClr val="tx1">
+        <a:lumMod val="65000"/>
+        <a:lumOff val="35000"/>
+      </a:schemeClr>
+    </cs:fontRef>
+    <cs:defRPr sz="1197" kern="1200"/>
+  </cs:seriesAxis>
+  <cs:seriesLine>
+    <cs:lnRef idx="0"/>
+    <cs:fillRef idx="0"/>
+    <cs:effectRef idx="0"/>
+    <cs:fontRef idx="minor">
+      <a:schemeClr val="tx1"/>
+    </cs:fontRef>
+    <cs:spPr>
+      <a:ln w="9525" cap="flat" cmpd="sng" algn="ctr">
+        <a:solidFill>
+          <a:schemeClr val="tx1">
+            <a:lumMod val="35000"/>
+            <a:lumOff val="65000"/>
+          </a:schemeClr>
+        </a:solidFill>
+        <a:round/>
+      </a:ln>
+    </cs:spPr>
+  </cs:seriesLine>
+  <cs:title>
+    <cs:lnRef idx="0"/>
+    <cs:fillRef idx="0"/>
+    <cs:effectRef idx="0"/>
+    <cs:fontRef idx="minor">
+      <a:schemeClr val="tx1">
+        <a:lumMod val="65000"/>
+        <a:lumOff val="35000"/>
+      </a:schemeClr>
+    </cs:fontRef>
+    <cs:defRPr sz="1862" b="1" i="0" kern="1200" cap="all" spc="50" baseline="0"/>
+  </cs:title>
+  <cs:trendline>
+    <cs:lnRef idx="0">
+      <cs:styleClr val="auto"/>
+    </cs:lnRef>
+    <cs:fillRef idx="0"/>
+    <cs:effectRef idx="0"/>
+    <cs:fontRef idx="minor">
+      <a:schemeClr val="tx1"/>
+    </cs:fontRef>
+    <cs:spPr>
+      <a:ln w="19050" cap="rnd">
+        <a:solidFill>
+          <a:schemeClr val="phClr"/>
+        </a:solidFill>
+        <a:prstDash val="sysDash"/>
+      </a:ln>
+    </cs:spPr>
+  </cs:trendline>
+  <cs:trendlineLabel>
+    <cs:lnRef idx="0"/>
+    <cs:fillRef idx="0"/>
+    <cs:effectRef idx="0"/>
+    <cs:fontRef idx="minor">
+      <a:schemeClr val="tx1">
+        <a:lumMod val="65000"/>
+        <a:lumOff val="35000"/>
+      </a:schemeClr>
+    </cs:fontRef>
+    <cs:defRPr sz="1197" kern="1200"/>
+  </cs:trendlineLabel>
+  <cs:upBar>
+    <cs:lnRef idx="0"/>
+    <cs:fillRef idx="0"/>
+    <cs:effectRef idx="0"/>
+    <cs:fontRef idx="minor">
+      <a:schemeClr val="tx1"/>
+    </cs:fontRef>
+    <cs:spPr>
+      <a:solidFill>
+        <a:schemeClr val="lt1"/>
+      </a:solidFill>
+      <a:ln w="9525" cap="flat" cmpd="sng" algn="ctr">
+        <a:solidFill>
+          <a:schemeClr val="tx1">
+            <a:lumMod val="65000"/>
+            <a:lumOff val="35000"/>
+          </a:schemeClr>
+        </a:solidFill>
+        <a:round/>
+      </a:ln>
+    </cs:spPr>
+  </cs:upBar>
+  <cs:valueAxis>
+    <cs:lnRef idx="0"/>
+    <cs:fillRef idx="0"/>
+    <cs:effectRef idx="0"/>
+    <cs:fontRef idx="minor">
+      <a:schemeClr val="tx1">
+        <a:lumMod val="65000"/>
+        <a:lumOff val="35000"/>
+      </a:schemeClr>
+    </cs:fontRef>
+    <cs:defRPr sz="1197" kern="1200"/>
+  </cs:valueAxis>
+  <cs:wall>
+    <cs:lnRef idx="0"/>
+    <cs:fillRef idx="0"/>
+    <cs:effectRef idx="0"/>
+    <cs:fontRef idx="minor">
+      <a:schemeClr val="tx1"/>
+    </cs:fontRef>
+    <cs:spPr>
+      <a:noFill/>
+      <a:ln>
+        <a:noFill/>
+      </a:ln>
+    </cs:spPr>
+  </cs:wall>
+</cs:chartStyle>
 </file>
 
 <file path=ppt/notesMasters/notesMaster1.xml><?xml version="1.0" encoding="utf-8"?>
@@ -2829,7 +5510,7 @@
           <a:p>
             <a:fld id="{D2A97D0C-8391-493E-8340-3BBD6C9DE77E}" type="datetimeFigureOut">
               <a:rPr lang="en-US" smtClean="0"/>
-              <a:t>3/27/2023</a:t>
+              <a:t>3/28/2023</a:t>
             </a:fld>
             <a:endParaRPr lang="en-US"/>
           </a:p>
@@ -3115,7 +5796,7 @@
       </p:grpSpPr>
       <p:sp>
         <p:nvSpPr>
-          <p:cNvPr id="2" name="Slide Image Placeholder 1"/>
+          <p:cNvPr id="2" name="Tijdelijke aanduiding voor dia-afbeelding 1"/>
           <p:cNvSpPr>
             <a:spLocks noGrp="1" noRot="1" noChangeAspect="1"/>
           </p:cNvSpPr>
@@ -3127,7 +5808,7 @@
       </p:sp>
       <p:sp>
         <p:nvSpPr>
-          <p:cNvPr id="3" name="Notes Placeholder 2"/>
+          <p:cNvPr id="3" name="Tijdelijke aanduiding voor notities 2"/>
           <p:cNvSpPr>
             <a:spLocks noGrp="1"/>
           </p:cNvSpPr>
@@ -3140,16 +5821,13 @@
           <a:bodyPr/>
           <a:lstStyle/>
           <a:p>
-            <a:r>
-              <a:rPr lang="en-US" dirty="0"/>
-              <a:t>CTO of Microsoft Azure.</a:t>
-            </a:r>
+            <a:endParaRPr lang="nl-NL" dirty="0"/>
           </a:p>
         </p:txBody>
       </p:sp>
       <p:sp>
         <p:nvSpPr>
-          <p:cNvPr id="4" name="Slide Number Placeholder 3"/>
+          <p:cNvPr id="4" name="Tijdelijke aanduiding voor dianummer 3"/>
           <p:cNvSpPr>
             <a:spLocks noGrp="1"/>
           </p:cNvSpPr>
@@ -3162,18 +5840,18 @@
           <a:bodyPr/>
           <a:lstStyle/>
           <a:p>
-            <a:fld id="{E9861B67-E5B7-4A63-9B8B-0228EA2A6027}" type="slidenum">
-              <a:rPr lang="en-US" smtClean="0"/>
-              <a:t>3</a:t>
+            <a:fld id="{CFAAC3FA-ACE0-3E49-BFC0-72473E9F29E5}" type="slidenum">
+              <a:rPr lang="nl-NL" smtClean="0"/>
+              <a:t>1</a:t>
             </a:fld>
-            <a:endParaRPr lang="en-US"/>
+            <a:endParaRPr lang="nl-NL"/>
           </a:p>
         </p:txBody>
       </p:sp>
     </p:spTree>
     <p:extLst>
       <p:ext uri="{BB962C8B-B14F-4D97-AF65-F5344CB8AC3E}">
-        <p14:creationId xmlns:p14="http://schemas.microsoft.com/office/powerpoint/2010/main" val="861761445"/>
+        <p14:creationId xmlns:p14="http://schemas.microsoft.com/office/powerpoint/2010/main" val="274376307"/>
       </p:ext>
     </p:extLst>
   </p:cSld>
@@ -3229,7 +5907,7 @@
           <a:p>
             <a:r>
               <a:rPr lang="en-US" dirty="0"/>
-              <a:t>In Rust, Box is used to allocate memory on the heap. The new() method creates a new Box that contains the given value and returns a pointer to the boxed value. The * operator is used to dereference the pointer and access the value stored in the Box. When the Box goes out of scope, the memory it allocated on the heap will be automatically freed.</a:t>
+              <a:t>In Rust, Box is used to allocate memory on the heap. The new() method creates a new Box that contains the given value and returns a pointer to the boxed value. The * operator is used to dereference the pointer and access the value stored in the Box.</a:t>
             </a:r>
           </a:p>
           <a:p>
@@ -3237,89 +5915,11 @@
           </a:p>
           <a:p>
             <a:r>
-              <a:rPr lang="en-US" dirty="0" err="1"/>
-              <a:t>Cpp</a:t>
-            </a:r>
-            <a:r>
               <a:rPr lang="en-US" dirty="0"/>
-              <a:t>, of course, has its own fixes for this problem. It is highly recommended that raw pointers are replaced with smart pointers.</a:t>
-            </a:r>
-          </a:p>
-          <a:p>
-            <a:endParaRPr lang="en-US" dirty="0"/>
-          </a:p>
-          <a:p>
-            <a:pPr marL="0" marR="0" lvl="0" indent="0" algn="l" defTabSz="914400" rtl="0" eaLnBrk="1" fontAlgn="auto" latinLnBrk="0" hangingPunct="1">
-              <a:lnSpc>
-                <a:spcPct val="100000"/>
-              </a:lnSpc>
-              <a:spcBef>
-                <a:spcPts val="0"/>
-              </a:spcBef>
-              <a:spcAft>
-                <a:spcPts val="0"/>
-              </a:spcAft>
-              <a:buClrTx/>
-              <a:buSzTx/>
-              <a:buFontTx/>
-              <a:buNone/>
-              <a:tabLst/>
-              <a:defRPr/>
-            </a:pPr>
-            <a:r>
-              <a:rPr lang="en-US" sz="1100" b="0" i="0" u="none" strike="noStrike" baseline="0" dirty="0">
-                <a:solidFill>
-                  <a:srgbClr val="000000"/>
-                </a:solidFill>
-                <a:latin typeface="NewBaskerville"/>
-              </a:rPr>
-              <a:t>In </a:t>
-            </a:r>
-            <a:r>
-              <a:rPr lang="en-US" sz="1100" b="0" i="0" u="none" strike="noStrike" baseline="0" dirty="0" err="1">
-                <a:solidFill>
-                  <a:srgbClr val="000000"/>
-                </a:solidFill>
-                <a:latin typeface="NewBaskerville"/>
-              </a:rPr>
-              <a:t>Cpp</a:t>
-            </a:r>
-            <a:r>
-              <a:rPr lang="en-US" sz="1100" b="0" i="0" u="none" strike="noStrike" baseline="0" dirty="0">
-                <a:solidFill>
-                  <a:srgbClr val="000000"/>
-                </a:solidFill>
-                <a:latin typeface="NewBaskerville"/>
-              </a:rPr>
-              <a:t>, this pattern of deallocating resources at the end of an item’s lifetime is sometimes called Resource Acquisition Is Initialization (RAII). The </a:t>
-            </a:r>
-            <a:r>
-              <a:rPr lang="en-US" sz="1100" b="0" i="0" u="none" strike="noStrike" baseline="0" dirty="0">
-                <a:solidFill>
-                  <a:srgbClr val="000000"/>
-                </a:solidFill>
-                <a:latin typeface="TheSansMonoCondensed"/>
-              </a:rPr>
-              <a:t>drop </a:t>
-            </a:r>
-            <a:r>
-              <a:rPr lang="en-US" sz="1100" b="0" i="0" u="none" strike="noStrike" baseline="0" dirty="0">
-                <a:solidFill>
-                  <a:srgbClr val="000000"/>
-                </a:solidFill>
-                <a:latin typeface="NewBaskerville"/>
-              </a:rPr>
-              <a:t>function in Rust will be familiar to you if you’ve used RAII patterns</a:t>
-            </a:r>
-            <a:r>
-              <a:rPr lang="en-US" sz="1200" b="0" i="1" u="none" strike="noStrike" baseline="0" dirty="0">
-                <a:solidFill>
-                  <a:srgbClr val="000000"/>
-                </a:solidFill>
-                <a:latin typeface="NewBaskerville"/>
-              </a:rPr>
-              <a:t>.</a:t>
-            </a:r>
+              <a:t>When the Box goes out of scope, the memory it allocated on the heap will be automatically freed.</a:t>
+            </a:r>
+          </a:p>
+          <a:p>
             <a:endParaRPr lang="en-US" dirty="0"/>
           </a:p>
           <a:p>
@@ -3344,7 +5944,7 @@
           <a:p>
             <a:fld id="{E9861B67-E5B7-4A63-9B8B-0228EA2A6027}" type="slidenum">
               <a:rPr lang="en-US" smtClean="0"/>
-              <a:t>14</a:t>
+              <a:t>13</a:t>
             </a:fld>
             <a:endParaRPr lang="en-US"/>
           </a:p>
@@ -3353,7 +5953,7 @@
     </p:spTree>
     <p:extLst>
       <p:ext uri="{BB962C8B-B14F-4D97-AF65-F5344CB8AC3E}">
-        <p14:creationId xmlns:p14="http://schemas.microsoft.com/office/powerpoint/2010/main" val="4172814023"/>
+        <p14:creationId xmlns:p14="http://schemas.microsoft.com/office/powerpoint/2010/main" val="1678830894"/>
       </p:ext>
     </p:extLst>
   </p:cSld>
@@ -3409,23 +6009,101 @@
           <a:p>
             <a:r>
               <a:rPr lang="en-US" dirty="0"/>
-              <a:t>Loops back to zero after incrementing the max integer value.</a:t>
-            </a:r>
-          </a:p>
-          <a:p>
+              <a:t>In Rust, Box is used to allocate memory on the heap. The new() method creates a new Box that contains the given value and returns a pointer to the boxed value. The * operator is used to dereference the pointer and access the value stored in the Box. When the Box goes out of scope, the memory it allocated on the heap will be automatically freed.</a:t>
+            </a:r>
+          </a:p>
+          <a:p>
+            <a:endParaRPr lang="en-US" dirty="0"/>
+          </a:p>
+          <a:p>
+            <a:r>
+              <a:rPr lang="en-US" dirty="0" err="1"/>
+              <a:t>Cpp</a:t>
+            </a:r>
             <a:r>
               <a:rPr lang="en-US" dirty="0"/>
-              <a:t>Max value is (2^n) – 1, since it is zero indexed.</a:t>
+              <a:t>, of course, has its own fixes for this problem. It is highly recommended that raw pointers are replaced with smart pointers.</a:t>
             </a:r>
           </a:p>
           <a:p>
             <a:endParaRPr lang="en-US" dirty="0"/>
           </a:p>
           <a:p>
-            <a:r>
-              <a:rPr lang="en-US" dirty="0"/>
-              <a:t>The most famous is a heap overflow. Where the space allocated is going to be less than the file. This will then cause a buffer overflow. </a:t>
-            </a:r>
+            <a:pPr marL="0" marR="0" lvl="0" indent="0" algn="l" defTabSz="914400" rtl="0" eaLnBrk="1" fontAlgn="auto" latinLnBrk="0" hangingPunct="1">
+              <a:lnSpc>
+                <a:spcPct val="100000"/>
+              </a:lnSpc>
+              <a:spcBef>
+                <a:spcPts val="0"/>
+              </a:spcBef>
+              <a:spcAft>
+                <a:spcPts val="0"/>
+              </a:spcAft>
+              <a:buClrTx/>
+              <a:buSzTx/>
+              <a:buFontTx/>
+              <a:buNone/>
+              <a:tabLst/>
+              <a:defRPr/>
+            </a:pPr>
+            <a:r>
+              <a:rPr lang="en-US" sz="1100" b="0" i="0" u="none" strike="noStrike" baseline="0" dirty="0">
+                <a:solidFill>
+                  <a:srgbClr val="000000"/>
+                </a:solidFill>
+                <a:latin typeface="NewBaskerville"/>
+              </a:rPr>
+              <a:t>In </a:t>
+            </a:r>
+            <a:r>
+              <a:rPr lang="en-US" sz="1100" b="0" i="0" u="none" strike="noStrike" baseline="0" dirty="0" err="1">
+                <a:solidFill>
+                  <a:srgbClr val="000000"/>
+                </a:solidFill>
+                <a:latin typeface="NewBaskerville"/>
+              </a:rPr>
+              <a:t>Cpp</a:t>
+            </a:r>
+            <a:r>
+              <a:rPr lang="en-US" sz="1100" b="0" i="0" u="none" strike="noStrike" baseline="0" dirty="0">
+                <a:solidFill>
+                  <a:srgbClr val="000000"/>
+                </a:solidFill>
+                <a:latin typeface="NewBaskerville"/>
+              </a:rPr>
+              <a:t>, this pattern of deallocating resources at the end of an item’s lifetime is sometimes called Resource Acquisition Is Initialization (RAII). The </a:t>
+            </a:r>
+            <a:r>
+              <a:rPr lang="en-US" sz="1100" b="0" i="0" u="none" strike="noStrike" baseline="0" dirty="0">
+                <a:solidFill>
+                  <a:srgbClr val="000000"/>
+                </a:solidFill>
+                <a:latin typeface="TheSansMonoCondensed"/>
+              </a:rPr>
+              <a:t>drop </a:t>
+            </a:r>
+            <a:r>
+              <a:rPr lang="en-US" sz="1100" b="0" i="0" u="none" strike="noStrike" baseline="0" dirty="0">
+                <a:solidFill>
+                  <a:srgbClr val="000000"/>
+                </a:solidFill>
+                <a:latin typeface="NewBaskerville"/>
+              </a:rPr>
+              <a:t>function in Rust will be familiar to you if you’ve used RAII patterns</a:t>
+            </a:r>
+            <a:r>
+              <a:rPr lang="en-US" sz="1200" b="0" i="1" u="none" strike="noStrike" baseline="0" dirty="0">
+                <a:solidFill>
+                  <a:srgbClr val="000000"/>
+                </a:solidFill>
+                <a:latin typeface="NewBaskerville"/>
+              </a:rPr>
+              <a:t>.</a:t>
+            </a:r>
+            <a:endParaRPr lang="en-US" dirty="0"/>
+          </a:p>
+          <a:p>
+            <a:endParaRPr lang="en-US" dirty="0"/>
           </a:p>
         </p:txBody>
       </p:sp>
@@ -3446,7 +6124,7 @@
           <a:p>
             <a:fld id="{E9861B67-E5B7-4A63-9B8B-0228EA2A6027}" type="slidenum">
               <a:rPr lang="en-US" smtClean="0"/>
-              <a:t>15</a:t>
+              <a:t>14</a:t>
             </a:fld>
             <a:endParaRPr lang="en-US"/>
           </a:p>
@@ -3455,7 +6133,7 @@
     </p:spTree>
     <p:extLst>
       <p:ext uri="{BB962C8B-B14F-4D97-AF65-F5344CB8AC3E}">
-        <p14:creationId xmlns:p14="http://schemas.microsoft.com/office/powerpoint/2010/main" val="3240535678"/>
+        <p14:creationId xmlns:p14="http://schemas.microsoft.com/office/powerpoint/2010/main" val="4172814023"/>
       </p:ext>
     </p:extLst>
   </p:cSld>
@@ -3548,7 +6226,7 @@
           <a:p>
             <a:fld id="{E9861B67-E5B7-4A63-9B8B-0228EA2A6027}" type="slidenum">
               <a:rPr lang="en-US" smtClean="0"/>
-              <a:t>16</a:t>
+              <a:t>15</a:t>
             </a:fld>
             <a:endParaRPr lang="en-US"/>
           </a:p>
@@ -3557,7 +6235,7 @@
     </p:spTree>
     <p:extLst>
       <p:ext uri="{BB962C8B-B14F-4D97-AF65-F5344CB8AC3E}">
-        <p14:creationId xmlns:p14="http://schemas.microsoft.com/office/powerpoint/2010/main" val="1515967664"/>
+        <p14:creationId xmlns:p14="http://schemas.microsoft.com/office/powerpoint/2010/main" val="3240535678"/>
       </p:ext>
     </p:extLst>
   </p:cSld>
@@ -3611,7 +6289,25 @@
           <a:bodyPr/>
           <a:lstStyle/>
           <a:p>
+            <a:r>
+              <a:rPr lang="en-US" dirty="0"/>
+              <a:t>Loops back to zero after incrementing the max integer value.</a:t>
+            </a:r>
+          </a:p>
+          <a:p>
+            <a:r>
+              <a:rPr lang="en-US" dirty="0"/>
+              <a:t>Max value is (2^n) – 1, since it is zero indexed.</a:t>
+            </a:r>
+          </a:p>
+          <a:p>
             <a:endParaRPr lang="en-US" dirty="0"/>
+          </a:p>
+          <a:p>
+            <a:r>
+              <a:rPr lang="en-US" dirty="0"/>
+              <a:t>The most famous is a heap overflow. Where the space allocated is going to be less than the file. This will then cause a buffer overflow. </a:t>
+            </a:r>
           </a:p>
         </p:txBody>
       </p:sp>
@@ -3632,7 +6328,7 @@
           <a:p>
             <a:fld id="{E9861B67-E5B7-4A63-9B8B-0228EA2A6027}" type="slidenum">
               <a:rPr lang="en-US" smtClean="0"/>
-              <a:t>17</a:t>
+              <a:t>16</a:t>
             </a:fld>
             <a:endParaRPr lang="en-US"/>
           </a:p>
@@ -3641,7 +6337,7 @@
     </p:spTree>
     <p:extLst>
       <p:ext uri="{BB962C8B-B14F-4D97-AF65-F5344CB8AC3E}">
-        <p14:creationId xmlns:p14="http://schemas.microsoft.com/office/powerpoint/2010/main" val="2657794088"/>
+        <p14:creationId xmlns:p14="http://schemas.microsoft.com/office/powerpoint/2010/main" val="1515967664"/>
       </p:ext>
     </p:extLst>
   </p:cSld>
@@ -3716,7 +6412,7 @@
           <a:p>
             <a:fld id="{E9861B67-E5B7-4A63-9B8B-0228EA2A6027}" type="slidenum">
               <a:rPr lang="en-US" smtClean="0"/>
-              <a:t>18</a:t>
+              <a:t>17</a:t>
             </a:fld>
             <a:endParaRPr lang="en-US"/>
           </a:p>
@@ -3725,7 +6421,7 @@
     </p:spTree>
     <p:extLst>
       <p:ext uri="{BB962C8B-B14F-4D97-AF65-F5344CB8AC3E}">
-        <p14:creationId xmlns:p14="http://schemas.microsoft.com/office/powerpoint/2010/main" val="2946380832"/>
+        <p14:creationId xmlns:p14="http://schemas.microsoft.com/office/powerpoint/2010/main" val="2657794088"/>
       </p:ext>
     </p:extLst>
   </p:cSld>
@@ -3800,7 +6496,7 @@
           <a:p>
             <a:fld id="{E9861B67-E5B7-4A63-9B8B-0228EA2A6027}" type="slidenum">
               <a:rPr lang="en-US" smtClean="0"/>
-              <a:t>19</a:t>
+              <a:t>18</a:t>
             </a:fld>
             <a:endParaRPr lang="en-US"/>
           </a:p>
@@ -3809,7 +6505,7 @@
     </p:spTree>
     <p:extLst>
       <p:ext uri="{BB962C8B-B14F-4D97-AF65-F5344CB8AC3E}">
-        <p14:creationId xmlns:p14="http://schemas.microsoft.com/office/powerpoint/2010/main" val="3088720823"/>
+        <p14:creationId xmlns:p14="http://schemas.microsoft.com/office/powerpoint/2010/main" val="2946380832"/>
       </p:ext>
     </p:extLst>
   </p:cSld>
@@ -3863,36 +6559,7 @@
           <a:bodyPr/>
           <a:lstStyle/>
           <a:p>
-            <a:r>
-              <a:rPr lang="en-US" b="0" i="0" dirty="0" err="1">
-                <a:solidFill>
-                  <a:srgbClr val="CCCCCC"/>
-                </a:solidFill>
-                <a:effectLst/>
-                <a:latin typeface="Segoe WPC"/>
-              </a:rPr>
-              <a:t>AtomicUsize</a:t>
-            </a:r>
-            <a:r>
-              <a:rPr lang="en-US" b="0" i="0" dirty="0">
-                <a:solidFill>
-                  <a:srgbClr val="CCCCCC"/>
-                </a:solidFill>
-                <a:effectLst/>
-                <a:latin typeface="Segoe WPC"/>
-              </a:rPr>
-              <a:t> =&gt; An integer type which can be safely shared between threads.</a:t>
-            </a:r>
             <a:endParaRPr lang="en-US" dirty="0"/>
-          </a:p>
-          <a:p>
-            <a:endParaRPr lang="en-US" dirty="0"/>
-          </a:p>
-          <a:p>
-            <a:r>
-              <a:rPr lang="en-US" dirty="0"/>
-              <a:t>Can be solved only with a clone of the variable when it is an ARC (smart pointer) and the synchronization between variables.</a:t>
-            </a:r>
           </a:p>
         </p:txBody>
       </p:sp>
@@ -3913,7 +6580,7 @@
           <a:p>
             <a:fld id="{E9861B67-E5B7-4A63-9B8B-0228EA2A6027}" type="slidenum">
               <a:rPr lang="en-US" smtClean="0"/>
-              <a:t>20</a:t>
+              <a:t>19</a:t>
             </a:fld>
             <a:endParaRPr lang="en-US"/>
           </a:p>
@@ -3922,7 +6589,7 @@
     </p:spTree>
     <p:extLst>
       <p:ext uri="{BB962C8B-B14F-4D97-AF65-F5344CB8AC3E}">
-        <p14:creationId xmlns:p14="http://schemas.microsoft.com/office/powerpoint/2010/main" val="3000821798"/>
+        <p14:creationId xmlns:p14="http://schemas.microsoft.com/office/powerpoint/2010/main" val="3088720823"/>
       </p:ext>
     </p:extLst>
   </p:cSld>
@@ -3977,26 +6644,132 @@
           <a:lstStyle/>
           <a:p>
             <a:r>
-              <a:rPr lang="en-US" sz="1800" b="0" i="0" u="none" strike="noStrike" baseline="0" dirty="0">
+              <a:rPr lang="en-US" b="0" i="0" dirty="0" err="1">
+                <a:solidFill>
+                  <a:srgbClr val="CCCCCC"/>
+                </a:solidFill>
+                <a:effectLst/>
+                <a:latin typeface="Segoe WPC"/>
+              </a:rPr>
+              <a:t>AtomicUsize</a:t>
+            </a:r>
+            <a:r>
+              <a:rPr lang="en-US" b="0" i="0" dirty="0">
+                <a:solidFill>
+                  <a:srgbClr val="CCCCCC"/>
+                </a:solidFill>
+                <a:effectLst/>
+                <a:latin typeface="Segoe WPC"/>
+              </a:rPr>
+              <a:t> =&gt; An integer type which can be safely shared between threads.</a:t>
+            </a:r>
+            <a:endParaRPr lang="en-US" dirty="0"/>
+          </a:p>
+          <a:p>
+            <a:endParaRPr lang="en-US" dirty="0"/>
+          </a:p>
+          <a:p>
+            <a:r>
+              <a:rPr lang="en-US" dirty="0"/>
+              <a:t>Can be solved only with a clone of the variable when it is an ARC (smart pointer) and the synchronization between variables.</a:t>
+            </a:r>
+          </a:p>
+          <a:p>
+            <a:endParaRPr lang="en-US" dirty="0"/>
+          </a:p>
+          <a:p>
+            <a:r>
+              <a:rPr lang="en-US" sz="1100" b="0" i="0" u="none" strike="noStrike" baseline="0" dirty="0">
                 <a:solidFill>
                   <a:srgbClr val="000000"/>
                 </a:solidFill>
                 <a:latin typeface="+mn-lt"/>
               </a:rPr>
-              <a:t>In C++, this pattern of deallocating resources at the end of an item’s lifetime is sometimes called Resource Acquisition Is Initialization (RAII). The drop function in Rust will be familiar to you if you’ve used RAII </a:t>
-            </a:r>
-            <a:r>
-              <a:rPr lang="en-US" sz="1800" b="0" i="0" u="none" strike="noStrike" baseline="0">
+              <a:t>The benefit of having this restriction is that Rust can prevent data races at compile time. A </a:t>
+            </a:r>
+            <a:r>
+              <a:rPr lang="en-US" sz="1100" b="0" i="1" u="none" strike="noStrike" baseline="0" dirty="0">
                 <a:solidFill>
                   <a:srgbClr val="000000"/>
                 </a:solidFill>
                 <a:latin typeface="+mn-lt"/>
               </a:rPr>
-              <a:t>patterns.</a:t>
-            </a:r>
-          </a:p>
-          <a:p>
-            <a:endParaRPr lang="en-US" b="0" i="0" dirty="0">
+              <a:t>data race </a:t>
+            </a:r>
+            <a:r>
+              <a:rPr lang="en-US" sz="1100" b="0" i="0" u="none" strike="noStrike" baseline="0" dirty="0">
+                <a:solidFill>
+                  <a:srgbClr val="000000"/>
+                </a:solidFill>
+                <a:latin typeface="+mn-lt"/>
+              </a:rPr>
+              <a:t>is similar to a race condition and happens when these three behaviors occur:</a:t>
+            </a:r>
+          </a:p>
+          <a:p>
+            <a:pPr marL="285750" indent="-285750">
+              <a:buFont typeface="Arial" panose="020B0604020202020204" pitchFamily="34" charset="0"/>
+              <a:buChar char="•"/>
+            </a:pPr>
+            <a:r>
+              <a:rPr lang="en-US" sz="1100" b="0" i="0" u="none" strike="noStrike" baseline="0" dirty="0">
+                <a:solidFill>
+                  <a:srgbClr val="000000"/>
+                </a:solidFill>
+                <a:latin typeface="+mn-lt"/>
+              </a:rPr>
+              <a:t>Two or more pointers access the same data at the same time.</a:t>
+            </a:r>
+          </a:p>
+          <a:p>
+            <a:pPr marL="285750" indent="-285750">
+              <a:buFont typeface="Arial" panose="020B0604020202020204" pitchFamily="34" charset="0"/>
+              <a:buChar char="•"/>
+            </a:pPr>
+            <a:r>
+              <a:rPr lang="en-US" sz="1100" b="0" i="0" u="none" strike="noStrike" baseline="0" dirty="0">
+                <a:solidFill>
+                  <a:srgbClr val="000000"/>
+                </a:solidFill>
+                <a:latin typeface="+mn-lt"/>
+              </a:rPr>
+              <a:t>At least one of the pointers is being used to write to the data.</a:t>
+            </a:r>
+          </a:p>
+          <a:p>
+            <a:pPr marL="285750" indent="-285750">
+              <a:buFont typeface="Arial" panose="020B0604020202020204" pitchFamily="34" charset="0"/>
+              <a:buChar char="•"/>
+            </a:pPr>
+            <a:r>
+              <a:rPr lang="en-US" sz="1100" b="0" i="0" u="none" strike="noStrike" baseline="0" dirty="0">
+                <a:solidFill>
+                  <a:srgbClr val="000000"/>
+                </a:solidFill>
+                <a:latin typeface="+mn-lt"/>
+              </a:rPr>
+              <a:t>There’s no mechanism being used to synchronize access to the data.</a:t>
+            </a:r>
+          </a:p>
+          <a:p>
+            <a:endParaRPr lang="en-US" sz="1100" b="0" i="0" u="none" strike="noStrike" baseline="0" dirty="0">
+              <a:solidFill>
+                <a:srgbClr val="000000"/>
+              </a:solidFill>
+              <a:latin typeface="+mn-lt"/>
+            </a:endParaRPr>
+          </a:p>
+          <a:p>
+            <a:r>
+              <a:rPr lang="en-US" sz="1100" b="0" i="0" u="none" strike="noStrike" baseline="0" dirty="0">
+                <a:solidFill>
+                  <a:srgbClr val="000000"/>
+                </a:solidFill>
+                <a:latin typeface="+mn-lt"/>
+              </a:rPr>
+              <a:t>Data races cause undefined behavior and can be difficult to diagnose and fix when you’re trying to track them down at runtime; Rust prevents this problem from happening because it won’t even compile code with data races!</a:t>
+            </a:r>
+            <a:endParaRPr lang="en-US" sz="1100" dirty="0">
               <a:latin typeface="+mn-lt"/>
             </a:endParaRPr>
           </a:p>
@@ -4019,7 +6792,7 @@
           <a:p>
             <a:fld id="{E9861B67-E5B7-4A63-9B8B-0228EA2A6027}" type="slidenum">
               <a:rPr lang="en-US" smtClean="0"/>
-              <a:t>22</a:t>
+              <a:t>20</a:t>
             </a:fld>
             <a:endParaRPr lang="en-US"/>
           </a:p>
@@ -4028,7 +6801,119 @@
     </p:spTree>
     <p:extLst>
       <p:ext uri="{BB962C8B-B14F-4D97-AF65-F5344CB8AC3E}">
-        <p14:creationId xmlns:p14="http://schemas.microsoft.com/office/powerpoint/2010/main" val="1339066233"/>
+        <p14:creationId xmlns:p14="http://schemas.microsoft.com/office/powerpoint/2010/main" val="3000821798"/>
+      </p:ext>
+    </p:extLst>
+  </p:cSld>
+  <p:clrMapOvr>
+    <a:masterClrMapping/>
+  </p:clrMapOvr>
+</p:notes>
+</file>
+
+<file path=ppt/notesSlides/notesSlide18.xml><?xml version="1.0" encoding="utf-8"?>
+<p:notes xmlns:a="http://schemas.openxmlformats.org/drawingml/2006/main" xmlns:r="http://schemas.openxmlformats.org/officeDocument/2006/relationships" xmlns:p="http://schemas.openxmlformats.org/presentationml/2006/main">
+  <p:cSld>
+    <p:spTree>
+      <p:nvGrpSpPr>
+        <p:cNvPr id="1" name=""/>
+        <p:cNvGrpSpPr/>
+        <p:nvPr/>
+      </p:nvGrpSpPr>
+      <p:grpSpPr>
+        <a:xfrm>
+          <a:off x="0" y="0"/>
+          <a:ext cx="0" cy="0"/>
+          <a:chOff x="0" y="0"/>
+          <a:chExt cx="0" cy="0"/>
+        </a:xfrm>
+      </p:grpSpPr>
+      <p:sp>
+        <p:nvSpPr>
+          <p:cNvPr id="2" name="Tijdelijke aanduiding voor dia-afbeelding 1"/>
+          <p:cNvSpPr>
+            <a:spLocks noGrp="1" noRot="1" noChangeAspect="1"/>
+          </p:cNvSpPr>
+          <p:nvPr>
+            <p:ph type="sldImg"/>
+          </p:nvPr>
+        </p:nvSpPr>
+        <p:spPr/>
+      </p:sp>
+      <p:sp>
+        <p:nvSpPr>
+          <p:cNvPr id="3" name="Tijdelijke aanduiding voor notities 2"/>
+          <p:cNvSpPr>
+            <a:spLocks noGrp="1"/>
+          </p:cNvSpPr>
+          <p:nvPr>
+            <p:ph type="body" idx="1"/>
+          </p:nvPr>
+        </p:nvSpPr>
+        <p:spPr/>
+        <p:txBody>
+          <a:bodyPr/>
+          <a:lstStyle/>
+          <a:p>
+            <a:pPr marL="0" marR="0" lvl="0" indent="0" algn="l" defTabSz="914400" rtl="0" eaLnBrk="1" fontAlgn="auto" latinLnBrk="0" hangingPunct="1">
+              <a:lnSpc>
+                <a:spcPct val="100000"/>
+              </a:lnSpc>
+              <a:spcBef>
+                <a:spcPts val="0"/>
+              </a:spcBef>
+              <a:spcAft>
+                <a:spcPts val="0"/>
+              </a:spcAft>
+              <a:buClrTx/>
+              <a:buSzTx/>
+              <a:buFontTx/>
+              <a:buNone/>
+              <a:tabLst/>
+              <a:defRPr/>
+            </a:pPr>
+            <a:r>
+              <a:rPr lang="en-US" sz="1200" b="0" i="0" u="none" strike="noStrike" baseline="0" dirty="0">
+                <a:solidFill>
+                  <a:srgbClr val="000000"/>
+                </a:solidFill>
+                <a:latin typeface="+mn-lt"/>
+              </a:rPr>
+              <a:t>In C++, this pattern of deallocating resources at the end of an item’s lifetime is sometimes called Resource Acquisition Is Initialization (RAII). The drop function in Rust will be familiar to you if you’ve used RAII patterns.</a:t>
+            </a:r>
+          </a:p>
+          <a:p>
+            <a:endParaRPr lang="nl-NL" dirty="0"/>
+          </a:p>
+        </p:txBody>
+      </p:sp>
+      <p:sp>
+        <p:nvSpPr>
+          <p:cNvPr id="4" name="Tijdelijke aanduiding voor dianummer 3"/>
+          <p:cNvSpPr>
+            <a:spLocks noGrp="1"/>
+          </p:cNvSpPr>
+          <p:nvPr>
+            <p:ph type="sldNum" sz="quarter" idx="5"/>
+          </p:nvPr>
+        </p:nvSpPr>
+        <p:spPr/>
+        <p:txBody>
+          <a:bodyPr/>
+          <a:lstStyle/>
+          <a:p>
+            <a:fld id="{CFAAC3FA-ACE0-3E49-BFC0-72473E9F29E5}" type="slidenum">
+              <a:rPr lang="nl-NL" smtClean="0"/>
+              <a:t>22</a:t>
+            </a:fld>
+            <a:endParaRPr lang="nl-NL"/>
+          </a:p>
+        </p:txBody>
+      </p:sp>
+    </p:spTree>
+    <p:extLst>
+      <p:ext uri="{BB962C8B-B14F-4D97-AF65-F5344CB8AC3E}">
+        <p14:creationId xmlns:p14="http://schemas.microsoft.com/office/powerpoint/2010/main" val="1253687704"/>
       </p:ext>
     </p:extLst>
   </p:cSld>
@@ -4084,121 +6969,8 @@
           <a:p>
             <a:r>
               <a:rPr lang="en-US" dirty="0"/>
-              <a:t>Ferris the mascot (Crab)</a:t>
-            </a:r>
-          </a:p>
-          <a:p>
-            <a:r>
-              <a:rPr lang="en-US" dirty="0"/>
-              <a:t>The rusty gear is the Rust logo.</a:t>
-            </a:r>
-          </a:p>
-          <a:p>
-            <a:endParaRPr lang="en-US" dirty="0"/>
-          </a:p>
-          <a:p>
-            <a:pPr marL="0" marR="0" lvl="0" indent="0" algn="l" defTabSz="914400" rtl="0" eaLnBrk="1" fontAlgn="auto" latinLnBrk="0" hangingPunct="1">
-              <a:lnSpc>
-                <a:spcPct val="100000"/>
-              </a:lnSpc>
-              <a:spcBef>
-                <a:spcPts val="0"/>
-              </a:spcBef>
-              <a:spcAft>
-                <a:spcPts val="0"/>
-              </a:spcAft>
-              <a:buClrTx/>
-              <a:buSzTx/>
-              <a:buFontTx/>
-              <a:buNone/>
-              <a:tabLst/>
-              <a:defRPr/>
-            </a:pPr>
-            <a:r>
-              <a:rPr lang="en-US" sz="1200" dirty="0"/>
-              <a:t>Ownership is Rust’s most unique feature, and it enables Rust to make memory safety guarantees without garbage collection.</a:t>
-            </a:r>
-          </a:p>
-          <a:p>
-            <a:endParaRPr lang="en-US" dirty="0"/>
-          </a:p>
-          <a:p>
-            <a:r>
-              <a:rPr lang="en-US" dirty="0"/>
-              <a:t>Ownership rules:</a:t>
-            </a:r>
-            <a:endParaRPr lang="en-US" sz="1800" b="0" i="0" u="none" strike="noStrike" baseline="0" dirty="0">
-              <a:solidFill>
-                <a:srgbClr val="000000"/>
-              </a:solidFill>
-              <a:latin typeface="NewBaskerville"/>
-            </a:endParaRPr>
-          </a:p>
-          <a:p>
-            <a:pPr marL="285750" indent="-285750">
-              <a:buFont typeface="Arial" panose="020B0604020202020204" pitchFamily="34" charset="0"/>
-              <a:buChar char="•"/>
-            </a:pPr>
-            <a:r>
-              <a:rPr lang="en-US" sz="1800" b="0" i="0" u="none" strike="noStrike" baseline="0" dirty="0">
-                <a:solidFill>
-                  <a:srgbClr val="000000"/>
-                </a:solidFill>
-                <a:latin typeface="NewBaskerville"/>
-              </a:rPr>
-              <a:t>Each value in Rust has a variable that’s called its </a:t>
-            </a:r>
-            <a:r>
-              <a:rPr lang="en-US" sz="1800" b="0" i="1" u="none" strike="noStrike" baseline="0" dirty="0">
-                <a:solidFill>
-                  <a:srgbClr val="000000"/>
-                </a:solidFill>
-                <a:latin typeface="NewBaskerville"/>
-              </a:rPr>
-              <a:t>owner</a:t>
-            </a:r>
-            <a:r>
-              <a:rPr lang="en-US" sz="1800" b="0" i="0" u="none" strike="noStrike" baseline="0" dirty="0">
-                <a:solidFill>
-                  <a:srgbClr val="000000"/>
-                </a:solidFill>
-                <a:latin typeface="NewBaskerville"/>
-              </a:rPr>
-              <a:t>.</a:t>
-            </a:r>
-          </a:p>
-          <a:p>
-            <a:pPr marL="285750" indent="-285750">
-              <a:buFont typeface="Arial" panose="020B0604020202020204" pitchFamily="34" charset="0"/>
-              <a:buChar char="•"/>
-            </a:pPr>
-            <a:r>
-              <a:rPr lang="en-US" sz="1800" b="0" i="0" u="none" strike="noStrike" baseline="0" dirty="0">
-                <a:solidFill>
-                  <a:srgbClr val="000000"/>
-                </a:solidFill>
-                <a:latin typeface="NewBaskerville"/>
-              </a:rPr>
-              <a:t>There can be only one owner at a time.</a:t>
-            </a:r>
-          </a:p>
-          <a:p>
-            <a:pPr marL="285750" indent="-285750">
-              <a:buFont typeface="Arial" panose="020B0604020202020204" pitchFamily="34" charset="0"/>
-              <a:buChar char="•"/>
-            </a:pPr>
-            <a:r>
-              <a:rPr lang="en-US" sz="1800" b="0" i="0" u="none" strike="noStrike" baseline="0" dirty="0">
-                <a:solidFill>
-                  <a:srgbClr val="000000"/>
-                </a:solidFill>
-                <a:latin typeface="NewBaskerville"/>
-              </a:rPr>
-              <a:t>When the owner goes out of scope, the value will be dropped.</a:t>
-            </a:r>
-          </a:p>
-          <a:p>
-            <a:endParaRPr lang="en-US" dirty="0"/>
+              <a:t>CTO of Microsoft Azure.</a:t>
+            </a:r>
           </a:p>
         </p:txBody>
       </p:sp>
@@ -4219,7 +6991,7 @@
           <a:p>
             <a:fld id="{E9861B67-E5B7-4A63-9B8B-0228EA2A6027}" type="slidenum">
               <a:rPr lang="en-US" smtClean="0"/>
-              <a:t>4</a:t>
+              <a:t>3</a:t>
             </a:fld>
             <a:endParaRPr lang="en-US"/>
           </a:p>
@@ -4228,7 +7000,7 @@
     </p:spTree>
     <p:extLst>
       <p:ext uri="{BB962C8B-B14F-4D97-AF65-F5344CB8AC3E}">
-        <p14:creationId xmlns:p14="http://schemas.microsoft.com/office/powerpoint/2010/main" val="242636872"/>
+        <p14:creationId xmlns:p14="http://schemas.microsoft.com/office/powerpoint/2010/main" val="861761445"/>
       </p:ext>
     </p:extLst>
   </p:cSld>
@@ -4320,13 +7092,111 @@
             </a:r>
           </a:p>
           <a:p>
+            <a:pPr marL="0" marR="0" lvl="0" indent="0" algn="l" defTabSz="914400" rtl="0" eaLnBrk="1" fontAlgn="auto" latinLnBrk="0" hangingPunct="1">
+              <a:lnSpc>
+                <a:spcPct val="100000"/>
+              </a:lnSpc>
+              <a:spcBef>
+                <a:spcPts val="0"/>
+              </a:spcBef>
+              <a:spcAft>
+                <a:spcPts val="0"/>
+              </a:spcAft>
+              <a:buClrTx/>
+              <a:buSzTx/>
+              <a:buFontTx/>
+              <a:buNone/>
+              <a:tabLst/>
+              <a:defRPr/>
+            </a:pPr>
+            <a:r>
+              <a:rPr lang="en-US" sz="1200" dirty="0"/>
+              <a:t>The ownership model only applies to data on the heap.</a:t>
+            </a:r>
+          </a:p>
+          <a:p>
             <a:endParaRPr lang="en-US" dirty="0"/>
           </a:p>
           <a:p>
             <a:r>
-              <a:rPr lang="en-US" dirty="0"/>
+              <a:rPr lang="en-US" u="sng" dirty="0"/>
               <a:t>Ownership rules:</a:t>
             </a:r>
+            <a:endParaRPr lang="en-US" sz="1800" b="0" i="0" u="sng" strike="noStrike" baseline="0" dirty="0">
+              <a:solidFill>
+                <a:srgbClr val="000000"/>
+              </a:solidFill>
+              <a:latin typeface="NewBaskerville"/>
+            </a:endParaRPr>
+          </a:p>
+          <a:p>
+            <a:pPr marL="285750" indent="-285750">
+              <a:buFont typeface="Arial" panose="020B0604020202020204" pitchFamily="34" charset="0"/>
+              <a:buChar char="•"/>
+            </a:pPr>
+            <a:r>
+              <a:rPr lang="en-US" sz="1800" b="0" i="0" u="none" strike="noStrike" baseline="0" dirty="0">
+                <a:solidFill>
+                  <a:srgbClr val="000000"/>
+                </a:solidFill>
+                <a:latin typeface="NewBaskerville"/>
+              </a:rPr>
+              <a:t>Each value in Rust has a variable that’s called its </a:t>
+            </a:r>
+            <a:r>
+              <a:rPr lang="en-US" sz="1800" b="0" i="1" u="none" strike="noStrike" baseline="0" dirty="0">
+                <a:solidFill>
+                  <a:srgbClr val="000000"/>
+                </a:solidFill>
+                <a:latin typeface="NewBaskerville"/>
+              </a:rPr>
+              <a:t>owner</a:t>
+            </a:r>
+            <a:r>
+              <a:rPr lang="en-US" sz="1800" b="0" i="0" u="none" strike="noStrike" baseline="0" dirty="0">
+                <a:solidFill>
+                  <a:srgbClr val="000000"/>
+                </a:solidFill>
+                <a:latin typeface="NewBaskerville"/>
+              </a:rPr>
+              <a:t>.</a:t>
+            </a:r>
+          </a:p>
+          <a:p>
+            <a:pPr marL="285750" indent="-285750">
+              <a:buFont typeface="Arial" panose="020B0604020202020204" pitchFamily="34" charset="0"/>
+              <a:buChar char="•"/>
+            </a:pPr>
+            <a:r>
+              <a:rPr lang="en-US" sz="1800" b="0" i="0" u="none" strike="noStrike" baseline="0" dirty="0">
+                <a:solidFill>
+                  <a:srgbClr val="000000"/>
+                </a:solidFill>
+                <a:latin typeface="NewBaskerville"/>
+              </a:rPr>
+              <a:t>There can be only one owner at a time.</a:t>
+            </a:r>
+          </a:p>
+          <a:p>
+            <a:pPr marL="285750" indent="-285750">
+              <a:buFont typeface="Arial" panose="020B0604020202020204" pitchFamily="34" charset="0"/>
+              <a:buChar char="•"/>
+            </a:pPr>
+            <a:r>
+              <a:rPr lang="en-US" sz="1800" b="0" i="0" u="none" strike="noStrike" baseline="0" dirty="0">
+                <a:solidFill>
+                  <a:srgbClr val="000000"/>
+                </a:solidFill>
+                <a:latin typeface="NewBaskerville"/>
+              </a:rPr>
+              <a:t>When the owner goes out of scope, the value will be dropped.</a:t>
+            </a:r>
+          </a:p>
+          <a:p>
+            <a:pPr marL="285750" indent="-285750">
+              <a:buFont typeface="Arial" panose="020B0604020202020204" pitchFamily="34" charset="0"/>
+              <a:buChar char="•"/>
+            </a:pPr>
             <a:endParaRPr lang="en-US" sz="1800" b="0" i="0" u="none" strike="noStrike" baseline="0" dirty="0">
               <a:solidFill>
                 <a:srgbClr val="000000"/>
@@ -4335,70 +7205,104 @@
             </a:endParaRPr>
           </a:p>
           <a:p>
-            <a:pPr marL="285750" indent="-285750">
+            <a:r>
+              <a:rPr lang="en-US" sz="1100" b="0" i="0" u="sng" strike="noStrike" baseline="0" dirty="0">
+                <a:solidFill>
+                  <a:srgbClr val="000000"/>
+                </a:solidFill>
+                <a:latin typeface="+mn-lt"/>
+              </a:rPr>
+              <a:t>The Rules of References</a:t>
+            </a:r>
+          </a:p>
+          <a:p>
+            <a:r>
+              <a:rPr lang="en-US" sz="1100" b="0" i="0" u="none" strike="noStrike" baseline="0" dirty="0">
+                <a:solidFill>
+                  <a:srgbClr val="000000"/>
+                </a:solidFill>
+                <a:latin typeface="+mn-lt"/>
+              </a:rPr>
+              <a:t>Let’s recap what we’ve discussed about references:</a:t>
+            </a:r>
+          </a:p>
+          <a:p>
+            <a:pPr marL="171450" indent="-171450">
               <a:buFont typeface="Arial" panose="020B0604020202020204" pitchFamily="34" charset="0"/>
               <a:buChar char="•"/>
             </a:pPr>
             <a:r>
-              <a:rPr lang="en-US" sz="1800" b="0" i="0" u="none" strike="noStrike" baseline="0" dirty="0">
+              <a:rPr lang="en-US" sz="1100" b="0" i="0" u="none" strike="noStrike" baseline="0" dirty="0">
                 <a:solidFill>
                   <a:srgbClr val="000000"/>
                 </a:solidFill>
-                <a:latin typeface="NewBaskerville"/>
-              </a:rPr>
-              <a:t>Each value in Rust has a variable that’s called its </a:t>
-            </a:r>
-            <a:r>
-              <a:rPr lang="en-US" sz="1800" b="0" i="1" u="none" strike="noStrike" baseline="0" dirty="0">
+                <a:latin typeface="+mn-lt"/>
+              </a:rPr>
+              <a:t>At any given time, you can have </a:t>
+            </a:r>
+            <a:r>
+              <a:rPr lang="en-US" sz="1100" b="0" i="1" u="none" strike="noStrike" baseline="0" dirty="0">
                 <a:solidFill>
                   <a:srgbClr val="000000"/>
                 </a:solidFill>
-                <a:latin typeface="NewBaskerville"/>
-              </a:rPr>
-              <a:t>owner</a:t>
-            </a:r>
-            <a:r>
-              <a:rPr lang="en-US" sz="1800" b="0" i="0" u="none" strike="noStrike" baseline="0" dirty="0">
+                <a:latin typeface="+mn-lt"/>
+              </a:rPr>
+              <a:t>either </a:t>
+            </a:r>
+            <a:r>
+              <a:rPr lang="en-US" sz="1100" b="0" i="0" u="none" strike="noStrike" baseline="0" dirty="0">
                 <a:solidFill>
                   <a:srgbClr val="000000"/>
                 </a:solidFill>
-                <a:latin typeface="NewBaskerville"/>
-              </a:rPr>
-              <a:t>.</a:t>
-            </a:r>
-          </a:p>
-          <a:p>
-            <a:pPr marL="285750" indent="-285750">
+                <a:latin typeface="+mn-lt"/>
+              </a:rPr>
+              <a:t>but not both of the following: one mutable reference </a:t>
+            </a:r>
+            <a:r>
+              <a:rPr lang="en-US" sz="1100" b="0" i="1" u="none" strike="noStrike" baseline="0" dirty="0">
+                <a:solidFill>
+                  <a:srgbClr val="000000"/>
+                </a:solidFill>
+                <a:latin typeface="+mn-lt"/>
+              </a:rPr>
+              <a:t>or </a:t>
+            </a:r>
+            <a:r>
+              <a:rPr lang="en-US" sz="1100" b="0" i="0" u="none" strike="noStrike" baseline="0" dirty="0">
+                <a:solidFill>
+                  <a:srgbClr val="000000"/>
+                </a:solidFill>
+                <a:latin typeface="+mn-lt"/>
+              </a:rPr>
+              <a:t>any number of immutable references.</a:t>
+            </a:r>
+          </a:p>
+          <a:p>
+            <a:pPr marL="171450" indent="-171450">
               <a:buFont typeface="Arial" panose="020B0604020202020204" pitchFamily="34" charset="0"/>
               <a:buChar char="•"/>
             </a:pPr>
             <a:r>
-              <a:rPr lang="en-US" sz="1800" b="0" i="0" u="none" strike="noStrike" baseline="0" dirty="0">
+              <a:rPr lang="en-US" sz="1100" b="0" i="0" u="none" strike="noStrike" baseline="0" dirty="0">
                 <a:solidFill>
                   <a:srgbClr val="000000"/>
                 </a:solidFill>
-                <a:latin typeface="NewBaskerville"/>
-              </a:rPr>
-              <a:t>There can be only one owner at a time.</a:t>
-            </a:r>
-          </a:p>
-          <a:p>
-            <a:pPr marL="285750" indent="-285750">
+                <a:latin typeface="+mn-lt"/>
+              </a:rPr>
+              <a:t>References must always be valid.</a:t>
+            </a:r>
+          </a:p>
+          <a:p>
+            <a:pPr marL="0" indent="0">
               <a:buFont typeface="Arial" panose="020B0604020202020204" pitchFamily="34" charset="0"/>
-              <a:buChar char="•"/>
+              <a:buNone/>
             </a:pPr>
-            <a:r>
-              <a:rPr lang="en-US" sz="1800" b="0" i="0" u="none" strike="noStrike" baseline="0" dirty="0">
-                <a:solidFill>
-                  <a:srgbClr val="000000"/>
-                </a:solidFill>
-                <a:latin typeface="NewBaskerville"/>
-              </a:rPr>
-              <a:t>When the owner goes out of scope, the value will be dropped.</a:t>
-            </a:r>
-          </a:p>
-          <a:p>
-            <a:endParaRPr lang="en-US" dirty="0"/>
+            <a:endParaRPr lang="en-US" sz="1800" b="0" i="0" u="none" strike="noStrike" baseline="0" dirty="0">
+              <a:solidFill>
+                <a:srgbClr val="000000"/>
+              </a:solidFill>
+              <a:latin typeface="NewBaskerville"/>
+            </a:endParaRPr>
           </a:p>
         </p:txBody>
       </p:sp>
@@ -4419,7 +7323,7 @@
           <a:p>
             <a:fld id="{E9861B67-E5B7-4A63-9B8B-0228EA2A6027}" type="slidenum">
               <a:rPr lang="en-US" smtClean="0"/>
-              <a:t>5</a:t>
+              <a:t>4</a:t>
             </a:fld>
             <a:endParaRPr lang="en-US"/>
           </a:p>
@@ -4428,7 +7332,7 @@
     </p:spTree>
     <p:extLst>
       <p:ext uri="{BB962C8B-B14F-4D97-AF65-F5344CB8AC3E}">
-        <p14:creationId xmlns:p14="http://schemas.microsoft.com/office/powerpoint/2010/main" val="1937728391"/>
+        <p14:creationId xmlns:p14="http://schemas.microsoft.com/office/powerpoint/2010/main" val="242636872"/>
       </p:ext>
     </p:extLst>
   </p:cSld>
@@ -4520,13 +7424,111 @@
             </a:r>
           </a:p>
           <a:p>
+            <a:pPr marL="0" marR="0" lvl="0" indent="0" algn="l" defTabSz="914400" rtl="0" eaLnBrk="1" fontAlgn="auto" latinLnBrk="0" hangingPunct="1">
+              <a:lnSpc>
+                <a:spcPct val="100000"/>
+              </a:lnSpc>
+              <a:spcBef>
+                <a:spcPts val="0"/>
+              </a:spcBef>
+              <a:spcAft>
+                <a:spcPts val="0"/>
+              </a:spcAft>
+              <a:buClrTx/>
+              <a:buSzTx/>
+              <a:buFontTx/>
+              <a:buNone/>
+              <a:tabLst/>
+              <a:defRPr/>
+            </a:pPr>
+            <a:r>
+              <a:rPr lang="en-US" sz="1200" dirty="0"/>
+              <a:t>The ownership model only applies to data on the heap.</a:t>
+            </a:r>
+          </a:p>
+          <a:p>
             <a:endParaRPr lang="en-US" dirty="0"/>
           </a:p>
           <a:p>
             <a:r>
-              <a:rPr lang="en-US" dirty="0"/>
+              <a:rPr lang="en-US" u="sng" dirty="0"/>
               <a:t>Ownership rules:</a:t>
             </a:r>
+            <a:endParaRPr lang="en-US" sz="1800" b="0" i="0" u="sng" strike="noStrike" baseline="0" dirty="0">
+              <a:solidFill>
+                <a:srgbClr val="000000"/>
+              </a:solidFill>
+              <a:latin typeface="NewBaskerville"/>
+            </a:endParaRPr>
+          </a:p>
+          <a:p>
+            <a:pPr marL="285750" indent="-285750">
+              <a:buFont typeface="Arial" panose="020B0604020202020204" pitchFamily="34" charset="0"/>
+              <a:buChar char="•"/>
+            </a:pPr>
+            <a:r>
+              <a:rPr lang="en-US" sz="1800" b="0" i="0" u="none" strike="noStrike" baseline="0" dirty="0">
+                <a:solidFill>
+                  <a:srgbClr val="000000"/>
+                </a:solidFill>
+                <a:latin typeface="NewBaskerville"/>
+              </a:rPr>
+              <a:t>Each value in Rust has a variable that’s called its </a:t>
+            </a:r>
+            <a:r>
+              <a:rPr lang="en-US" sz="1800" b="0" i="1" u="none" strike="noStrike" baseline="0" dirty="0">
+                <a:solidFill>
+                  <a:srgbClr val="000000"/>
+                </a:solidFill>
+                <a:latin typeface="NewBaskerville"/>
+              </a:rPr>
+              <a:t>owner</a:t>
+            </a:r>
+            <a:r>
+              <a:rPr lang="en-US" sz="1800" b="0" i="0" u="none" strike="noStrike" baseline="0" dirty="0">
+                <a:solidFill>
+                  <a:srgbClr val="000000"/>
+                </a:solidFill>
+                <a:latin typeface="NewBaskerville"/>
+              </a:rPr>
+              <a:t>.</a:t>
+            </a:r>
+          </a:p>
+          <a:p>
+            <a:pPr marL="285750" indent="-285750">
+              <a:buFont typeface="Arial" panose="020B0604020202020204" pitchFamily="34" charset="0"/>
+              <a:buChar char="•"/>
+            </a:pPr>
+            <a:r>
+              <a:rPr lang="en-US" sz="1800" b="0" i="0" u="none" strike="noStrike" baseline="0" dirty="0">
+                <a:solidFill>
+                  <a:srgbClr val="000000"/>
+                </a:solidFill>
+                <a:latin typeface="NewBaskerville"/>
+              </a:rPr>
+              <a:t>There can be only one owner at a time.</a:t>
+            </a:r>
+          </a:p>
+          <a:p>
+            <a:pPr marL="285750" indent="-285750">
+              <a:buFont typeface="Arial" panose="020B0604020202020204" pitchFamily="34" charset="0"/>
+              <a:buChar char="•"/>
+            </a:pPr>
+            <a:r>
+              <a:rPr lang="en-US" sz="1800" b="0" i="0" u="none" strike="noStrike" baseline="0" dirty="0">
+                <a:solidFill>
+                  <a:srgbClr val="000000"/>
+                </a:solidFill>
+                <a:latin typeface="NewBaskerville"/>
+              </a:rPr>
+              <a:t>When the owner goes out of scope, the value will be dropped.</a:t>
+            </a:r>
+          </a:p>
+          <a:p>
+            <a:pPr marL="285750" indent="-285750">
+              <a:buFont typeface="Arial" panose="020B0604020202020204" pitchFamily="34" charset="0"/>
+              <a:buChar char="•"/>
+            </a:pPr>
             <a:endParaRPr lang="en-US" sz="1800" b="0" i="0" u="none" strike="noStrike" baseline="0" dirty="0">
               <a:solidFill>
                 <a:srgbClr val="000000"/>
@@ -4535,67 +7537,104 @@
             </a:endParaRPr>
           </a:p>
           <a:p>
-            <a:pPr marL="285750" indent="-285750">
+            <a:r>
+              <a:rPr lang="en-US" sz="1100" b="0" i="0" u="sng" strike="noStrike" baseline="0" dirty="0">
+                <a:solidFill>
+                  <a:srgbClr val="000000"/>
+                </a:solidFill>
+                <a:latin typeface="+mn-lt"/>
+              </a:rPr>
+              <a:t>The Rules of References</a:t>
+            </a:r>
+          </a:p>
+          <a:p>
+            <a:r>
+              <a:rPr lang="en-US" sz="1100" b="0" i="0" u="none" strike="noStrike" baseline="0" dirty="0">
+                <a:solidFill>
+                  <a:srgbClr val="000000"/>
+                </a:solidFill>
+                <a:latin typeface="+mn-lt"/>
+              </a:rPr>
+              <a:t>Let’s recap what we’ve discussed about references:</a:t>
+            </a:r>
+          </a:p>
+          <a:p>
+            <a:pPr marL="171450" indent="-171450">
               <a:buFont typeface="Arial" panose="020B0604020202020204" pitchFamily="34" charset="0"/>
               <a:buChar char="•"/>
             </a:pPr>
             <a:r>
-              <a:rPr lang="en-US" sz="1800" b="0" i="0" u="none" strike="noStrike" baseline="0" dirty="0">
+              <a:rPr lang="en-US" sz="1100" b="0" i="0" u="none" strike="noStrike" baseline="0" dirty="0">
                 <a:solidFill>
                   <a:srgbClr val="000000"/>
                 </a:solidFill>
-                <a:latin typeface="NewBaskerville"/>
-              </a:rPr>
-              <a:t>Each value in Rust has a variable that’s called its </a:t>
-            </a:r>
-            <a:r>
-              <a:rPr lang="en-US" sz="1800" b="0" i="1" u="none" strike="noStrike" baseline="0" dirty="0">
+                <a:latin typeface="+mn-lt"/>
+              </a:rPr>
+              <a:t>At any given time, you can have </a:t>
+            </a:r>
+            <a:r>
+              <a:rPr lang="en-US" sz="1100" b="0" i="1" u="none" strike="noStrike" baseline="0" dirty="0">
                 <a:solidFill>
                   <a:srgbClr val="000000"/>
                 </a:solidFill>
-                <a:latin typeface="NewBaskerville"/>
-              </a:rPr>
-              <a:t>owner</a:t>
-            </a:r>
-            <a:r>
-              <a:rPr lang="en-US" sz="1800" b="0" i="0" u="none" strike="noStrike" baseline="0" dirty="0">
+                <a:latin typeface="+mn-lt"/>
+              </a:rPr>
+              <a:t>either </a:t>
+            </a:r>
+            <a:r>
+              <a:rPr lang="en-US" sz="1100" b="0" i="0" u="none" strike="noStrike" baseline="0" dirty="0">
                 <a:solidFill>
                   <a:srgbClr val="000000"/>
                 </a:solidFill>
-                <a:latin typeface="NewBaskerville"/>
-              </a:rPr>
-              <a:t>.</a:t>
-            </a:r>
-          </a:p>
-          <a:p>
-            <a:pPr marL="285750" indent="-285750">
+                <a:latin typeface="+mn-lt"/>
+              </a:rPr>
+              <a:t>but not both of the following: one mutable reference </a:t>
+            </a:r>
+            <a:r>
+              <a:rPr lang="en-US" sz="1100" b="0" i="1" u="none" strike="noStrike" baseline="0" dirty="0">
+                <a:solidFill>
+                  <a:srgbClr val="000000"/>
+                </a:solidFill>
+                <a:latin typeface="+mn-lt"/>
+              </a:rPr>
+              <a:t>or </a:t>
+            </a:r>
+            <a:r>
+              <a:rPr lang="en-US" sz="1100" b="0" i="0" u="none" strike="noStrike" baseline="0" dirty="0">
+                <a:solidFill>
+                  <a:srgbClr val="000000"/>
+                </a:solidFill>
+                <a:latin typeface="+mn-lt"/>
+              </a:rPr>
+              <a:t>any number of immutable references.</a:t>
+            </a:r>
+          </a:p>
+          <a:p>
+            <a:pPr marL="171450" indent="-171450">
               <a:buFont typeface="Arial" panose="020B0604020202020204" pitchFamily="34" charset="0"/>
               <a:buChar char="•"/>
             </a:pPr>
             <a:r>
-              <a:rPr lang="en-US" sz="1800" b="0" i="0" u="none" strike="noStrike" baseline="0" dirty="0">
+              <a:rPr lang="en-US" sz="1100" b="0" i="0" u="none" strike="noStrike" baseline="0" dirty="0">
                 <a:solidFill>
                   <a:srgbClr val="000000"/>
                 </a:solidFill>
-                <a:latin typeface="NewBaskerville"/>
-              </a:rPr>
-              <a:t>There can be only one owner at a time.</a:t>
-            </a:r>
-          </a:p>
-          <a:p>
-            <a:pPr marL="285750" indent="-285750">
+                <a:latin typeface="+mn-lt"/>
+              </a:rPr>
+              <a:t>References must always be valid.</a:t>
+            </a:r>
+          </a:p>
+          <a:p>
+            <a:pPr marL="0" indent="0">
               <a:buFont typeface="Arial" panose="020B0604020202020204" pitchFamily="34" charset="0"/>
-              <a:buChar char="•"/>
+              <a:buNone/>
             </a:pPr>
-            <a:r>
-              <a:rPr lang="en-US" sz="1800" b="0" i="0" u="none" strike="noStrike" baseline="0" dirty="0">
-                <a:solidFill>
-                  <a:srgbClr val="000000"/>
-                </a:solidFill>
-                <a:latin typeface="NewBaskerville"/>
-              </a:rPr>
-              <a:t>When the owner goes out of scope, the value will be dropped.</a:t>
-            </a:r>
+            <a:endParaRPr lang="en-US" sz="1800" b="0" i="0" u="none" strike="noStrike" baseline="0" dirty="0">
+              <a:solidFill>
+                <a:srgbClr val="000000"/>
+              </a:solidFill>
+              <a:latin typeface="NewBaskerville"/>
+            </a:endParaRPr>
           </a:p>
           <a:p>
             <a:endParaRPr lang="en-US" dirty="0"/>
@@ -4619,7 +7658,7 @@
           <a:p>
             <a:fld id="{E9861B67-E5B7-4A63-9B8B-0228EA2A6027}" type="slidenum">
               <a:rPr lang="en-US" smtClean="0"/>
-              <a:t>6</a:t>
+              <a:t>5</a:t>
             </a:fld>
             <a:endParaRPr lang="en-US"/>
           </a:p>
@@ -4628,7 +7667,7 @@
     </p:spTree>
     <p:extLst>
       <p:ext uri="{BB962C8B-B14F-4D97-AF65-F5344CB8AC3E}">
-        <p14:creationId xmlns:p14="http://schemas.microsoft.com/office/powerpoint/2010/main" val="2635289817"/>
+        <p14:creationId xmlns:p14="http://schemas.microsoft.com/office/powerpoint/2010/main" val="1937728391"/>
       </p:ext>
     </p:extLst>
   </p:cSld>
@@ -4720,13 +7759,111 @@
             </a:r>
           </a:p>
           <a:p>
+            <a:pPr marL="0" marR="0" lvl="0" indent="0" algn="l" defTabSz="914400" rtl="0" eaLnBrk="1" fontAlgn="auto" latinLnBrk="0" hangingPunct="1">
+              <a:lnSpc>
+                <a:spcPct val="100000"/>
+              </a:lnSpc>
+              <a:spcBef>
+                <a:spcPts val="0"/>
+              </a:spcBef>
+              <a:spcAft>
+                <a:spcPts val="0"/>
+              </a:spcAft>
+              <a:buClrTx/>
+              <a:buSzTx/>
+              <a:buFontTx/>
+              <a:buNone/>
+              <a:tabLst/>
+              <a:defRPr/>
+            </a:pPr>
+            <a:r>
+              <a:rPr lang="en-US" sz="1200" dirty="0"/>
+              <a:t>The ownership model only applies to data on the heap.</a:t>
+            </a:r>
+          </a:p>
+          <a:p>
             <a:endParaRPr lang="en-US" dirty="0"/>
           </a:p>
           <a:p>
             <a:r>
-              <a:rPr lang="en-US" dirty="0"/>
+              <a:rPr lang="en-US" u="sng" dirty="0"/>
               <a:t>Ownership rules:</a:t>
             </a:r>
+            <a:endParaRPr lang="en-US" sz="1800" b="0" i="0" u="sng" strike="noStrike" baseline="0" dirty="0">
+              <a:solidFill>
+                <a:srgbClr val="000000"/>
+              </a:solidFill>
+              <a:latin typeface="NewBaskerville"/>
+            </a:endParaRPr>
+          </a:p>
+          <a:p>
+            <a:pPr marL="285750" indent="-285750">
+              <a:buFont typeface="Arial" panose="020B0604020202020204" pitchFamily="34" charset="0"/>
+              <a:buChar char="•"/>
+            </a:pPr>
+            <a:r>
+              <a:rPr lang="en-US" sz="1800" b="0" i="0" u="none" strike="noStrike" baseline="0" dirty="0">
+                <a:solidFill>
+                  <a:srgbClr val="000000"/>
+                </a:solidFill>
+                <a:latin typeface="NewBaskerville"/>
+              </a:rPr>
+              <a:t>Each value in Rust has a variable that’s called its </a:t>
+            </a:r>
+            <a:r>
+              <a:rPr lang="en-US" sz="1800" b="0" i="1" u="none" strike="noStrike" baseline="0" dirty="0">
+                <a:solidFill>
+                  <a:srgbClr val="000000"/>
+                </a:solidFill>
+                <a:latin typeface="NewBaskerville"/>
+              </a:rPr>
+              <a:t>owner</a:t>
+            </a:r>
+            <a:r>
+              <a:rPr lang="en-US" sz="1800" b="0" i="0" u="none" strike="noStrike" baseline="0" dirty="0">
+                <a:solidFill>
+                  <a:srgbClr val="000000"/>
+                </a:solidFill>
+                <a:latin typeface="NewBaskerville"/>
+              </a:rPr>
+              <a:t>.</a:t>
+            </a:r>
+          </a:p>
+          <a:p>
+            <a:pPr marL="285750" indent="-285750">
+              <a:buFont typeface="Arial" panose="020B0604020202020204" pitchFamily="34" charset="0"/>
+              <a:buChar char="•"/>
+            </a:pPr>
+            <a:r>
+              <a:rPr lang="en-US" sz="1800" b="0" i="0" u="none" strike="noStrike" baseline="0" dirty="0">
+                <a:solidFill>
+                  <a:srgbClr val="000000"/>
+                </a:solidFill>
+                <a:latin typeface="NewBaskerville"/>
+              </a:rPr>
+              <a:t>There can be only one owner at a time.</a:t>
+            </a:r>
+          </a:p>
+          <a:p>
+            <a:pPr marL="285750" indent="-285750">
+              <a:buFont typeface="Arial" panose="020B0604020202020204" pitchFamily="34" charset="0"/>
+              <a:buChar char="•"/>
+            </a:pPr>
+            <a:r>
+              <a:rPr lang="en-US" sz="1800" b="0" i="0" u="none" strike="noStrike" baseline="0" dirty="0">
+                <a:solidFill>
+                  <a:srgbClr val="000000"/>
+                </a:solidFill>
+                <a:latin typeface="NewBaskerville"/>
+              </a:rPr>
+              <a:t>When the owner goes out of scope, the value will be dropped.</a:t>
+            </a:r>
+          </a:p>
+          <a:p>
+            <a:pPr marL="285750" indent="-285750">
+              <a:buFont typeface="Arial" panose="020B0604020202020204" pitchFamily="34" charset="0"/>
+              <a:buChar char="•"/>
+            </a:pPr>
             <a:endParaRPr lang="en-US" sz="1800" b="0" i="0" u="none" strike="noStrike" baseline="0" dirty="0">
               <a:solidFill>
                 <a:srgbClr val="000000"/>
@@ -4735,70 +7872,104 @@
             </a:endParaRPr>
           </a:p>
           <a:p>
-            <a:pPr marL="285750" indent="-285750">
+            <a:r>
+              <a:rPr lang="en-US" sz="1100" b="0" i="0" u="sng" strike="noStrike" baseline="0" dirty="0">
+                <a:solidFill>
+                  <a:srgbClr val="000000"/>
+                </a:solidFill>
+                <a:latin typeface="+mn-lt"/>
+              </a:rPr>
+              <a:t>The Rules of References</a:t>
+            </a:r>
+          </a:p>
+          <a:p>
+            <a:r>
+              <a:rPr lang="en-US" sz="1100" b="0" i="0" u="none" strike="noStrike" baseline="0" dirty="0">
+                <a:solidFill>
+                  <a:srgbClr val="000000"/>
+                </a:solidFill>
+                <a:latin typeface="+mn-lt"/>
+              </a:rPr>
+              <a:t>Let’s recap what we’ve discussed about references:</a:t>
+            </a:r>
+          </a:p>
+          <a:p>
+            <a:pPr marL="171450" indent="-171450">
               <a:buFont typeface="Arial" panose="020B0604020202020204" pitchFamily="34" charset="0"/>
               <a:buChar char="•"/>
             </a:pPr>
             <a:r>
-              <a:rPr lang="en-US" sz="1800" b="0" i="0" u="none" strike="noStrike" baseline="0" dirty="0">
+              <a:rPr lang="en-US" sz="1100" b="0" i="0" u="none" strike="noStrike" baseline="0" dirty="0">
                 <a:solidFill>
                   <a:srgbClr val="000000"/>
                 </a:solidFill>
-                <a:latin typeface="NewBaskerville"/>
-              </a:rPr>
-              <a:t>Each value in Rust has a variable that’s called its </a:t>
-            </a:r>
-            <a:r>
-              <a:rPr lang="en-US" sz="1800" b="0" i="1" u="none" strike="noStrike" baseline="0" dirty="0">
+                <a:latin typeface="+mn-lt"/>
+              </a:rPr>
+              <a:t>At any given time, you can have </a:t>
+            </a:r>
+            <a:r>
+              <a:rPr lang="en-US" sz="1100" b="0" i="1" u="none" strike="noStrike" baseline="0" dirty="0">
                 <a:solidFill>
                   <a:srgbClr val="000000"/>
                 </a:solidFill>
-                <a:latin typeface="NewBaskerville"/>
-              </a:rPr>
-              <a:t>owner</a:t>
-            </a:r>
-            <a:r>
-              <a:rPr lang="en-US" sz="1800" b="0" i="0" u="none" strike="noStrike" baseline="0" dirty="0">
+                <a:latin typeface="+mn-lt"/>
+              </a:rPr>
+              <a:t>either </a:t>
+            </a:r>
+            <a:r>
+              <a:rPr lang="en-US" sz="1100" b="0" i="0" u="none" strike="noStrike" baseline="0" dirty="0">
                 <a:solidFill>
                   <a:srgbClr val="000000"/>
                 </a:solidFill>
-                <a:latin typeface="NewBaskerville"/>
-              </a:rPr>
-              <a:t>.</a:t>
-            </a:r>
-          </a:p>
-          <a:p>
-            <a:pPr marL="285750" indent="-285750">
+                <a:latin typeface="+mn-lt"/>
+              </a:rPr>
+              <a:t>but not both of the following: one mutable reference </a:t>
+            </a:r>
+            <a:r>
+              <a:rPr lang="en-US" sz="1100" b="0" i="1" u="none" strike="noStrike" baseline="0" dirty="0">
+                <a:solidFill>
+                  <a:srgbClr val="000000"/>
+                </a:solidFill>
+                <a:latin typeface="+mn-lt"/>
+              </a:rPr>
+              <a:t>or </a:t>
+            </a:r>
+            <a:r>
+              <a:rPr lang="en-US" sz="1100" b="0" i="0" u="none" strike="noStrike" baseline="0" dirty="0">
+                <a:solidFill>
+                  <a:srgbClr val="000000"/>
+                </a:solidFill>
+                <a:latin typeface="+mn-lt"/>
+              </a:rPr>
+              <a:t>any number of immutable references.</a:t>
+            </a:r>
+          </a:p>
+          <a:p>
+            <a:pPr marL="171450" indent="-171450">
               <a:buFont typeface="Arial" panose="020B0604020202020204" pitchFamily="34" charset="0"/>
               <a:buChar char="•"/>
             </a:pPr>
             <a:r>
-              <a:rPr lang="en-US" sz="1800" b="0" i="0" u="none" strike="noStrike" baseline="0" dirty="0">
+              <a:rPr lang="en-US" sz="1100" b="0" i="0" u="none" strike="noStrike" baseline="0" dirty="0">
                 <a:solidFill>
                   <a:srgbClr val="000000"/>
                 </a:solidFill>
-                <a:latin typeface="NewBaskerville"/>
-              </a:rPr>
-              <a:t>There can be only one owner at a time.</a:t>
-            </a:r>
-          </a:p>
-          <a:p>
-            <a:pPr marL="285750" indent="-285750">
+                <a:latin typeface="+mn-lt"/>
+              </a:rPr>
+              <a:t>References must always be valid.</a:t>
+            </a:r>
+          </a:p>
+          <a:p>
+            <a:pPr marL="0" indent="0">
               <a:buFont typeface="Arial" panose="020B0604020202020204" pitchFamily="34" charset="0"/>
-              <a:buChar char="•"/>
+              <a:buNone/>
             </a:pPr>
-            <a:r>
-              <a:rPr lang="en-US" sz="1800" b="0" i="0" u="none" strike="noStrike" baseline="0" dirty="0">
-                <a:solidFill>
-                  <a:srgbClr val="000000"/>
-                </a:solidFill>
-                <a:latin typeface="NewBaskerville"/>
-              </a:rPr>
-              <a:t>When the owner goes out of scope, the value will be dropped.</a:t>
-            </a:r>
-          </a:p>
-          <a:p>
-            <a:endParaRPr lang="en-US" dirty="0"/>
+            <a:endParaRPr lang="en-US" sz="1800" b="0" i="0" u="none" strike="noStrike" baseline="0" dirty="0">
+              <a:solidFill>
+                <a:srgbClr val="000000"/>
+              </a:solidFill>
+              <a:latin typeface="NewBaskerville"/>
+            </a:endParaRPr>
           </a:p>
         </p:txBody>
       </p:sp>
@@ -4819,7 +7990,7 @@
           <a:p>
             <a:fld id="{E9861B67-E5B7-4A63-9B8B-0228EA2A6027}" type="slidenum">
               <a:rPr lang="en-US" smtClean="0"/>
-              <a:t>7</a:t>
+              <a:t>6</a:t>
             </a:fld>
             <a:endParaRPr lang="en-US"/>
           </a:p>
@@ -4828,7 +7999,7 @@
     </p:spTree>
     <p:extLst>
       <p:ext uri="{BB962C8B-B14F-4D97-AF65-F5344CB8AC3E}">
-        <p14:creationId xmlns:p14="http://schemas.microsoft.com/office/powerpoint/2010/main" val="2649170546"/>
+        <p14:creationId xmlns:p14="http://schemas.microsoft.com/office/powerpoint/2010/main" val="2635289817"/>
       </p:ext>
     </p:extLst>
   </p:cSld>
@@ -4882,131 +8053,255 @@
           <a:bodyPr/>
           <a:lstStyle/>
           <a:p>
+            <a:r>
+              <a:rPr lang="en-US" dirty="0"/>
+              <a:t>Ferris the mascot (Crab)</a:t>
+            </a:r>
+          </a:p>
+          <a:p>
+            <a:r>
+              <a:rPr lang="en-US" dirty="0"/>
+              <a:t>The rusty gear is the Rust logo.</a:t>
+            </a:r>
+          </a:p>
+          <a:p>
+            <a:endParaRPr lang="en-US" dirty="0"/>
+          </a:p>
+          <a:p>
+            <a:pPr marL="0" marR="0" lvl="0" indent="0" algn="l" defTabSz="914400" rtl="0" eaLnBrk="1" fontAlgn="auto" latinLnBrk="0" hangingPunct="1">
+              <a:lnSpc>
+                <a:spcPct val="100000"/>
+              </a:lnSpc>
+              <a:spcBef>
+                <a:spcPts val="0"/>
+              </a:spcBef>
+              <a:spcAft>
+                <a:spcPts val="0"/>
+              </a:spcAft>
+              <a:buClrTx/>
+              <a:buSzTx/>
+              <a:buFontTx/>
+              <a:buNone/>
+              <a:tabLst/>
+              <a:defRPr/>
+            </a:pPr>
+            <a:r>
+              <a:rPr lang="en-US" sz="1200" dirty="0"/>
+              <a:t>Ownership is Rust’s most unique feature, and it enables Rust to make memory safety guarantees without garbage collection.</a:t>
+            </a:r>
+          </a:p>
+          <a:p>
+            <a:pPr marL="0" marR="0" lvl="0" indent="0" algn="l" defTabSz="914400" rtl="0" eaLnBrk="1" fontAlgn="auto" latinLnBrk="0" hangingPunct="1">
+              <a:lnSpc>
+                <a:spcPct val="100000"/>
+              </a:lnSpc>
+              <a:spcBef>
+                <a:spcPts val="0"/>
+              </a:spcBef>
+              <a:spcAft>
+                <a:spcPts val="0"/>
+              </a:spcAft>
+              <a:buClrTx/>
+              <a:buSzTx/>
+              <a:buFontTx/>
+              <a:buNone/>
+              <a:tabLst/>
+              <a:defRPr/>
+            </a:pPr>
+            <a:r>
+              <a:rPr lang="en-US" sz="1200" dirty="0"/>
+              <a:t>The ownership model only applies to data on the heap.</a:t>
+            </a:r>
+          </a:p>
+          <a:p>
+            <a:endParaRPr lang="en-US" dirty="0"/>
+          </a:p>
+          <a:p>
+            <a:r>
+              <a:rPr lang="en-US" u="sng" dirty="0"/>
+              <a:t>Ownership rules:</a:t>
+            </a:r>
+            <a:endParaRPr lang="en-US" sz="1800" b="0" i="0" u="sng" strike="noStrike" baseline="0" dirty="0">
+              <a:solidFill>
+                <a:srgbClr val="000000"/>
+              </a:solidFill>
+              <a:latin typeface="NewBaskerville"/>
+            </a:endParaRPr>
+          </a:p>
+          <a:p>
+            <a:pPr marL="285750" indent="-285750">
+              <a:buFont typeface="Arial" panose="020B0604020202020204" pitchFamily="34" charset="0"/>
+              <a:buChar char="•"/>
+            </a:pPr>
+            <a:r>
+              <a:rPr lang="en-US" sz="1800" b="0" i="0" u="none" strike="noStrike" baseline="0" dirty="0">
+                <a:solidFill>
+                  <a:srgbClr val="000000"/>
+                </a:solidFill>
+                <a:latin typeface="NewBaskerville"/>
+              </a:rPr>
+              <a:t>Each value in Rust has a variable that’s called its </a:t>
+            </a:r>
+            <a:r>
+              <a:rPr lang="en-US" sz="1800" b="0" i="1" u="none" strike="noStrike" baseline="0" dirty="0">
+                <a:solidFill>
+                  <a:srgbClr val="000000"/>
+                </a:solidFill>
+                <a:latin typeface="NewBaskerville"/>
+              </a:rPr>
+              <a:t>owner</a:t>
+            </a:r>
+            <a:r>
+              <a:rPr lang="en-US" sz="1800" b="0" i="0" u="none" strike="noStrike" baseline="0" dirty="0">
+                <a:solidFill>
+                  <a:srgbClr val="000000"/>
+                </a:solidFill>
+                <a:latin typeface="NewBaskerville"/>
+              </a:rPr>
+              <a:t>.</a:t>
+            </a:r>
+          </a:p>
+          <a:p>
+            <a:pPr marL="285750" indent="-285750">
+              <a:buFont typeface="Arial" panose="020B0604020202020204" pitchFamily="34" charset="0"/>
+              <a:buChar char="•"/>
+            </a:pPr>
+            <a:r>
+              <a:rPr lang="en-US" sz="1800" b="0" i="0" u="none" strike="noStrike" baseline="0" dirty="0">
+                <a:solidFill>
+                  <a:srgbClr val="000000"/>
+                </a:solidFill>
+                <a:latin typeface="NewBaskerville"/>
+              </a:rPr>
+              <a:t>There can be only one owner at a time.</a:t>
+            </a:r>
+          </a:p>
+          <a:p>
+            <a:pPr marL="285750" indent="-285750">
+              <a:buFont typeface="Arial" panose="020B0604020202020204" pitchFamily="34" charset="0"/>
+              <a:buChar char="•"/>
+            </a:pPr>
+            <a:r>
+              <a:rPr lang="en-US" sz="1800" b="0" i="0" u="none" strike="noStrike" baseline="0" dirty="0">
+                <a:solidFill>
+                  <a:srgbClr val="000000"/>
+                </a:solidFill>
+                <a:latin typeface="NewBaskerville"/>
+              </a:rPr>
+              <a:t>When the owner goes out of scope, the value will be dropped.</a:t>
+            </a:r>
+          </a:p>
+          <a:p>
+            <a:pPr marL="285750" indent="-285750">
+              <a:buFont typeface="Arial" panose="020B0604020202020204" pitchFamily="34" charset="0"/>
+              <a:buChar char="•"/>
+            </a:pPr>
+            <a:endParaRPr lang="en-US" sz="1800" b="0" i="0" u="none" strike="noStrike" baseline="0" dirty="0">
+              <a:solidFill>
+                <a:srgbClr val="000000"/>
+              </a:solidFill>
+              <a:latin typeface="NewBaskerville"/>
+            </a:endParaRPr>
+          </a:p>
+          <a:p>
+            <a:r>
+              <a:rPr lang="en-US" sz="1100" b="0" i="0" u="sng" strike="noStrike" baseline="0" dirty="0">
+                <a:solidFill>
+                  <a:srgbClr val="000000"/>
+                </a:solidFill>
+                <a:latin typeface="+mn-lt"/>
+              </a:rPr>
+              <a:t>The Rules of References</a:t>
+            </a:r>
+          </a:p>
+          <a:p>
+            <a:r>
+              <a:rPr lang="en-US" sz="1100" b="0" i="0" u="none" strike="noStrike" baseline="0" dirty="0">
+                <a:solidFill>
+                  <a:srgbClr val="000000"/>
+                </a:solidFill>
+                <a:latin typeface="+mn-lt"/>
+              </a:rPr>
+              <a:t>Let’s recap what we’ve discussed about references:</a:t>
+            </a:r>
+          </a:p>
+          <a:p>
+            <a:pPr marL="171450" indent="-171450">
+              <a:buFont typeface="Arial" panose="020B0604020202020204" pitchFamily="34" charset="0"/>
+              <a:buChar char="•"/>
+            </a:pPr>
+            <a:r>
+              <a:rPr lang="en-US" sz="1100" b="0" i="0" u="none" strike="noStrike" baseline="0" dirty="0">
+                <a:solidFill>
+                  <a:srgbClr val="000000"/>
+                </a:solidFill>
+                <a:latin typeface="+mn-lt"/>
+              </a:rPr>
+              <a:t>At any given time, you can have </a:t>
+            </a:r>
+            <a:r>
+              <a:rPr lang="en-US" sz="1100" b="0" i="1" u="none" strike="noStrike" baseline="0" dirty="0">
+                <a:solidFill>
+                  <a:srgbClr val="000000"/>
+                </a:solidFill>
+                <a:latin typeface="+mn-lt"/>
+              </a:rPr>
+              <a:t>either </a:t>
+            </a:r>
+            <a:r>
+              <a:rPr lang="en-US" sz="1100" b="0" i="0" u="none" strike="noStrike" baseline="0" dirty="0">
+                <a:solidFill>
+                  <a:srgbClr val="000000"/>
+                </a:solidFill>
+                <a:latin typeface="+mn-lt"/>
+              </a:rPr>
+              <a:t>but not both of the following: one mutable reference </a:t>
+            </a:r>
+            <a:r>
+              <a:rPr lang="en-US" sz="1100" b="0" i="1" u="none" strike="noStrike" baseline="0" dirty="0">
+                <a:solidFill>
+                  <a:srgbClr val="000000"/>
+                </a:solidFill>
+                <a:latin typeface="+mn-lt"/>
+              </a:rPr>
+              <a:t>or </a:t>
+            </a:r>
+            <a:r>
+              <a:rPr lang="en-US" sz="1100" b="0" i="0" u="none" strike="noStrike" baseline="0" dirty="0">
+                <a:solidFill>
+                  <a:srgbClr val="000000"/>
+                </a:solidFill>
+                <a:latin typeface="+mn-lt"/>
+              </a:rPr>
+              <a:t>any number of immutable references.</a:t>
+            </a:r>
+          </a:p>
+          <a:p>
+            <a:pPr marL="171450" indent="-171450">
+              <a:buFont typeface="Arial" panose="020B0604020202020204" pitchFamily="34" charset="0"/>
+              <a:buChar char="•"/>
+            </a:pPr>
+            <a:r>
+              <a:rPr lang="en-US" sz="1100" b="0" i="0" u="none" strike="noStrike" baseline="0">
+                <a:solidFill>
+                  <a:srgbClr val="000000"/>
+                </a:solidFill>
+                <a:latin typeface="+mn-lt"/>
+              </a:rPr>
+              <a:t>References must always be valid.</a:t>
+            </a:r>
+          </a:p>
+          <a:p>
             <a:pPr marL="0" indent="0">
+              <a:buFont typeface="Arial" panose="020B0604020202020204" pitchFamily="34" charset="0"/>
               <a:buNone/>
             </a:pPr>
-            <a:r>
-              <a:rPr lang="en-US" sz="1200" dirty="0"/>
-              <a:t>Having memory safety bugs, when software accidentally or intentionally accesses system memory allows for malicious hackers to gain system and data. </a:t>
-            </a:r>
-          </a:p>
-          <a:p>
-            <a:pPr marL="171450" indent="-171450">
-              <a:buFontTx/>
-              <a:buChar char="-"/>
-            </a:pPr>
-            <a:r>
-              <a:rPr lang="en-US" dirty="0"/>
-              <a:t>The </a:t>
-            </a:r>
-            <a:r>
-              <a:rPr lang="en-US" dirty="0">
-                <a:hlinkClick r:id="rId3"/>
-              </a:rPr>
-              <a:t>Slammer worm</a:t>
-            </a:r>
-            <a:r>
-              <a:rPr lang="en-US" dirty="0"/>
-              <a:t> from 2003 was a buffer overflow (out-of-bounds write). </a:t>
-            </a:r>
-          </a:p>
-          <a:p>
-            <a:pPr marL="171450" indent="-171450">
-              <a:buFontTx/>
-              <a:buChar char="-"/>
-            </a:pPr>
-            <a:r>
-              <a:rPr lang="en-US" dirty="0"/>
-              <a:t>So was </a:t>
-            </a:r>
-            <a:r>
-              <a:rPr lang="en-US" dirty="0">
-                <a:hlinkClick r:id="rId4"/>
-              </a:rPr>
-              <a:t>WannaCry</a:t>
-            </a:r>
-            <a:r>
-              <a:rPr lang="en-US" dirty="0"/>
-              <a:t> (out-of-bounds write). </a:t>
-            </a:r>
-          </a:p>
-          <a:p>
-            <a:pPr marL="171450" indent="-171450">
-              <a:buFontTx/>
-              <a:buChar char="-"/>
-            </a:pPr>
-            <a:r>
-              <a:rPr lang="en-US" dirty="0" err="1">
-                <a:hlinkClick r:id="rId5"/>
-              </a:rPr>
-              <a:t>HeartBleed</a:t>
-            </a:r>
-            <a:r>
-              <a:rPr lang="en-US" dirty="0"/>
-              <a:t> was a memory safety problem (out-of-bounds read). </a:t>
-            </a:r>
-          </a:p>
-          <a:p>
-            <a:pPr marL="171450" indent="-171450">
-              <a:buFontTx/>
-              <a:buChar char="-"/>
-            </a:pPr>
-            <a:r>
-              <a:rPr lang="en-US" dirty="0" err="1">
-                <a:hlinkClick r:id="rId6"/>
-              </a:rPr>
-              <a:t>Stagefright</a:t>
-            </a:r>
-            <a:r>
-              <a:rPr lang="en-US" dirty="0"/>
-              <a:t> on Android too (out-of-bounds writes). </a:t>
-            </a:r>
-          </a:p>
-          <a:p>
-            <a:pPr marL="171450" indent="-171450">
-              <a:buFontTx/>
-              <a:buChar char="-"/>
-            </a:pPr>
-            <a:r>
-              <a:rPr lang="en-US" dirty="0"/>
-              <a:t>The </a:t>
-            </a:r>
-            <a:r>
-              <a:rPr lang="en-US" dirty="0">
-                <a:hlinkClick r:id="rId7"/>
-              </a:rPr>
-              <a:t>Ghost</a:t>
-            </a:r>
-            <a:r>
-              <a:rPr lang="en-US" dirty="0"/>
-              <a:t> vulnerability in </a:t>
-            </a:r>
-            <a:r>
-              <a:rPr lang="en-US" dirty="0" err="1"/>
-              <a:t>glibc</a:t>
-            </a:r>
-            <a:r>
-              <a:rPr lang="en-US" dirty="0"/>
-              <a:t>? You </a:t>
-            </a:r>
-            <a:r>
-              <a:rPr lang="en-US" dirty="0" err="1"/>
-              <a:t>betcha</a:t>
-            </a:r>
-            <a:r>
-              <a:rPr lang="en-US" dirty="0"/>
-              <a:t> (out-of-bounds write).</a:t>
-            </a:r>
-            <a:endParaRPr lang="en-US" sz="1200" dirty="0"/>
-          </a:p>
-          <a:p>
-            <a:pPr marL="0" indent="0">
-              <a:buNone/>
-            </a:pPr>
-            <a:endParaRPr lang="en-US" sz="1200" dirty="0"/>
-          </a:p>
-          <a:p>
-            <a:endParaRPr lang="en-US" dirty="0"/>
+            <a:endParaRPr lang="en-US" sz="1800" b="0" i="0" u="none" strike="noStrike" baseline="0" dirty="0">
+              <a:solidFill>
+                <a:srgbClr val="000000"/>
+              </a:solidFill>
+              <a:latin typeface="NewBaskerville"/>
+            </a:endParaRPr>
           </a:p>
         </p:txBody>
       </p:sp>
@@ -5027,7 +8322,7 @@
           <a:p>
             <a:fld id="{E9861B67-E5B7-4A63-9B8B-0228EA2A6027}" type="slidenum">
               <a:rPr lang="en-US" smtClean="0"/>
-              <a:t>8</a:t>
+              <a:t>7</a:t>
             </a:fld>
             <a:endParaRPr lang="en-US"/>
           </a:p>
@@ -5036,7 +8331,7 @@
     </p:spTree>
     <p:extLst>
       <p:ext uri="{BB962C8B-B14F-4D97-AF65-F5344CB8AC3E}">
-        <p14:creationId xmlns:p14="http://schemas.microsoft.com/office/powerpoint/2010/main" val="1775976361"/>
+        <p14:creationId xmlns:p14="http://schemas.microsoft.com/office/powerpoint/2010/main" val="2649170546"/>
       </p:ext>
     </p:extLst>
   </p:cSld>
@@ -5090,52 +8385,128 @@
           <a:bodyPr/>
           <a:lstStyle/>
           <a:p>
+            <a:pPr marL="0" indent="0">
+              <a:buNone/>
+            </a:pPr>
+            <a:r>
+              <a:rPr lang="en-US" sz="1200" dirty="0"/>
+              <a:t>Having memory safety bugs, when software accidentally or intentionally accesses system memory allows for malicious hackers to gain system and data. </a:t>
+            </a:r>
+          </a:p>
+          <a:p>
+            <a:pPr marL="171450" indent="-171450">
+              <a:buFontTx/>
+              <a:buChar char="-"/>
+            </a:pPr>
             <a:r>
               <a:rPr lang="en-US" dirty="0"/>
-              <a:t>Both languages have operators for arithmetic, logical, and bitwise operations.</a:t>
-            </a:r>
-          </a:p>
-          <a:p>
+              <a:t>The </a:t>
+            </a:r>
+            <a:r>
+              <a:rPr lang="en-US" dirty="0">
+                <a:hlinkClick r:id="rId3"/>
+              </a:rPr>
+              <a:t>Slammer worm</a:t>
+            </a:r>
             <a:r>
               <a:rPr lang="en-US" dirty="0"/>
-              <a:t>Both languages support control flow statements such as if/else, loops, and switches.</a:t>
-            </a:r>
-          </a:p>
-          <a:p>
-            <a:endParaRPr lang="en-US" dirty="0"/>
-          </a:p>
-          <a:p>
+              <a:t> from 2003 was a buffer overflow (out-of-bounds write). </a:t>
+            </a:r>
+          </a:p>
+          <a:p>
+            <a:pPr marL="171450" indent="-171450">
+              <a:buFontTx/>
+              <a:buChar char="-"/>
+            </a:pPr>
             <a:r>
               <a:rPr lang="en-US" dirty="0"/>
-              <a:t>- Simpler Syntax: Rust's syntax is designed to be simple and easy to read and write. For example, Rust uses the = sign for variable assignment instead of the C++ = and == signs for assignment and comparison, respectively. This makes Rust code more concise and easier to understand.</a:t>
-            </a:r>
-          </a:p>
-          <a:p>
+              <a:t>So was </a:t>
+            </a:r>
+            <a:r>
+              <a:rPr lang="en-US" dirty="0">
+                <a:hlinkClick r:id="rId4"/>
+              </a:rPr>
+              <a:t>WannaCry</a:t>
+            </a:r>
             <a:r>
               <a:rPr lang="en-US" dirty="0"/>
-              <a:t>- Type Inference: Rust has a powerful type inference system that allows the compiler to infer the types of variables and expressions in many cases. This reduces the need for explicit type annotations, which can make code more verbose in C++.</a:t>
-            </a:r>
-          </a:p>
-          <a:p>
+              <a:t> (out-of-bounds write). </a:t>
+            </a:r>
+          </a:p>
+          <a:p>
+            <a:pPr marL="171450" indent="-171450">
+              <a:buFontTx/>
+              <a:buChar char="-"/>
+            </a:pPr>
+            <a:r>
+              <a:rPr lang="en-US" dirty="0" err="1">
+                <a:hlinkClick r:id="rId5"/>
+              </a:rPr>
+              <a:t>HeartBleed</a:t>
+            </a:r>
             <a:r>
               <a:rPr lang="en-US" dirty="0"/>
-              <a:t>- Pattern Matching: Rust has powerful pattern matching capabilities that make it easier to write concise and readable code. For example, Rust's match expression can be used to handle complex pattern matching scenarios, such as matching on multiple conditions at once.</a:t>
-            </a:r>
-          </a:p>
-          <a:p>
+              <a:t> was a memory safety problem (out-of-bounds read). </a:t>
+            </a:r>
+          </a:p>
+          <a:p>
+            <a:pPr marL="171450" indent="-171450">
+              <a:buFontTx/>
+              <a:buChar char="-"/>
+            </a:pPr>
+            <a:r>
+              <a:rPr lang="en-US" dirty="0" err="1">
+                <a:hlinkClick r:id="rId6"/>
+              </a:rPr>
+              <a:t>Stagefright</a:t>
+            </a:r>
             <a:r>
               <a:rPr lang="en-US" dirty="0"/>
-              <a:t>- Macros: Rust has a powerful macro system that allows developers to write code that generates other code at compile-time. This can be used to reduce boilerplate code and make code more modular and reusable.</a:t>
-            </a:r>
-          </a:p>
-          <a:p>
+              <a:t> on Android too (out-of-bounds writes). </a:t>
+            </a:r>
+          </a:p>
+          <a:p>
+            <a:pPr marL="171450" indent="-171450">
+              <a:buFontTx/>
+              <a:buChar char="-"/>
+            </a:pPr>
             <a:r>
               <a:rPr lang="en-US" dirty="0"/>
-              <a:t>- Functional Programming Features: Rust includes several features from functional programming languages, such as higher-order functions and closures. These features make it easier to write code that is more concise and expressive.</a:t>
-            </a:r>
-          </a:p>
-          <a:p>
-            <a:endParaRPr lang="en-US" dirty="0"/>
+              <a:t>The </a:t>
+            </a:r>
+            <a:r>
+              <a:rPr lang="en-US" dirty="0">
+                <a:hlinkClick r:id="rId7"/>
+              </a:rPr>
+              <a:t>Ghost</a:t>
+            </a:r>
+            <a:r>
+              <a:rPr lang="en-US" dirty="0"/>
+              <a:t> vulnerability in </a:t>
+            </a:r>
+            <a:r>
+              <a:rPr lang="en-US" dirty="0" err="1"/>
+              <a:t>glibc</a:t>
+            </a:r>
+            <a:r>
+              <a:rPr lang="en-US" dirty="0"/>
+              <a:t>? You </a:t>
+            </a:r>
+            <a:r>
+              <a:rPr lang="en-US" dirty="0" err="1"/>
+              <a:t>betcha</a:t>
+            </a:r>
+            <a:r>
+              <a:rPr lang="en-US" dirty="0"/>
+              <a:t> (out-of-bounds write).</a:t>
+            </a:r>
+            <a:endParaRPr lang="en-US" sz="1200" dirty="0"/>
+          </a:p>
+          <a:p>
+            <a:pPr marL="0" indent="0">
+              <a:buNone/>
+            </a:pPr>
+            <a:endParaRPr lang="en-US" sz="1200" dirty="0"/>
           </a:p>
           <a:p>
             <a:endParaRPr lang="en-US" dirty="0"/>
@@ -5159,7 +8530,7 @@
           <a:p>
             <a:fld id="{E9861B67-E5B7-4A63-9B8B-0228EA2A6027}" type="slidenum">
               <a:rPr lang="en-US" smtClean="0"/>
-              <a:t>10</a:t>
+              <a:t>8</a:t>
             </a:fld>
             <a:endParaRPr lang="en-US"/>
           </a:p>
@@ -5168,7 +8539,7 @@
     </p:spTree>
     <p:extLst>
       <p:ext uri="{BB962C8B-B14F-4D97-AF65-F5344CB8AC3E}">
-        <p14:creationId xmlns:p14="http://schemas.microsoft.com/office/powerpoint/2010/main" val="3470307317"/>
+        <p14:creationId xmlns:p14="http://schemas.microsoft.com/office/powerpoint/2010/main" val="1775976361"/>
       </p:ext>
     </p:extLst>
   </p:cSld>
@@ -5223,23 +8594,54 @@
           <a:lstStyle/>
           <a:p>
             <a:r>
-              <a:rPr lang="en-US" i="1" dirty="0">
-                <a:hlinkClick r:id="rId3"/>
-              </a:rPr>
-              <a:t>TOML</a:t>
-            </a:r>
-            <a:r>
               <a:rPr lang="en-US" dirty="0"/>
-              <a:t> (</a:t>
-            </a:r>
-            <a:r>
-              <a:rPr lang="en-US" i="1" dirty="0"/>
-              <a:t>Tom’s Obvious, Minimal Language</a:t>
-            </a:r>
+              <a:t>Both languages have operators for arithmetic, logical, and bitwise operations.</a:t>
+            </a:r>
+          </a:p>
+          <a:p>
             <a:r>
               <a:rPr lang="en-US" dirty="0"/>
-              <a:t>) format, which is Cargo’s configuration format.</a:t>
-            </a:r>
+              <a:t>Both languages support control flow statements such as if/else, loops, and switches.</a:t>
+            </a:r>
+          </a:p>
+          <a:p>
+            <a:endParaRPr lang="en-US" dirty="0"/>
+          </a:p>
+          <a:p>
+            <a:r>
+              <a:rPr lang="en-US" dirty="0"/>
+              <a:t>- Simpler Syntax: Rust's syntax is designed to be simple and easy to read and write. For example, Rust uses the = sign for variable assignment instead of the C++ = and == signs for assignment and comparison, respectively. This makes Rust code more concise and easier to understand.</a:t>
+            </a:r>
+          </a:p>
+          <a:p>
+            <a:r>
+              <a:rPr lang="en-US" dirty="0"/>
+              <a:t>- Type Inference: Rust has a powerful type inference system that allows the compiler to infer the types of variables and expressions in many cases. This reduces the need for explicit type annotations, which can make code more verbose in C++.</a:t>
+            </a:r>
+          </a:p>
+          <a:p>
+            <a:r>
+              <a:rPr lang="en-US" dirty="0"/>
+              <a:t>- Pattern Matching: Rust has powerful pattern matching capabilities that make it easier to write concise and readable code. For example, Rust's match expression can be used to handle complex pattern matching scenarios, such as matching on multiple conditions at once.</a:t>
+            </a:r>
+          </a:p>
+          <a:p>
+            <a:r>
+              <a:rPr lang="en-US" dirty="0"/>
+              <a:t>- Macros: Rust has a powerful macro system that allows developers to write code that generates other code at compile-time. This can be used to reduce boilerplate code and make code more modular and reusable.</a:t>
+            </a:r>
+          </a:p>
+          <a:p>
+            <a:r>
+              <a:rPr lang="en-US" dirty="0"/>
+              <a:t>- Functional Programming Features: Rust includes several features from functional programming languages, such as higher-order functions and closures. These features make it easier to write code that is more concise and expressive.</a:t>
+            </a:r>
+          </a:p>
+          <a:p>
+            <a:endParaRPr lang="en-US" dirty="0"/>
+          </a:p>
+          <a:p>
+            <a:endParaRPr lang="en-US" dirty="0"/>
           </a:p>
         </p:txBody>
       </p:sp>
@@ -5260,7 +8662,7 @@
           <a:p>
             <a:fld id="{E9861B67-E5B7-4A63-9B8B-0228EA2A6027}" type="slidenum">
               <a:rPr lang="en-US" smtClean="0"/>
-              <a:t>11</a:t>
+              <a:t>10</a:t>
             </a:fld>
             <a:endParaRPr lang="en-US"/>
           </a:p>
@@ -5269,7 +8671,7 @@
     </p:spTree>
     <p:extLst>
       <p:ext uri="{BB962C8B-B14F-4D97-AF65-F5344CB8AC3E}">
-        <p14:creationId xmlns:p14="http://schemas.microsoft.com/office/powerpoint/2010/main" val="1446410045"/>
+        <p14:creationId xmlns:p14="http://schemas.microsoft.com/office/powerpoint/2010/main" val="3470307317"/>
       </p:ext>
     </p:extLst>
   </p:cSld>
@@ -5324,24 +8726,23 @@
           <a:lstStyle/>
           <a:p>
             <a:r>
+              <a:rPr lang="en-US" i="1" dirty="0">
+                <a:hlinkClick r:id="rId3"/>
+              </a:rPr>
+              <a:t>TOML</a:t>
+            </a:r>
+            <a:r>
               <a:rPr lang="en-US" dirty="0"/>
-              <a:t>In Rust, Box is used to allocate memory on the heap. The new() method creates a new Box that contains the given value and returns a pointer to the boxed value. The * operator is used to dereference the pointer and access the value stored in the Box.</a:t>
-            </a:r>
-          </a:p>
-          <a:p>
-            <a:endParaRPr lang="en-US" dirty="0"/>
-          </a:p>
-          <a:p>
+              <a:t> (</a:t>
+            </a:r>
+            <a:r>
+              <a:rPr lang="en-US" i="1" dirty="0"/>
+              <a:t>Tom’s Obvious, Minimal Language</a:t>
+            </a:r>
             <a:r>
               <a:rPr lang="en-US" dirty="0"/>
-              <a:t>When the Box goes out of scope, the memory it allocated on the heap will be automatically freed.</a:t>
-            </a:r>
-          </a:p>
-          <a:p>
-            <a:endParaRPr lang="en-US" dirty="0"/>
-          </a:p>
-          <a:p>
-            <a:endParaRPr lang="en-US" dirty="0"/>
+              <a:t>) format, which is Cargo’s configuration format.</a:t>
+            </a:r>
           </a:p>
         </p:txBody>
       </p:sp>
@@ -5362,7 +8763,7 @@
           <a:p>
             <a:fld id="{E9861B67-E5B7-4A63-9B8B-0228EA2A6027}" type="slidenum">
               <a:rPr lang="en-US" smtClean="0"/>
-              <a:t>13</a:t>
+              <a:t>11</a:t>
             </a:fld>
             <a:endParaRPr lang="en-US"/>
           </a:p>
@@ -5371,7 +8772,7 @@
     </p:spTree>
     <p:extLst>
       <p:ext uri="{BB962C8B-B14F-4D97-AF65-F5344CB8AC3E}">
-        <p14:creationId xmlns:p14="http://schemas.microsoft.com/office/powerpoint/2010/main" val="1678830894"/>
+        <p14:creationId xmlns:p14="http://schemas.microsoft.com/office/powerpoint/2010/main" val="1446410045"/>
       </p:ext>
     </p:extLst>
   </p:cSld>
@@ -5552,7 +8953,7 @@
           <a:p>
             <a:fld id="{FD605F3F-A8A6-460E-B0C6-0C378037FA34}" type="datetimeFigureOut">
               <a:rPr lang="en-US" smtClean="0"/>
-              <a:t>3/27/2023</a:t>
+              <a:t>3/28/2023</a:t>
             </a:fld>
             <a:endParaRPr lang="en-US" dirty="0"/>
           </a:p>
@@ -5680,6 +9081,249 @@
     <p:extLst>
       <p:ext uri="{BB962C8B-B14F-4D97-AF65-F5344CB8AC3E}">
         <p14:creationId xmlns:p14="http://schemas.microsoft.com/office/powerpoint/2010/main" val="3965485738"/>
+      </p:ext>
+    </p:extLst>
+  </p:cSld>
+  <p:clrMapOvr>
+    <a:masterClrMapping/>
+  </p:clrMapOvr>
+</p:sldLayout>
+</file>
+
+<file path=ppt/slideLayouts/slideLayout10.xml><?xml version="1.0" encoding="utf-8"?>
+<p:sldLayout xmlns:a="http://schemas.openxmlformats.org/drawingml/2006/main" xmlns:r="http://schemas.openxmlformats.org/officeDocument/2006/relationships" xmlns:p="http://schemas.openxmlformats.org/presentationml/2006/main" preserve="1" userDrawn="1">
+  <p:cSld name="Picture with Caption">
+    <p:spTree>
+      <p:nvGrpSpPr>
+        <p:cNvPr id="1" name=""/>
+        <p:cNvGrpSpPr/>
+        <p:nvPr/>
+      </p:nvGrpSpPr>
+      <p:grpSpPr>
+        <a:xfrm>
+          <a:off x="0" y="0"/>
+          <a:ext cx="0" cy="0"/>
+          <a:chOff x="0" y="0"/>
+          <a:chExt cx="0" cy="0"/>
+        </a:xfrm>
+      </p:grpSpPr>
+      <p:sp>
+        <p:nvSpPr>
+          <p:cNvPr id="2" name="Title 1">
+            <a:extLst>
+              <a:ext uri="{FF2B5EF4-FFF2-40B4-BE49-F238E27FC236}">
+                <a16:creationId xmlns:a16="http://schemas.microsoft.com/office/drawing/2014/main" id="{C1C5130D-73CB-F1FF-EF39-0CF9DD6AF7EE}"/>
+              </a:ext>
+            </a:extLst>
+          </p:cNvPr>
+          <p:cNvSpPr>
+            <a:spLocks noGrp="1"/>
+          </p:cNvSpPr>
+          <p:nvPr>
+            <p:ph type="title"/>
+          </p:nvPr>
+        </p:nvSpPr>
+        <p:spPr>
+          <a:xfrm>
+            <a:off x="838200" y="1803748"/>
+            <a:ext cx="3932237" cy="1277654"/>
+          </a:xfrm>
+          <a:prstGeom prst="rect">
+            <a:avLst/>
+          </a:prstGeom>
+        </p:spPr>
+        <p:txBody>
+          <a:bodyPr anchor="b"/>
+          <a:lstStyle>
+            <a:lvl1pPr>
+              <a:defRPr sz="3200"/>
+            </a:lvl1pPr>
+          </a:lstStyle>
+          <a:p>
+            <a:r>
+              <a:rPr lang="en-US" dirty="0"/>
+              <a:t>Click to edit Master title style</a:t>
+            </a:r>
+          </a:p>
+        </p:txBody>
+      </p:sp>
+      <p:sp>
+        <p:nvSpPr>
+          <p:cNvPr id="3" name="Picture Placeholder 2">
+            <a:extLst>
+              <a:ext uri="{FF2B5EF4-FFF2-40B4-BE49-F238E27FC236}">
+                <a16:creationId xmlns:a16="http://schemas.microsoft.com/office/drawing/2014/main" id="{EDEFFDA3-EDDC-9565-FC38-ACA6B73B259E}"/>
+              </a:ext>
+            </a:extLst>
+          </p:cNvPr>
+          <p:cNvSpPr>
+            <a:spLocks noGrp="1"/>
+          </p:cNvSpPr>
+          <p:nvPr>
+            <p:ph type="pic" idx="1"/>
+          </p:nvPr>
+        </p:nvSpPr>
+        <p:spPr>
+          <a:xfrm>
+            <a:off x="5180012" y="1803748"/>
+            <a:ext cx="6172200" cy="4062064"/>
+          </a:xfrm>
+          <a:prstGeom prst="rect">
+            <a:avLst/>
+          </a:prstGeom>
+        </p:spPr>
+        <p:txBody>
+          <a:bodyPr/>
+          <a:lstStyle>
+            <a:lvl1pPr marL="0" indent="0">
+              <a:buNone/>
+              <a:defRPr sz="3200"/>
+            </a:lvl1pPr>
+            <a:lvl2pPr marL="457200" indent="0">
+              <a:buNone/>
+              <a:defRPr sz="2800"/>
+            </a:lvl2pPr>
+            <a:lvl3pPr marL="914400" indent="0">
+              <a:buNone/>
+              <a:defRPr sz="2400"/>
+            </a:lvl3pPr>
+            <a:lvl4pPr marL="1371600" indent="0">
+              <a:buNone/>
+              <a:defRPr sz="2000"/>
+            </a:lvl4pPr>
+            <a:lvl5pPr marL="1828800" indent="0">
+              <a:buNone/>
+              <a:defRPr sz="2000"/>
+            </a:lvl5pPr>
+            <a:lvl6pPr marL="2286000" indent="0">
+              <a:buNone/>
+              <a:defRPr sz="2000"/>
+            </a:lvl6pPr>
+            <a:lvl7pPr marL="2743200" indent="0">
+              <a:buNone/>
+              <a:defRPr sz="2000"/>
+            </a:lvl7pPr>
+            <a:lvl8pPr marL="3200400" indent="0">
+              <a:buNone/>
+              <a:defRPr sz="2000"/>
+            </a:lvl8pPr>
+            <a:lvl9pPr marL="3657600" indent="0">
+              <a:buNone/>
+              <a:defRPr sz="2000"/>
+            </a:lvl9pPr>
+          </a:lstStyle>
+          <a:p>
+            <a:endParaRPr lang="en-US"/>
+          </a:p>
+        </p:txBody>
+      </p:sp>
+      <p:sp>
+        <p:nvSpPr>
+          <p:cNvPr id="7" name="Slide Number Placeholder 6">
+            <a:extLst>
+              <a:ext uri="{FF2B5EF4-FFF2-40B4-BE49-F238E27FC236}">
+                <a16:creationId xmlns:a16="http://schemas.microsoft.com/office/drawing/2014/main" id="{D5D0006A-81AE-D143-7247-36D83746923E}"/>
+              </a:ext>
+            </a:extLst>
+          </p:cNvPr>
+          <p:cNvSpPr>
+            <a:spLocks noGrp="1"/>
+          </p:cNvSpPr>
+          <p:nvPr>
+            <p:ph type="sldNum" sz="quarter" idx="12"/>
+          </p:nvPr>
+        </p:nvSpPr>
+        <p:spPr/>
+        <p:txBody>
+          <a:bodyPr/>
+          <a:lstStyle/>
+          <a:p>
+            <a:fld id="{702EEEBE-EBBC-4F31-846B-C2118422F972}" type="slidenum">
+              <a:rPr lang="en-US" smtClean="0"/>
+              <a:t>‹#›</a:t>
+            </a:fld>
+            <a:endParaRPr lang="en-US"/>
+          </a:p>
+        </p:txBody>
+      </p:sp>
+      <p:sp>
+        <p:nvSpPr>
+          <p:cNvPr id="8" name="Text Placeholder 3">
+            <a:extLst>
+              <a:ext uri="{FF2B5EF4-FFF2-40B4-BE49-F238E27FC236}">
+                <a16:creationId xmlns:a16="http://schemas.microsoft.com/office/drawing/2014/main" id="{C5C289EA-8000-C813-D763-F5FABA590BB2}"/>
+              </a:ext>
+            </a:extLst>
+          </p:cNvPr>
+          <p:cNvSpPr>
+            <a:spLocks noGrp="1"/>
+          </p:cNvSpPr>
+          <p:nvPr>
+            <p:ph type="body" sz="half" idx="13"/>
+          </p:nvPr>
+        </p:nvSpPr>
+        <p:spPr>
+          <a:xfrm>
+            <a:off x="839788" y="3081402"/>
+            <a:ext cx="3932237" cy="2787585"/>
+          </a:xfrm>
+          <a:prstGeom prst="rect">
+            <a:avLst/>
+          </a:prstGeom>
+        </p:spPr>
+        <p:txBody>
+          <a:bodyPr/>
+          <a:lstStyle>
+            <a:lvl1pPr marL="0" indent="0">
+              <a:buNone/>
+              <a:defRPr sz="1600"/>
+            </a:lvl1pPr>
+            <a:lvl2pPr marL="457200" indent="0">
+              <a:buNone/>
+              <a:defRPr sz="1400"/>
+            </a:lvl2pPr>
+            <a:lvl3pPr marL="914400" indent="0">
+              <a:buNone/>
+              <a:defRPr sz="1200"/>
+            </a:lvl3pPr>
+            <a:lvl4pPr marL="1371600" indent="0">
+              <a:buNone/>
+              <a:defRPr sz="1000"/>
+            </a:lvl4pPr>
+            <a:lvl5pPr marL="1828800" indent="0">
+              <a:buNone/>
+              <a:defRPr sz="1000"/>
+            </a:lvl5pPr>
+            <a:lvl6pPr marL="2286000" indent="0">
+              <a:buNone/>
+              <a:defRPr sz="1000"/>
+            </a:lvl6pPr>
+            <a:lvl7pPr marL="2743200" indent="0">
+              <a:buNone/>
+              <a:defRPr sz="1000"/>
+            </a:lvl7pPr>
+            <a:lvl8pPr marL="3200400" indent="0">
+              <a:buNone/>
+              <a:defRPr sz="1000"/>
+            </a:lvl8pPr>
+            <a:lvl9pPr marL="3657600" indent="0">
+              <a:buNone/>
+              <a:defRPr sz="1000"/>
+            </a:lvl9pPr>
+          </a:lstStyle>
+          <a:p>
+            <a:pPr lvl="0"/>
+            <a:r>
+              <a:rPr lang="en-US"/>
+              <a:t>Click to edit Master text styles</a:t>
+            </a:r>
+          </a:p>
+        </p:txBody>
+      </p:sp>
+    </p:spTree>
+    <p:extLst>
+      <p:ext uri="{BB962C8B-B14F-4D97-AF65-F5344CB8AC3E}">
+        <p14:creationId xmlns:p14="http://schemas.microsoft.com/office/powerpoint/2010/main" val="4252970403"/>
       </p:ext>
     </p:extLst>
   </p:cSld>
@@ -5860,7 +9504,7 @@
           <a:p>
             <a:fld id="{FD605F3F-A8A6-460E-B0C6-0C378037FA34}" type="datetimeFigureOut">
               <a:rPr lang="en-US" smtClean="0"/>
-              <a:t>3/27/2023</a:t>
+              <a:t>3/28/2023</a:t>
             </a:fld>
             <a:endParaRPr lang="en-US" dirty="0"/>
           </a:p>
@@ -6086,6 +9730,204 @@
 </file>
 
 <file path=ppt/slideLayouts/slideLayout3.xml><?xml version="1.0" encoding="utf-8"?>
+<p:sldLayout xmlns:a="http://schemas.openxmlformats.org/drawingml/2006/main" xmlns:r="http://schemas.openxmlformats.org/officeDocument/2006/relationships" xmlns:p="http://schemas.openxmlformats.org/presentationml/2006/main" type="obj">
+  <p:cSld name="Titel en object">
+    <p:spTree>
+      <p:nvGrpSpPr>
+        <p:cNvPr id="1" name=""/>
+        <p:cNvGrpSpPr/>
+        <p:nvPr/>
+      </p:nvGrpSpPr>
+      <p:grpSpPr>
+        <a:xfrm>
+          <a:off x="0" y="0"/>
+          <a:ext cx="0" cy="0"/>
+          <a:chOff x="0" y="0"/>
+          <a:chExt cx="0" cy="0"/>
+        </a:xfrm>
+      </p:grpSpPr>
+      <p:sp>
+        <p:nvSpPr>
+          <p:cNvPr id="2" name="Titel 1">
+            <a:extLst>
+              <a:ext uri="{FF2B5EF4-FFF2-40B4-BE49-F238E27FC236}">
+                <a16:creationId xmlns:a16="http://schemas.microsoft.com/office/drawing/2014/main" id="{0C2AB4FC-8904-90D2-1D53-6B9423CAB3D8}"/>
+              </a:ext>
+            </a:extLst>
+          </p:cNvPr>
+          <p:cNvSpPr>
+            <a:spLocks noGrp="1"/>
+          </p:cNvSpPr>
+          <p:nvPr>
+            <p:ph type="title"/>
+          </p:nvPr>
+        </p:nvSpPr>
+        <p:spPr/>
+        <p:txBody>
+          <a:bodyPr/>
+          <a:lstStyle/>
+          <a:p>
+            <a:r>
+              <a:rPr lang="nl-NL"/>
+              <a:t>Klik om stijl te bewerken</a:t>
+            </a:r>
+          </a:p>
+        </p:txBody>
+      </p:sp>
+      <p:sp>
+        <p:nvSpPr>
+          <p:cNvPr id="3" name="Tijdelijke aanduiding voor inhoud 2">
+            <a:extLst>
+              <a:ext uri="{FF2B5EF4-FFF2-40B4-BE49-F238E27FC236}">
+                <a16:creationId xmlns:a16="http://schemas.microsoft.com/office/drawing/2014/main" id="{560A51B2-9E07-3A2B-41D6-C36925EC604C}"/>
+              </a:ext>
+            </a:extLst>
+          </p:cNvPr>
+          <p:cNvSpPr>
+            <a:spLocks noGrp="1"/>
+          </p:cNvSpPr>
+          <p:nvPr>
+            <p:ph idx="1"/>
+          </p:nvPr>
+        </p:nvSpPr>
+        <p:spPr/>
+        <p:txBody>
+          <a:bodyPr/>
+          <a:lstStyle/>
+          <a:p>
+            <a:pPr lvl="0"/>
+            <a:r>
+              <a:rPr lang="nl-NL"/>
+              <a:t>Klikken om de tekststijl van het model te bewerken</a:t>
+            </a:r>
+          </a:p>
+          <a:p>
+            <a:pPr lvl="1"/>
+            <a:r>
+              <a:rPr lang="nl-NL"/>
+              <a:t>Tweede niveau</a:t>
+            </a:r>
+          </a:p>
+          <a:p>
+            <a:pPr lvl="2"/>
+            <a:r>
+              <a:rPr lang="nl-NL"/>
+              <a:t>Derde niveau</a:t>
+            </a:r>
+          </a:p>
+          <a:p>
+            <a:pPr lvl="3"/>
+            <a:r>
+              <a:rPr lang="nl-NL"/>
+              <a:t>Vierde niveau</a:t>
+            </a:r>
+          </a:p>
+          <a:p>
+            <a:pPr lvl="4"/>
+            <a:r>
+              <a:rPr lang="nl-NL"/>
+              <a:t>Vijfde niveau</a:t>
+            </a:r>
+          </a:p>
+        </p:txBody>
+      </p:sp>
+      <p:sp>
+        <p:nvSpPr>
+          <p:cNvPr id="4" name="Tijdelijke aanduiding voor datum 3">
+            <a:extLst>
+              <a:ext uri="{FF2B5EF4-FFF2-40B4-BE49-F238E27FC236}">
+                <a16:creationId xmlns:a16="http://schemas.microsoft.com/office/drawing/2014/main" id="{A4909D8E-914E-F08A-3F31-7961A75791C3}"/>
+              </a:ext>
+            </a:extLst>
+          </p:cNvPr>
+          <p:cNvSpPr>
+            <a:spLocks noGrp="1"/>
+          </p:cNvSpPr>
+          <p:nvPr>
+            <p:ph type="dt" sz="half" idx="10"/>
+          </p:nvPr>
+        </p:nvSpPr>
+        <p:spPr/>
+        <p:txBody>
+          <a:bodyPr/>
+          <a:lstStyle/>
+          <a:p>
+            <a:fld id="{348914A0-EFA3-0D4C-BAE5-54ABE40C90C3}" type="datetimeFigureOut">
+              <a:rPr lang="nl-NL" smtClean="0"/>
+              <a:t>28-3-2023</a:t>
+            </a:fld>
+            <a:endParaRPr lang="nl-NL"/>
+          </a:p>
+        </p:txBody>
+      </p:sp>
+      <p:sp>
+        <p:nvSpPr>
+          <p:cNvPr id="5" name="Tijdelijke aanduiding voor voettekst 4">
+            <a:extLst>
+              <a:ext uri="{FF2B5EF4-FFF2-40B4-BE49-F238E27FC236}">
+                <a16:creationId xmlns:a16="http://schemas.microsoft.com/office/drawing/2014/main" id="{8232BB77-9F06-E586-137B-B8793F56AB04}"/>
+              </a:ext>
+            </a:extLst>
+          </p:cNvPr>
+          <p:cNvSpPr>
+            <a:spLocks noGrp="1"/>
+          </p:cNvSpPr>
+          <p:nvPr>
+            <p:ph type="ftr" sz="quarter" idx="11"/>
+          </p:nvPr>
+        </p:nvSpPr>
+        <p:spPr/>
+        <p:txBody>
+          <a:bodyPr/>
+          <a:lstStyle/>
+          <a:p>
+            <a:endParaRPr lang="nl-NL"/>
+          </a:p>
+        </p:txBody>
+      </p:sp>
+      <p:sp>
+        <p:nvSpPr>
+          <p:cNvPr id="6" name="Tijdelijke aanduiding voor dianummer 5">
+            <a:extLst>
+              <a:ext uri="{FF2B5EF4-FFF2-40B4-BE49-F238E27FC236}">
+                <a16:creationId xmlns:a16="http://schemas.microsoft.com/office/drawing/2014/main" id="{2A34BBCE-E786-5F5C-CBD0-40958E3CEA76}"/>
+              </a:ext>
+            </a:extLst>
+          </p:cNvPr>
+          <p:cNvSpPr>
+            <a:spLocks noGrp="1"/>
+          </p:cNvSpPr>
+          <p:nvPr>
+            <p:ph type="sldNum" sz="quarter" idx="12"/>
+          </p:nvPr>
+        </p:nvSpPr>
+        <p:spPr/>
+        <p:txBody>
+          <a:bodyPr/>
+          <a:lstStyle/>
+          <a:p>
+            <a:fld id="{06562386-E58D-BF42-BA61-172BA30AF5AD}" type="slidenum">
+              <a:rPr lang="nl-NL" smtClean="0"/>
+              <a:t>‹#›</a:t>
+            </a:fld>
+            <a:endParaRPr lang="nl-NL"/>
+          </a:p>
+        </p:txBody>
+      </p:sp>
+    </p:spTree>
+    <p:extLst>
+      <p:ext uri="{BB962C8B-B14F-4D97-AF65-F5344CB8AC3E}">
+        <p14:creationId xmlns:p14="http://schemas.microsoft.com/office/powerpoint/2010/main" val="866078813"/>
+      </p:ext>
+    </p:extLst>
+  </p:cSld>
+  <p:clrMapOvr>
+    <a:masterClrMapping/>
+  </p:clrMapOvr>
+</p:sldLayout>
+</file>
+
+<file path=ppt/slideLayouts/slideLayout4.xml><?xml version="1.0" encoding="utf-8"?>
 <p:sldLayout xmlns:a="http://schemas.openxmlformats.org/drawingml/2006/main" xmlns:r="http://schemas.openxmlformats.org/officeDocument/2006/relationships" xmlns:p="http://schemas.openxmlformats.org/presentationml/2006/main" type="obj" preserve="1">
   <p:cSld name="Title and Content">
     <p:spTree>
@@ -6255,7 +10097,7 @@
 </p:sldLayout>
 </file>
 
-<file path=ppt/slideLayouts/slideLayout4.xml><?xml version="1.0" encoding="utf-8"?>
+<file path=ppt/slideLayouts/slideLayout5.xml><?xml version="1.0" encoding="utf-8"?>
 <p:sldLayout xmlns:a="http://schemas.openxmlformats.org/drawingml/2006/main" xmlns:r="http://schemas.openxmlformats.org/officeDocument/2006/relationships" xmlns:p="http://schemas.openxmlformats.org/presentationml/2006/main" type="twoObj" preserve="1">
   <p:cSld name="Two Content">
     <p:spTree>
@@ -6490,7 +10332,7 @@
 </p:sldLayout>
 </file>
 
-<file path=ppt/slideLayouts/slideLayout5.xml><?xml version="1.0" encoding="utf-8"?>
+<file path=ppt/slideLayouts/slideLayout6.xml><?xml version="1.0" encoding="utf-8"?>
 <p:sldLayout xmlns:a="http://schemas.openxmlformats.org/drawingml/2006/main" xmlns:r="http://schemas.openxmlformats.org/officeDocument/2006/relationships" xmlns:p="http://schemas.openxmlformats.org/presentationml/2006/main" type="twoTxTwoObj" preserve="1">
   <p:cSld name="Comparison">
     <p:spTree>
@@ -6873,7 +10715,7 @@
 </p:sldLayout>
 </file>
 
-<file path=ppt/slideLayouts/slideLayout6.xml><?xml version="1.0" encoding="utf-8"?>
+<file path=ppt/slideLayouts/slideLayout7.xml><?xml version="1.0" encoding="utf-8"?>
 <p:sldLayout xmlns:a="http://schemas.openxmlformats.org/drawingml/2006/main" xmlns:r="http://schemas.openxmlformats.org/officeDocument/2006/relationships" xmlns:p="http://schemas.openxmlformats.org/presentationml/2006/main" type="titleOnly" preserve="1">
   <p:cSld name="Title Only">
     <p:spTree>
@@ -6978,7 +10820,7 @@
 </p:sldLayout>
 </file>
 
-<file path=ppt/slideLayouts/slideLayout7.xml><?xml version="1.0" encoding="utf-8"?>
+<file path=ppt/slideLayouts/slideLayout8.xml><?xml version="1.0" encoding="utf-8"?>
 <p:sldLayout xmlns:a="http://schemas.openxmlformats.org/drawingml/2006/main" xmlns:r="http://schemas.openxmlformats.org/officeDocument/2006/relationships" xmlns:p="http://schemas.openxmlformats.org/presentationml/2006/main" type="blank" preserve="1">
   <p:cSld name="Blank">
     <p:spTree>
@@ -7037,7 +10879,7 @@
 </p:sldLayout>
 </file>
 
-<file path=ppt/slideLayouts/slideLayout8.xml><?xml version="1.0" encoding="utf-8"?>
+<file path=ppt/slideLayouts/slideLayout9.xml><?xml version="1.0" encoding="utf-8"?>
 <p:sldLayout xmlns:a="http://schemas.openxmlformats.org/drawingml/2006/main" xmlns:r="http://schemas.openxmlformats.org/officeDocument/2006/relationships" xmlns:p="http://schemas.openxmlformats.org/presentationml/2006/main" type="objTx" preserve="1">
   <p:cSld name="Content with Caption">
     <p:spTree>
@@ -7294,249 +11136,6 @@
     <p:extLst>
       <p:ext uri="{BB962C8B-B14F-4D97-AF65-F5344CB8AC3E}">
         <p14:creationId xmlns:p14="http://schemas.microsoft.com/office/powerpoint/2010/main" val="1918565677"/>
-      </p:ext>
-    </p:extLst>
-  </p:cSld>
-  <p:clrMapOvr>
-    <a:masterClrMapping/>
-  </p:clrMapOvr>
-</p:sldLayout>
-</file>
-
-<file path=ppt/slideLayouts/slideLayout9.xml><?xml version="1.0" encoding="utf-8"?>
-<p:sldLayout xmlns:a="http://schemas.openxmlformats.org/drawingml/2006/main" xmlns:r="http://schemas.openxmlformats.org/officeDocument/2006/relationships" xmlns:p="http://schemas.openxmlformats.org/presentationml/2006/main" preserve="1" userDrawn="1">
-  <p:cSld name="Picture with Caption">
-    <p:spTree>
-      <p:nvGrpSpPr>
-        <p:cNvPr id="1" name=""/>
-        <p:cNvGrpSpPr/>
-        <p:nvPr/>
-      </p:nvGrpSpPr>
-      <p:grpSpPr>
-        <a:xfrm>
-          <a:off x="0" y="0"/>
-          <a:ext cx="0" cy="0"/>
-          <a:chOff x="0" y="0"/>
-          <a:chExt cx="0" cy="0"/>
-        </a:xfrm>
-      </p:grpSpPr>
-      <p:sp>
-        <p:nvSpPr>
-          <p:cNvPr id="2" name="Title 1">
-            <a:extLst>
-              <a:ext uri="{FF2B5EF4-FFF2-40B4-BE49-F238E27FC236}">
-                <a16:creationId xmlns:a16="http://schemas.microsoft.com/office/drawing/2014/main" id="{C1C5130D-73CB-F1FF-EF39-0CF9DD6AF7EE}"/>
-              </a:ext>
-            </a:extLst>
-          </p:cNvPr>
-          <p:cNvSpPr>
-            <a:spLocks noGrp="1"/>
-          </p:cNvSpPr>
-          <p:nvPr>
-            <p:ph type="title"/>
-          </p:nvPr>
-        </p:nvSpPr>
-        <p:spPr>
-          <a:xfrm>
-            <a:off x="838200" y="1803748"/>
-            <a:ext cx="3932237" cy="1277654"/>
-          </a:xfrm>
-          <a:prstGeom prst="rect">
-            <a:avLst/>
-          </a:prstGeom>
-        </p:spPr>
-        <p:txBody>
-          <a:bodyPr anchor="b"/>
-          <a:lstStyle>
-            <a:lvl1pPr>
-              <a:defRPr sz="3200"/>
-            </a:lvl1pPr>
-          </a:lstStyle>
-          <a:p>
-            <a:r>
-              <a:rPr lang="en-US" dirty="0"/>
-              <a:t>Click to edit Master title style</a:t>
-            </a:r>
-          </a:p>
-        </p:txBody>
-      </p:sp>
-      <p:sp>
-        <p:nvSpPr>
-          <p:cNvPr id="3" name="Picture Placeholder 2">
-            <a:extLst>
-              <a:ext uri="{FF2B5EF4-FFF2-40B4-BE49-F238E27FC236}">
-                <a16:creationId xmlns:a16="http://schemas.microsoft.com/office/drawing/2014/main" id="{EDEFFDA3-EDDC-9565-FC38-ACA6B73B259E}"/>
-              </a:ext>
-            </a:extLst>
-          </p:cNvPr>
-          <p:cNvSpPr>
-            <a:spLocks noGrp="1"/>
-          </p:cNvSpPr>
-          <p:nvPr>
-            <p:ph type="pic" idx="1"/>
-          </p:nvPr>
-        </p:nvSpPr>
-        <p:spPr>
-          <a:xfrm>
-            <a:off x="5180012" y="1803748"/>
-            <a:ext cx="6172200" cy="4062064"/>
-          </a:xfrm>
-          <a:prstGeom prst="rect">
-            <a:avLst/>
-          </a:prstGeom>
-        </p:spPr>
-        <p:txBody>
-          <a:bodyPr/>
-          <a:lstStyle>
-            <a:lvl1pPr marL="0" indent="0">
-              <a:buNone/>
-              <a:defRPr sz="3200"/>
-            </a:lvl1pPr>
-            <a:lvl2pPr marL="457200" indent="0">
-              <a:buNone/>
-              <a:defRPr sz="2800"/>
-            </a:lvl2pPr>
-            <a:lvl3pPr marL="914400" indent="0">
-              <a:buNone/>
-              <a:defRPr sz="2400"/>
-            </a:lvl3pPr>
-            <a:lvl4pPr marL="1371600" indent="0">
-              <a:buNone/>
-              <a:defRPr sz="2000"/>
-            </a:lvl4pPr>
-            <a:lvl5pPr marL="1828800" indent="0">
-              <a:buNone/>
-              <a:defRPr sz="2000"/>
-            </a:lvl5pPr>
-            <a:lvl6pPr marL="2286000" indent="0">
-              <a:buNone/>
-              <a:defRPr sz="2000"/>
-            </a:lvl6pPr>
-            <a:lvl7pPr marL="2743200" indent="0">
-              <a:buNone/>
-              <a:defRPr sz="2000"/>
-            </a:lvl7pPr>
-            <a:lvl8pPr marL="3200400" indent="0">
-              <a:buNone/>
-              <a:defRPr sz="2000"/>
-            </a:lvl8pPr>
-            <a:lvl9pPr marL="3657600" indent="0">
-              <a:buNone/>
-              <a:defRPr sz="2000"/>
-            </a:lvl9pPr>
-          </a:lstStyle>
-          <a:p>
-            <a:endParaRPr lang="en-US"/>
-          </a:p>
-        </p:txBody>
-      </p:sp>
-      <p:sp>
-        <p:nvSpPr>
-          <p:cNvPr id="7" name="Slide Number Placeholder 6">
-            <a:extLst>
-              <a:ext uri="{FF2B5EF4-FFF2-40B4-BE49-F238E27FC236}">
-                <a16:creationId xmlns:a16="http://schemas.microsoft.com/office/drawing/2014/main" id="{D5D0006A-81AE-D143-7247-36D83746923E}"/>
-              </a:ext>
-            </a:extLst>
-          </p:cNvPr>
-          <p:cNvSpPr>
-            <a:spLocks noGrp="1"/>
-          </p:cNvSpPr>
-          <p:nvPr>
-            <p:ph type="sldNum" sz="quarter" idx="12"/>
-          </p:nvPr>
-        </p:nvSpPr>
-        <p:spPr/>
-        <p:txBody>
-          <a:bodyPr/>
-          <a:lstStyle/>
-          <a:p>
-            <a:fld id="{702EEEBE-EBBC-4F31-846B-C2118422F972}" type="slidenum">
-              <a:rPr lang="en-US" smtClean="0"/>
-              <a:t>‹#›</a:t>
-            </a:fld>
-            <a:endParaRPr lang="en-US"/>
-          </a:p>
-        </p:txBody>
-      </p:sp>
-      <p:sp>
-        <p:nvSpPr>
-          <p:cNvPr id="8" name="Text Placeholder 3">
-            <a:extLst>
-              <a:ext uri="{FF2B5EF4-FFF2-40B4-BE49-F238E27FC236}">
-                <a16:creationId xmlns:a16="http://schemas.microsoft.com/office/drawing/2014/main" id="{C5C289EA-8000-C813-D763-F5FABA590BB2}"/>
-              </a:ext>
-            </a:extLst>
-          </p:cNvPr>
-          <p:cNvSpPr>
-            <a:spLocks noGrp="1"/>
-          </p:cNvSpPr>
-          <p:nvPr>
-            <p:ph type="body" sz="half" idx="13"/>
-          </p:nvPr>
-        </p:nvSpPr>
-        <p:spPr>
-          <a:xfrm>
-            <a:off x="839788" y="3081402"/>
-            <a:ext cx="3932237" cy="2787585"/>
-          </a:xfrm>
-          <a:prstGeom prst="rect">
-            <a:avLst/>
-          </a:prstGeom>
-        </p:spPr>
-        <p:txBody>
-          <a:bodyPr/>
-          <a:lstStyle>
-            <a:lvl1pPr marL="0" indent="0">
-              <a:buNone/>
-              <a:defRPr sz="1600"/>
-            </a:lvl1pPr>
-            <a:lvl2pPr marL="457200" indent="0">
-              <a:buNone/>
-              <a:defRPr sz="1400"/>
-            </a:lvl2pPr>
-            <a:lvl3pPr marL="914400" indent="0">
-              <a:buNone/>
-              <a:defRPr sz="1200"/>
-            </a:lvl3pPr>
-            <a:lvl4pPr marL="1371600" indent="0">
-              <a:buNone/>
-              <a:defRPr sz="1000"/>
-            </a:lvl4pPr>
-            <a:lvl5pPr marL="1828800" indent="0">
-              <a:buNone/>
-              <a:defRPr sz="1000"/>
-            </a:lvl5pPr>
-            <a:lvl6pPr marL="2286000" indent="0">
-              <a:buNone/>
-              <a:defRPr sz="1000"/>
-            </a:lvl6pPr>
-            <a:lvl7pPr marL="2743200" indent="0">
-              <a:buNone/>
-              <a:defRPr sz="1000"/>
-            </a:lvl7pPr>
-            <a:lvl8pPr marL="3200400" indent="0">
-              <a:buNone/>
-              <a:defRPr sz="1000"/>
-            </a:lvl8pPr>
-            <a:lvl9pPr marL="3657600" indent="0">
-              <a:buNone/>
-              <a:defRPr sz="1000"/>
-            </a:lvl9pPr>
-          </a:lstStyle>
-          <a:p>
-            <a:pPr lvl="0"/>
-            <a:r>
-              <a:rPr lang="en-US"/>
-              <a:t>Click to edit Master text styles</a:t>
-            </a:r>
-          </a:p>
-        </p:txBody>
-      </p:sp>
-    </p:spTree>
-    <p:extLst>
-      <p:ext uri="{BB962C8B-B14F-4D97-AF65-F5344CB8AC3E}">
-        <p14:creationId xmlns:p14="http://schemas.microsoft.com/office/powerpoint/2010/main" val="4252970403"/>
       </p:ext>
     </p:extLst>
   </p:cSld>
@@ -7620,6 +11219,7 @@
   <p:sldLayoutIdLst>
     <p:sldLayoutId id="2147483649" r:id="rId1"/>
     <p:sldLayoutId id="2147483673" r:id="rId2"/>
+    <p:sldLayoutId id="2147483674" r:id="rId3"/>
   </p:sldLayoutIdLst>
   <p:txStyles>
     <p:titleStyle>
@@ -8363,122 +11963,70 @@
           <a:chExt cx="0" cy="0"/>
         </a:xfrm>
       </p:grpSpPr>
-      <p:sp>
-        <p:nvSpPr>
-          <p:cNvPr id="2" name="Title 1">
+      <p:pic>
+        <p:nvPicPr>
+          <p:cNvPr id="5" name="Afbeelding 4" descr="Afbeelding met tekst&#10;&#10;Automatisch gegenereerde beschrijving">
             <a:extLst>
               <a:ext uri="{FF2B5EF4-FFF2-40B4-BE49-F238E27FC236}">
-                <a16:creationId xmlns:a16="http://schemas.microsoft.com/office/drawing/2014/main" id="{B3807022-ADA0-910B-2598-7B3E5CECBBD1}"/>
+                <a16:creationId xmlns:a16="http://schemas.microsoft.com/office/drawing/2014/main" id="{D0E486EF-5410-FC0D-C1DE-BD8BF66DC392}"/>
               </a:ext>
             </a:extLst>
           </p:cNvPr>
-          <p:cNvSpPr>
-            <a:spLocks noGrp="1"/>
-          </p:cNvSpPr>
-          <p:nvPr>
-            <p:ph type="ctrTitle"/>
-          </p:nvPr>
-        </p:nvSpPr>
-        <p:spPr/>
-        <p:txBody>
-          <a:bodyPr/>
-          <a:lstStyle/>
-          <a:p>
-            <a:r>
-              <a:rPr lang="en-US" dirty="0"/>
-              <a:t>C++ vs Rust</a:t>
-            </a:r>
-          </a:p>
-        </p:txBody>
-      </p:sp>
-      <p:sp>
-        <p:nvSpPr>
-          <p:cNvPr id="3" name="Subtitle 2">
+          <p:cNvPicPr>
+            <a:picLocks noChangeAspect="1"/>
+          </p:cNvPicPr>
+          <p:nvPr/>
+        </p:nvPicPr>
+        <p:blipFill>
+          <a:blip r:embed="rId3"/>
+          <a:stretch>
+            <a:fillRect/>
+          </a:stretch>
+        </p:blipFill>
+        <p:spPr>
+          <a:xfrm>
+            <a:off x="0" y="0"/>
+            <a:ext cx="12192000" cy="6858000"/>
+          </a:xfrm>
+          <a:prstGeom prst="rect">
+            <a:avLst/>
+          </a:prstGeom>
+        </p:spPr>
+      </p:pic>
+      <p:pic>
+        <p:nvPicPr>
+          <p:cNvPr id="7" name="Afbeelding 6">
             <a:extLst>
               <a:ext uri="{FF2B5EF4-FFF2-40B4-BE49-F238E27FC236}">
-                <a16:creationId xmlns:a16="http://schemas.microsoft.com/office/drawing/2014/main" id="{B0B7AC30-BE0E-ECE4-C4CF-B8EB294F7E6F}"/>
+                <a16:creationId xmlns:a16="http://schemas.microsoft.com/office/drawing/2014/main" id="{EB80FF91-3779-7880-537D-B2F8FC4424A6}"/>
               </a:ext>
             </a:extLst>
           </p:cNvPr>
-          <p:cNvSpPr>
-            <a:spLocks noGrp="1"/>
-          </p:cNvSpPr>
-          <p:nvPr>
-            <p:ph type="subTitle" idx="1"/>
-          </p:nvPr>
-        </p:nvSpPr>
-        <p:spPr/>
-        <p:txBody>
-          <a:bodyPr/>
-          <a:lstStyle/>
-          <a:p>
-            <a:r>
-              <a:rPr lang="en-US" dirty="0"/>
-              <a:t>Memory safety</a:t>
-            </a:r>
-          </a:p>
-        </p:txBody>
-      </p:sp>
-      <p:sp>
-        <p:nvSpPr>
-          <p:cNvPr id="4" name="Text Placeholder 3">
-            <a:extLst>
-              <a:ext uri="{FF2B5EF4-FFF2-40B4-BE49-F238E27FC236}">
-                <a16:creationId xmlns:a16="http://schemas.microsoft.com/office/drawing/2014/main" id="{B802A32F-98B3-8C4D-9FB4-D9858CCE3183}"/>
-              </a:ext>
-            </a:extLst>
-          </p:cNvPr>
-          <p:cNvSpPr>
-            <a:spLocks noGrp="1"/>
-          </p:cNvSpPr>
-          <p:nvPr>
-            <p:ph type="body" sz="quarter" idx="11"/>
-          </p:nvPr>
-        </p:nvSpPr>
-        <p:spPr/>
-        <p:txBody>
-          <a:bodyPr/>
-          <a:lstStyle/>
-          <a:p>
-            <a:r>
-              <a:rPr lang="en-US" dirty="0"/>
-              <a:t>Dennis J. Alberts</a:t>
-            </a:r>
-          </a:p>
-        </p:txBody>
-      </p:sp>
-      <p:sp>
-        <p:nvSpPr>
-          <p:cNvPr id="5" name="Text Placeholder 4">
-            <a:extLst>
-              <a:ext uri="{FF2B5EF4-FFF2-40B4-BE49-F238E27FC236}">
-                <a16:creationId xmlns:a16="http://schemas.microsoft.com/office/drawing/2014/main" id="{F707F64E-87FC-269F-A60A-2504E0A5B556}"/>
-              </a:ext>
-            </a:extLst>
-          </p:cNvPr>
-          <p:cNvSpPr>
-            <a:spLocks noGrp="1"/>
-          </p:cNvSpPr>
-          <p:nvPr>
-            <p:ph type="body" sz="quarter" idx="12"/>
-          </p:nvPr>
-        </p:nvSpPr>
-        <p:spPr/>
-        <p:txBody>
-          <a:bodyPr/>
-          <a:lstStyle/>
-          <a:p>
-            <a:r>
-              <a:rPr lang="en-US" dirty="0"/>
-              <a:t>Software Engineer</a:t>
-            </a:r>
-          </a:p>
-        </p:txBody>
-      </p:sp>
+          <p:cNvPicPr>
+            <a:picLocks noChangeAspect="1"/>
+          </p:cNvPicPr>
+          <p:nvPr/>
+        </p:nvPicPr>
+        <p:blipFill>
+          <a:blip r:embed="rId4"/>
+          <a:stretch>
+            <a:fillRect/>
+          </a:stretch>
+        </p:blipFill>
+        <p:spPr>
+          <a:xfrm>
+            <a:off x="0" y="0"/>
+            <a:ext cx="12192000" cy="6858000"/>
+          </a:xfrm>
+          <a:prstGeom prst="rect">
+            <a:avLst/>
+          </a:prstGeom>
+        </p:spPr>
+      </p:pic>
     </p:spTree>
     <p:extLst>
       <p:ext uri="{BB962C8B-B14F-4D97-AF65-F5344CB8AC3E}">
-        <p14:creationId xmlns:p14="http://schemas.microsoft.com/office/powerpoint/2010/main" val="2952782156"/>
+        <p14:creationId xmlns:p14="http://schemas.microsoft.com/office/powerpoint/2010/main" val="4067249088"/>
       </p:ext>
     </p:extLst>
   </p:cSld>
@@ -10541,7 +14089,7 @@
             </a:r>
             <a:r>
               <a:rPr lang="en-US" dirty="0"/>
-              <a:t>, since num is borrowed to another value. Therefore, it cannot be freed.</a:t>
+              <a:t>, since num is moved and the value can, therefore, not be used after moved.</a:t>
             </a:r>
           </a:p>
         </p:txBody>
@@ -14031,7 +17579,7 @@
           <a:p>
             <a:r>
               <a:rPr lang="en-US" sz="2000" dirty="0"/>
-              <a:t>Example #3 could be prevented with compiler functions that perform arithmetic with overflow checking.]</a:t>
+              <a:t>Example #3 could be prevented with compiler functions that perform arithmetic with overflow checking.</a:t>
             </a:r>
           </a:p>
           <a:p>
@@ -14647,78 +18195,142 @@
           <a:chExt cx="0" cy="0"/>
         </a:xfrm>
       </p:grpSpPr>
-      <p:sp>
-        <p:nvSpPr>
-          <p:cNvPr id="2" name="Title 1">
+      <p:graphicFrame>
+        <p:nvGraphicFramePr>
+          <p:cNvPr id="2" name="Grafiek 1">
             <a:extLst>
               <a:ext uri="{FF2B5EF4-FFF2-40B4-BE49-F238E27FC236}">
-                <a16:creationId xmlns:a16="http://schemas.microsoft.com/office/drawing/2014/main" id="{94BAFAC7-5895-23EA-8891-DC0BD3F68CD8}"/>
+                <a16:creationId xmlns:a16="http://schemas.microsoft.com/office/drawing/2014/main" id="{144741BD-A8B1-D917-E651-EC3F7CD84A7F}"/>
               </a:ext>
             </a:extLst>
           </p:cNvPr>
-          <p:cNvSpPr>
-            <a:spLocks noGrp="1"/>
-          </p:cNvSpPr>
+          <p:cNvGraphicFramePr/>
           <p:nvPr>
-            <p:ph type="title"/>
+            <p:extLst>
+              <p:ext uri="{D42A27DB-BD31-4B8C-83A1-F6EECF244321}">
+                <p14:modId xmlns:p14="http://schemas.microsoft.com/office/powerpoint/2010/main" val="3754425693"/>
+              </p:ext>
+            </p:extLst>
           </p:nvPr>
-        </p:nvSpPr>
-        <p:spPr/>
-        <p:txBody>
-          <a:bodyPr/>
-          <a:lstStyle/>
-          <a:p>
-            <a:r>
-              <a:rPr lang="en-US" dirty="0"/>
-              <a:t>Discussion</a:t>
-            </a:r>
-          </a:p>
-        </p:txBody>
-      </p:sp>
-      <p:sp>
-        <p:nvSpPr>
-          <p:cNvPr id="3" name="Content Placeholder 2">
+        </p:nvGraphicFramePr>
+        <p:xfrm>
+          <a:off x="-527501" y="1919481"/>
+          <a:ext cx="5481703" cy="3312125"/>
+        </p:xfrm>
+        <a:graphic>
+          <a:graphicData uri="http://schemas.openxmlformats.org/drawingml/2006/chart">
+            <c:chart xmlns:c="http://schemas.openxmlformats.org/drawingml/2006/chart" xmlns:r="http://schemas.openxmlformats.org/officeDocument/2006/relationships" r:id="rId3"/>
+          </a:graphicData>
+        </a:graphic>
+      </p:graphicFrame>
+      <p:graphicFrame>
+        <p:nvGraphicFramePr>
+          <p:cNvPr id="3" name="Grafiek 2">
             <a:extLst>
               <a:ext uri="{FF2B5EF4-FFF2-40B4-BE49-F238E27FC236}">
-                <a16:creationId xmlns:a16="http://schemas.microsoft.com/office/drawing/2014/main" id="{602FBDEC-2D2C-0051-B9F4-30F88BF71C23}"/>
+                <a16:creationId xmlns:a16="http://schemas.microsoft.com/office/drawing/2014/main" id="{6F4B8D6F-365C-8597-0017-910691B0B6E3}"/>
               </a:ext>
             </a:extLst>
           </p:cNvPr>
-          <p:cNvSpPr>
-            <a:spLocks noGrp="1"/>
-          </p:cNvSpPr>
+          <p:cNvGraphicFramePr/>
           <p:nvPr>
-            <p:ph idx="1"/>
+            <p:extLst>
+              <p:ext uri="{D42A27DB-BD31-4B8C-83A1-F6EECF244321}">
+                <p14:modId xmlns:p14="http://schemas.microsoft.com/office/powerpoint/2010/main" val="2775315750"/>
+              </p:ext>
+            </p:extLst>
           </p:nvPr>
+        </p:nvGraphicFramePr>
+        <p:xfrm>
+          <a:off x="3373182" y="2114026"/>
+          <a:ext cx="4814473" cy="3094011"/>
+        </p:xfrm>
+        <a:graphic>
+          <a:graphicData uri="http://schemas.openxmlformats.org/drawingml/2006/chart">
+            <c:chart xmlns:c="http://schemas.openxmlformats.org/drawingml/2006/chart" xmlns:r="http://schemas.openxmlformats.org/officeDocument/2006/relationships" r:id="rId4"/>
+          </a:graphicData>
+        </a:graphic>
+      </p:graphicFrame>
+      <p:graphicFrame>
+        <p:nvGraphicFramePr>
+          <p:cNvPr id="4" name="Grafiek 3">
+            <a:extLst>
+              <a:ext uri="{FF2B5EF4-FFF2-40B4-BE49-F238E27FC236}">
+                <a16:creationId xmlns:a16="http://schemas.microsoft.com/office/drawing/2014/main" id="{0F2B6A94-ABE0-6226-0002-CCCFD9D68DC1}"/>
+              </a:ext>
+            </a:extLst>
+          </p:cNvPr>
+          <p:cNvGraphicFramePr/>
+          <p:nvPr>
+            <p:extLst>
+              <p:ext uri="{D42A27DB-BD31-4B8C-83A1-F6EECF244321}">
+                <p14:modId xmlns:p14="http://schemas.microsoft.com/office/powerpoint/2010/main" val="84958302"/>
+              </p:ext>
+            </p:extLst>
+          </p:nvPr>
+        </p:nvGraphicFramePr>
+        <p:xfrm>
+          <a:off x="7071919" y="1895912"/>
+          <a:ext cx="5620623" cy="3312125"/>
+        </p:xfrm>
+        <a:graphic>
+          <a:graphicData uri="http://schemas.openxmlformats.org/drawingml/2006/chart">
+            <c:chart xmlns:c="http://schemas.openxmlformats.org/drawingml/2006/chart" xmlns:r="http://schemas.openxmlformats.org/officeDocument/2006/relationships" r:id="rId5"/>
+          </a:graphicData>
+        </a:graphic>
+      </p:graphicFrame>
+      <p:sp>
+        <p:nvSpPr>
+          <p:cNvPr id="5" name="Tekstvak 4">
+            <a:extLst>
+              <a:ext uri="{FF2B5EF4-FFF2-40B4-BE49-F238E27FC236}">
+                <a16:creationId xmlns:a16="http://schemas.microsoft.com/office/drawing/2014/main" id="{E5EA88E6-BA07-1EEF-272E-11B397079F92}"/>
+              </a:ext>
+            </a:extLst>
+          </p:cNvPr>
+          <p:cNvSpPr txBox="1"/>
+          <p:nvPr/>
         </p:nvSpPr>
-        <p:spPr/>
+        <p:spPr>
+          <a:xfrm>
+            <a:off x="1384151" y="419548"/>
+            <a:ext cx="9423698" cy="707886"/>
+          </a:xfrm>
+          <a:prstGeom prst="rect">
+            <a:avLst/>
+          </a:prstGeom>
+          <a:noFill/>
+        </p:spPr>
         <p:txBody>
-          <a:bodyPr/>
+          <a:bodyPr wrap="square" rtlCol="0">
+            <a:spAutoFit/>
+          </a:bodyPr>
           <a:lstStyle/>
           <a:p>
             <a:r>
-              <a:rPr lang="en-US" sz="2400" dirty="0"/>
-              <a:t>Is Rust superior to C++?</a:t>
-            </a:r>
-          </a:p>
-          <a:p>
-            <a:r>
-              <a:rPr lang="en-US" sz="2400" dirty="0"/>
-              <a:t>Can C++ be as safe as Rust?</a:t>
-            </a:r>
-          </a:p>
-          <a:p>
-            <a:r>
-              <a:rPr lang="en-US" sz="2400" dirty="0"/>
-              <a:t>Should Rust replace existing C++ codebases?</a:t>
-            </a:r>
+              <a:rPr lang="nl-NL" sz="4000" dirty="0" err="1">
+                <a:solidFill>
+                  <a:srgbClr val="FD4900"/>
+                </a:solidFill>
+                <a:latin typeface="Poppins" pitchFamily="2" charset="77"/>
+                <a:cs typeface="Poppins" pitchFamily="2" charset="77"/>
+              </a:rPr>
+              <a:t>Discussion</a:t>
+            </a:r>
+            <a:endParaRPr lang="nl-NL" sz="4000" dirty="0">
+              <a:solidFill>
+                <a:srgbClr val="FD4900"/>
+              </a:solidFill>
+              <a:latin typeface="Poppins" pitchFamily="2" charset="77"/>
+              <a:cs typeface="Poppins" pitchFamily="2" charset="77"/>
+            </a:endParaRPr>
           </a:p>
         </p:txBody>
       </p:sp>
     </p:spTree>
     <p:extLst>
       <p:ext uri="{BB962C8B-B14F-4D97-AF65-F5344CB8AC3E}">
-        <p14:creationId xmlns:p14="http://schemas.microsoft.com/office/powerpoint/2010/main" val="3919237953"/>
+        <p14:creationId xmlns:p14="http://schemas.microsoft.com/office/powerpoint/2010/main" val="3245269924"/>
       </p:ext>
     </p:extLst>
   </p:cSld>
